--- a/Learning Handwriting using EMNIST.pptx
+++ b/Learning Handwriting using EMNIST.pptx
@@ -2,8 +2,11 @@
 <file path=ppt/presentation.xml><?xml version="1.0" encoding="utf-8"?>
 <p:presentation xmlns:a="http://schemas.openxmlformats.org/drawingml/2006/main" xmlns:r="http://schemas.openxmlformats.org/officeDocument/2006/relationships" xmlns:p="http://schemas.openxmlformats.org/presentationml/2006/main" saveSubsetFonts="1">
   <p:sldMasterIdLst>
-    <p:sldMasterId id="2147483648" r:id="rId1"/>
+    <p:sldMasterId id="2147483677" r:id="rId1"/>
   </p:sldMasterIdLst>
+  <p:notesMasterIdLst>
+    <p:notesMasterId r:id="rId11"/>
+  </p:notesMasterIdLst>
   <p:sldIdLst>
     <p:sldId id="256" r:id="rId2"/>
     <p:sldId id="257" r:id="rId3"/>
@@ -12,6 +15,8 @@
     <p:sldId id="264" r:id="rId6"/>
     <p:sldId id="260" r:id="rId7"/>
     <p:sldId id="262" r:id="rId8"/>
+    <p:sldId id="265" r:id="rId9"/>
+    <p:sldId id="266" r:id="rId10"/>
   </p:sldIdLst>
   <p:sldSz cx="12192000" cy="6858000"/>
   <p:notesSz cx="6858000" cy="9144000"/>
@@ -19,7 +24,7 @@
     <a:defPPr>
       <a:defRPr lang="en-US"/>
     </a:defPPr>
-    <a:lvl1pPr marL="0" algn="l" defTabSz="914400" rtl="0" eaLnBrk="1" latinLnBrk="0" hangingPunct="1">
+    <a:lvl1pPr marL="0" algn="l" defTabSz="457200" rtl="0" eaLnBrk="1" latinLnBrk="0" hangingPunct="1">
       <a:defRPr sz="1800" kern="1200">
         <a:solidFill>
           <a:schemeClr val="tx1"/>
@@ -29,7 +34,7 @@
         <a:cs typeface="+mn-cs"/>
       </a:defRPr>
     </a:lvl1pPr>
-    <a:lvl2pPr marL="457200" algn="l" defTabSz="914400" rtl="0" eaLnBrk="1" latinLnBrk="0" hangingPunct="1">
+    <a:lvl2pPr marL="457200" algn="l" defTabSz="457200" rtl="0" eaLnBrk="1" latinLnBrk="0" hangingPunct="1">
       <a:defRPr sz="1800" kern="1200">
         <a:solidFill>
           <a:schemeClr val="tx1"/>
@@ -39,7 +44,7 @@
         <a:cs typeface="+mn-cs"/>
       </a:defRPr>
     </a:lvl2pPr>
-    <a:lvl3pPr marL="914400" algn="l" defTabSz="914400" rtl="0" eaLnBrk="1" latinLnBrk="0" hangingPunct="1">
+    <a:lvl3pPr marL="914400" algn="l" defTabSz="457200" rtl="0" eaLnBrk="1" latinLnBrk="0" hangingPunct="1">
       <a:defRPr sz="1800" kern="1200">
         <a:solidFill>
           <a:schemeClr val="tx1"/>
@@ -49,7 +54,7 @@
         <a:cs typeface="+mn-cs"/>
       </a:defRPr>
     </a:lvl3pPr>
-    <a:lvl4pPr marL="1371600" algn="l" defTabSz="914400" rtl="0" eaLnBrk="1" latinLnBrk="0" hangingPunct="1">
+    <a:lvl4pPr marL="1371600" algn="l" defTabSz="457200" rtl="0" eaLnBrk="1" latinLnBrk="0" hangingPunct="1">
       <a:defRPr sz="1800" kern="1200">
         <a:solidFill>
           <a:schemeClr val="tx1"/>
@@ -59,7 +64,7 @@
         <a:cs typeface="+mn-cs"/>
       </a:defRPr>
     </a:lvl4pPr>
-    <a:lvl5pPr marL="1828800" algn="l" defTabSz="914400" rtl="0" eaLnBrk="1" latinLnBrk="0" hangingPunct="1">
+    <a:lvl5pPr marL="1828800" algn="l" defTabSz="457200" rtl="0" eaLnBrk="1" latinLnBrk="0" hangingPunct="1">
       <a:defRPr sz="1800" kern="1200">
         <a:solidFill>
           <a:schemeClr val="tx1"/>
@@ -69,7 +74,7 @@
         <a:cs typeface="+mn-cs"/>
       </a:defRPr>
     </a:lvl5pPr>
-    <a:lvl6pPr marL="2286000" algn="l" defTabSz="914400" rtl="0" eaLnBrk="1" latinLnBrk="0" hangingPunct="1">
+    <a:lvl6pPr marL="2286000" algn="l" defTabSz="457200" rtl="0" eaLnBrk="1" latinLnBrk="0" hangingPunct="1">
       <a:defRPr sz="1800" kern="1200">
         <a:solidFill>
           <a:schemeClr val="tx1"/>
@@ -79,7 +84,7 @@
         <a:cs typeface="+mn-cs"/>
       </a:defRPr>
     </a:lvl6pPr>
-    <a:lvl7pPr marL="2743200" algn="l" defTabSz="914400" rtl="0" eaLnBrk="1" latinLnBrk="0" hangingPunct="1">
+    <a:lvl7pPr marL="2743200" algn="l" defTabSz="457200" rtl="0" eaLnBrk="1" latinLnBrk="0" hangingPunct="1">
       <a:defRPr sz="1800" kern="1200">
         <a:solidFill>
           <a:schemeClr val="tx1"/>
@@ -89,7 +94,7 @@
         <a:cs typeface="+mn-cs"/>
       </a:defRPr>
     </a:lvl7pPr>
-    <a:lvl8pPr marL="3200400" algn="l" defTabSz="914400" rtl="0" eaLnBrk="1" latinLnBrk="0" hangingPunct="1">
+    <a:lvl8pPr marL="3200400" algn="l" defTabSz="457200" rtl="0" eaLnBrk="1" latinLnBrk="0" hangingPunct="1">
       <a:defRPr sz="1800" kern="1200">
         <a:solidFill>
           <a:schemeClr val="tx1"/>
@@ -99,7 +104,7 @@
         <a:cs typeface="+mn-cs"/>
       </a:defRPr>
     </a:lvl8pPr>
-    <a:lvl9pPr marL="3657600" algn="l" defTabSz="914400" rtl="0" eaLnBrk="1" latinLnBrk="0" hangingPunct="1">
+    <a:lvl9pPr marL="3657600" algn="l" defTabSz="457200" rtl="0" eaLnBrk="1" latinLnBrk="0" hangingPunct="1">
       <a:defRPr sz="1800" kern="1200">
         <a:solidFill>
           <a:schemeClr val="tx1"/>
@@ -122,6 +127,8 @@
             <p14:sldId id="264"/>
             <p14:sldId id="260"/>
             <p14:sldId id="262"/>
+            <p14:sldId id="265"/>
+            <p14:sldId id="266"/>
           </p14:sldIdLst>
         </p14:section>
       </p14:sectionLst>
@@ -137,8 +144,1075 @@
 <p1510:revInfo xmlns:a="http://schemas.openxmlformats.org/drawingml/2006/main" xmlns:r="http://schemas.openxmlformats.org/officeDocument/2006/relationships" xmlns:p1510="http://schemas.microsoft.com/office/powerpoint/2015/10/main"/>
 </file>
 
+<file path=ppt/notesMasters/notesMaster1.xml><?xml version="1.0" encoding="utf-8"?>
+<p:notesMaster xmlns:a="http://schemas.openxmlformats.org/drawingml/2006/main" xmlns:r="http://schemas.openxmlformats.org/officeDocument/2006/relationships" xmlns:p="http://schemas.openxmlformats.org/presentationml/2006/main">
+  <p:cSld>
+    <p:bg>
+      <p:bgRef idx="1001">
+        <a:schemeClr val="bg1"/>
+      </p:bgRef>
+    </p:bg>
+    <p:spTree>
+      <p:nvGrpSpPr>
+        <p:cNvPr id="1" name=""/>
+        <p:cNvGrpSpPr/>
+        <p:nvPr/>
+      </p:nvGrpSpPr>
+      <p:grpSpPr>
+        <a:xfrm>
+          <a:off x="0" y="0"/>
+          <a:ext cx="0" cy="0"/>
+          <a:chOff x="0" y="0"/>
+          <a:chExt cx="0" cy="0"/>
+        </a:xfrm>
+      </p:grpSpPr>
+      <p:sp>
+        <p:nvSpPr>
+          <p:cNvPr id="2" name="Header Placeholder 1"/>
+          <p:cNvSpPr>
+            <a:spLocks noGrp="1"/>
+          </p:cNvSpPr>
+          <p:nvPr>
+            <p:ph type="hdr" sz="quarter"/>
+          </p:nvPr>
+        </p:nvSpPr>
+        <p:spPr>
+          <a:xfrm>
+            <a:off x="0" y="0"/>
+            <a:ext cx="2971800" cy="458788"/>
+          </a:xfrm>
+          <a:prstGeom prst="rect">
+            <a:avLst/>
+          </a:prstGeom>
+        </p:spPr>
+        <p:txBody>
+          <a:bodyPr vert="horz" lIns="91440" tIns="45720" rIns="91440" bIns="45720" rtlCol="0"/>
+          <a:lstStyle>
+            <a:lvl1pPr algn="l">
+              <a:defRPr sz="1200"/>
+            </a:lvl1pPr>
+          </a:lstStyle>
+          <a:p>
+            <a:endParaRPr lang="en-US"/>
+          </a:p>
+        </p:txBody>
+      </p:sp>
+      <p:sp>
+        <p:nvSpPr>
+          <p:cNvPr id="3" name="Date Placeholder 2"/>
+          <p:cNvSpPr>
+            <a:spLocks noGrp="1"/>
+          </p:cNvSpPr>
+          <p:nvPr>
+            <p:ph type="dt" idx="1"/>
+          </p:nvPr>
+        </p:nvSpPr>
+        <p:spPr>
+          <a:xfrm>
+            <a:off x="3884613" y="0"/>
+            <a:ext cx="2971800" cy="458788"/>
+          </a:xfrm>
+          <a:prstGeom prst="rect">
+            <a:avLst/>
+          </a:prstGeom>
+        </p:spPr>
+        <p:txBody>
+          <a:bodyPr vert="horz" lIns="91440" tIns="45720" rIns="91440" bIns="45720" rtlCol="0"/>
+          <a:lstStyle>
+            <a:lvl1pPr algn="r">
+              <a:defRPr sz="1200"/>
+            </a:lvl1pPr>
+          </a:lstStyle>
+          <a:p>
+            <a:fld id="{3E99062E-A5BE-43A7-9CF9-3D90B41B6979}" type="datetimeFigureOut">
+              <a:rPr lang="en-US" smtClean="0"/>
+              <a:t>10/5/2017</a:t>
+            </a:fld>
+            <a:endParaRPr lang="en-US"/>
+          </a:p>
+        </p:txBody>
+      </p:sp>
+      <p:sp>
+        <p:nvSpPr>
+          <p:cNvPr id="4" name="Slide Image Placeholder 3"/>
+          <p:cNvSpPr>
+            <a:spLocks noGrp="1" noRot="1" noChangeAspect="1"/>
+          </p:cNvSpPr>
+          <p:nvPr>
+            <p:ph type="sldImg" idx="2"/>
+          </p:nvPr>
+        </p:nvSpPr>
+        <p:spPr>
+          <a:xfrm>
+            <a:off x="685800" y="1143000"/>
+            <a:ext cx="5486400" cy="3086100"/>
+          </a:xfrm>
+          <a:prstGeom prst="rect">
+            <a:avLst/>
+          </a:prstGeom>
+          <a:noFill/>
+          <a:ln w="12700">
+            <a:solidFill>
+              <a:prstClr val="black"/>
+            </a:solidFill>
+          </a:ln>
+        </p:spPr>
+        <p:txBody>
+          <a:bodyPr vert="horz" lIns="91440" tIns="45720" rIns="91440" bIns="45720" rtlCol="0" anchor="ctr"/>
+          <a:lstStyle/>
+          <a:p>
+            <a:endParaRPr lang="en-US"/>
+          </a:p>
+        </p:txBody>
+      </p:sp>
+      <p:sp>
+        <p:nvSpPr>
+          <p:cNvPr id="5" name="Notes Placeholder 4"/>
+          <p:cNvSpPr>
+            <a:spLocks noGrp="1"/>
+          </p:cNvSpPr>
+          <p:nvPr>
+            <p:ph type="body" sz="quarter" idx="3"/>
+          </p:nvPr>
+        </p:nvSpPr>
+        <p:spPr>
+          <a:xfrm>
+            <a:off x="685800" y="4400550"/>
+            <a:ext cx="5486400" cy="3600450"/>
+          </a:xfrm>
+          <a:prstGeom prst="rect">
+            <a:avLst/>
+          </a:prstGeom>
+        </p:spPr>
+        <p:txBody>
+          <a:bodyPr vert="horz" lIns="91440" tIns="45720" rIns="91440" bIns="45720" rtlCol="0"/>
+          <a:lstStyle/>
+          <a:p>
+            <a:pPr lvl="0"/>
+            <a:r>
+              <a:rPr lang="en-US"/>
+              <a:t>Edit Master text styles</a:t>
+            </a:r>
+          </a:p>
+          <a:p>
+            <a:pPr lvl="1"/>
+            <a:r>
+              <a:rPr lang="en-US"/>
+              <a:t>Second level</a:t>
+            </a:r>
+          </a:p>
+          <a:p>
+            <a:pPr lvl="2"/>
+            <a:r>
+              <a:rPr lang="en-US"/>
+              <a:t>Third level</a:t>
+            </a:r>
+          </a:p>
+          <a:p>
+            <a:pPr lvl="3"/>
+            <a:r>
+              <a:rPr lang="en-US"/>
+              <a:t>Fourth level</a:t>
+            </a:r>
+          </a:p>
+          <a:p>
+            <a:pPr lvl="4"/>
+            <a:r>
+              <a:rPr lang="en-US"/>
+              <a:t>Fifth level</a:t>
+            </a:r>
+          </a:p>
+        </p:txBody>
+      </p:sp>
+      <p:sp>
+        <p:nvSpPr>
+          <p:cNvPr id="6" name="Footer Placeholder 5"/>
+          <p:cNvSpPr>
+            <a:spLocks noGrp="1"/>
+          </p:cNvSpPr>
+          <p:nvPr>
+            <p:ph type="ftr" sz="quarter" idx="4"/>
+          </p:nvPr>
+        </p:nvSpPr>
+        <p:spPr>
+          <a:xfrm>
+            <a:off x="0" y="8685213"/>
+            <a:ext cx="2971800" cy="458787"/>
+          </a:xfrm>
+          <a:prstGeom prst="rect">
+            <a:avLst/>
+          </a:prstGeom>
+        </p:spPr>
+        <p:txBody>
+          <a:bodyPr vert="horz" lIns="91440" tIns="45720" rIns="91440" bIns="45720" rtlCol="0" anchor="b"/>
+          <a:lstStyle>
+            <a:lvl1pPr algn="l">
+              <a:defRPr sz="1200"/>
+            </a:lvl1pPr>
+          </a:lstStyle>
+          <a:p>
+            <a:endParaRPr lang="en-US"/>
+          </a:p>
+        </p:txBody>
+      </p:sp>
+      <p:sp>
+        <p:nvSpPr>
+          <p:cNvPr id="7" name="Slide Number Placeholder 6"/>
+          <p:cNvSpPr>
+            <a:spLocks noGrp="1"/>
+          </p:cNvSpPr>
+          <p:nvPr>
+            <p:ph type="sldNum" sz="quarter" idx="5"/>
+          </p:nvPr>
+        </p:nvSpPr>
+        <p:spPr>
+          <a:xfrm>
+            <a:off x="3884613" y="8685213"/>
+            <a:ext cx="2971800" cy="458787"/>
+          </a:xfrm>
+          <a:prstGeom prst="rect">
+            <a:avLst/>
+          </a:prstGeom>
+        </p:spPr>
+        <p:txBody>
+          <a:bodyPr vert="horz" lIns="91440" tIns="45720" rIns="91440" bIns="45720" rtlCol="0" anchor="b"/>
+          <a:lstStyle>
+            <a:lvl1pPr algn="r">
+              <a:defRPr sz="1200"/>
+            </a:lvl1pPr>
+          </a:lstStyle>
+          <a:p>
+            <a:fld id="{48B29F8D-7FB1-441C-821C-57F46ED92A0B}" type="slidenum">
+              <a:rPr lang="en-US" smtClean="0"/>
+              <a:t>‹#›</a:t>
+            </a:fld>
+            <a:endParaRPr lang="en-US"/>
+          </a:p>
+        </p:txBody>
+      </p:sp>
+    </p:spTree>
+    <p:extLst>
+      <p:ext uri="{BB962C8B-B14F-4D97-AF65-F5344CB8AC3E}">
+        <p14:creationId xmlns:p14="http://schemas.microsoft.com/office/powerpoint/2010/main" val="1270630420"/>
+      </p:ext>
+    </p:extLst>
+  </p:cSld>
+  <p:clrMap bg1="lt1" tx1="dk1" bg2="lt2" tx2="dk2" accent1="accent1" accent2="accent2" accent3="accent3" accent4="accent4" accent5="accent5" accent6="accent6" hlink="hlink" folHlink="folHlink"/>
+  <p:notesStyle>
+    <a:lvl1pPr marL="0" algn="l" defTabSz="914400" rtl="0" eaLnBrk="1" latinLnBrk="0" hangingPunct="1">
+      <a:defRPr sz="1200" kern="1200">
+        <a:solidFill>
+          <a:schemeClr val="tx1"/>
+        </a:solidFill>
+        <a:latin typeface="+mn-lt"/>
+        <a:ea typeface="+mn-ea"/>
+        <a:cs typeface="+mn-cs"/>
+      </a:defRPr>
+    </a:lvl1pPr>
+    <a:lvl2pPr marL="457200" algn="l" defTabSz="914400" rtl="0" eaLnBrk="1" latinLnBrk="0" hangingPunct="1">
+      <a:defRPr sz="1200" kern="1200">
+        <a:solidFill>
+          <a:schemeClr val="tx1"/>
+        </a:solidFill>
+        <a:latin typeface="+mn-lt"/>
+        <a:ea typeface="+mn-ea"/>
+        <a:cs typeface="+mn-cs"/>
+      </a:defRPr>
+    </a:lvl2pPr>
+    <a:lvl3pPr marL="914400" algn="l" defTabSz="914400" rtl="0" eaLnBrk="1" latinLnBrk="0" hangingPunct="1">
+      <a:defRPr sz="1200" kern="1200">
+        <a:solidFill>
+          <a:schemeClr val="tx1"/>
+        </a:solidFill>
+        <a:latin typeface="+mn-lt"/>
+        <a:ea typeface="+mn-ea"/>
+        <a:cs typeface="+mn-cs"/>
+      </a:defRPr>
+    </a:lvl3pPr>
+    <a:lvl4pPr marL="1371600" algn="l" defTabSz="914400" rtl="0" eaLnBrk="1" latinLnBrk="0" hangingPunct="1">
+      <a:defRPr sz="1200" kern="1200">
+        <a:solidFill>
+          <a:schemeClr val="tx1"/>
+        </a:solidFill>
+        <a:latin typeface="+mn-lt"/>
+        <a:ea typeface="+mn-ea"/>
+        <a:cs typeface="+mn-cs"/>
+      </a:defRPr>
+    </a:lvl4pPr>
+    <a:lvl5pPr marL="1828800" algn="l" defTabSz="914400" rtl="0" eaLnBrk="1" latinLnBrk="0" hangingPunct="1">
+      <a:defRPr sz="1200" kern="1200">
+        <a:solidFill>
+          <a:schemeClr val="tx1"/>
+        </a:solidFill>
+        <a:latin typeface="+mn-lt"/>
+        <a:ea typeface="+mn-ea"/>
+        <a:cs typeface="+mn-cs"/>
+      </a:defRPr>
+    </a:lvl5pPr>
+    <a:lvl6pPr marL="2286000" algn="l" defTabSz="914400" rtl="0" eaLnBrk="1" latinLnBrk="0" hangingPunct="1">
+      <a:defRPr sz="1200" kern="1200">
+        <a:solidFill>
+          <a:schemeClr val="tx1"/>
+        </a:solidFill>
+        <a:latin typeface="+mn-lt"/>
+        <a:ea typeface="+mn-ea"/>
+        <a:cs typeface="+mn-cs"/>
+      </a:defRPr>
+    </a:lvl6pPr>
+    <a:lvl7pPr marL="2743200" algn="l" defTabSz="914400" rtl="0" eaLnBrk="1" latinLnBrk="0" hangingPunct="1">
+      <a:defRPr sz="1200" kern="1200">
+        <a:solidFill>
+          <a:schemeClr val="tx1"/>
+        </a:solidFill>
+        <a:latin typeface="+mn-lt"/>
+        <a:ea typeface="+mn-ea"/>
+        <a:cs typeface="+mn-cs"/>
+      </a:defRPr>
+    </a:lvl7pPr>
+    <a:lvl8pPr marL="3200400" algn="l" defTabSz="914400" rtl="0" eaLnBrk="1" latinLnBrk="0" hangingPunct="1">
+      <a:defRPr sz="1200" kern="1200">
+        <a:solidFill>
+          <a:schemeClr val="tx1"/>
+        </a:solidFill>
+        <a:latin typeface="+mn-lt"/>
+        <a:ea typeface="+mn-ea"/>
+        <a:cs typeface="+mn-cs"/>
+      </a:defRPr>
+    </a:lvl8pPr>
+    <a:lvl9pPr marL="3657600" algn="l" defTabSz="914400" rtl="0" eaLnBrk="1" latinLnBrk="0" hangingPunct="1">
+      <a:defRPr sz="1200" kern="1200">
+        <a:solidFill>
+          <a:schemeClr val="tx1"/>
+        </a:solidFill>
+        <a:latin typeface="+mn-lt"/>
+        <a:ea typeface="+mn-ea"/>
+        <a:cs typeface="+mn-cs"/>
+      </a:defRPr>
+    </a:lvl9pPr>
+  </p:notesStyle>
+</p:notesMaster>
+</file>
+
+<file path=ppt/notesSlides/notesSlide1.xml><?xml version="1.0" encoding="utf-8"?>
+<p:notes xmlns:a="http://schemas.openxmlformats.org/drawingml/2006/main" xmlns:r="http://schemas.openxmlformats.org/officeDocument/2006/relationships" xmlns:p="http://schemas.openxmlformats.org/presentationml/2006/main">
+  <p:cSld>
+    <p:spTree>
+      <p:nvGrpSpPr>
+        <p:cNvPr id="1" name=""/>
+        <p:cNvGrpSpPr/>
+        <p:nvPr/>
+      </p:nvGrpSpPr>
+      <p:grpSpPr>
+        <a:xfrm>
+          <a:off x="0" y="0"/>
+          <a:ext cx="0" cy="0"/>
+          <a:chOff x="0" y="0"/>
+          <a:chExt cx="0" cy="0"/>
+        </a:xfrm>
+      </p:grpSpPr>
+      <p:sp>
+        <p:nvSpPr>
+          <p:cNvPr id="2" name="Slide Image Placeholder 1"/>
+          <p:cNvSpPr>
+            <a:spLocks noGrp="1" noRot="1" noChangeAspect="1"/>
+          </p:cNvSpPr>
+          <p:nvPr>
+            <p:ph type="sldImg"/>
+          </p:nvPr>
+        </p:nvSpPr>
+        <p:spPr/>
+      </p:sp>
+      <p:sp>
+        <p:nvSpPr>
+          <p:cNvPr id="3" name="Notes Placeholder 2"/>
+          <p:cNvSpPr>
+            <a:spLocks noGrp="1"/>
+          </p:cNvSpPr>
+          <p:nvPr>
+            <p:ph type="body" idx="1"/>
+          </p:nvPr>
+        </p:nvSpPr>
+        <p:spPr/>
+        <p:txBody>
+          <a:bodyPr/>
+          <a:lstStyle/>
+          <a:p>
+            <a:endParaRPr lang="en-US" dirty="0"/>
+          </a:p>
+        </p:txBody>
+      </p:sp>
+      <p:sp>
+        <p:nvSpPr>
+          <p:cNvPr id="4" name="Slide Number Placeholder 3"/>
+          <p:cNvSpPr>
+            <a:spLocks noGrp="1"/>
+          </p:cNvSpPr>
+          <p:nvPr>
+            <p:ph type="sldNum" sz="quarter" idx="10"/>
+          </p:nvPr>
+        </p:nvSpPr>
+        <p:spPr/>
+        <p:txBody>
+          <a:bodyPr/>
+          <a:lstStyle/>
+          <a:p>
+            <a:fld id="{48B29F8D-7FB1-441C-821C-57F46ED92A0B}" type="slidenum">
+              <a:rPr lang="en-US" smtClean="0"/>
+              <a:t>1</a:t>
+            </a:fld>
+            <a:endParaRPr lang="en-US"/>
+          </a:p>
+        </p:txBody>
+      </p:sp>
+    </p:spTree>
+    <p:extLst>
+      <p:ext uri="{BB962C8B-B14F-4D97-AF65-F5344CB8AC3E}">
+        <p14:creationId xmlns:p14="http://schemas.microsoft.com/office/powerpoint/2010/main" val="3336833968"/>
+      </p:ext>
+    </p:extLst>
+  </p:cSld>
+  <p:clrMapOvr>
+    <a:masterClrMapping/>
+  </p:clrMapOvr>
+</p:notes>
+</file>
+
+<file path=ppt/notesSlides/notesSlide2.xml><?xml version="1.0" encoding="utf-8"?>
+<p:notes xmlns:a="http://schemas.openxmlformats.org/drawingml/2006/main" xmlns:r="http://schemas.openxmlformats.org/officeDocument/2006/relationships" xmlns:p="http://schemas.openxmlformats.org/presentationml/2006/main">
+  <p:cSld>
+    <p:spTree>
+      <p:nvGrpSpPr>
+        <p:cNvPr id="1" name=""/>
+        <p:cNvGrpSpPr/>
+        <p:nvPr/>
+      </p:nvGrpSpPr>
+      <p:grpSpPr>
+        <a:xfrm>
+          <a:off x="0" y="0"/>
+          <a:ext cx="0" cy="0"/>
+          <a:chOff x="0" y="0"/>
+          <a:chExt cx="0" cy="0"/>
+        </a:xfrm>
+      </p:grpSpPr>
+      <p:sp>
+        <p:nvSpPr>
+          <p:cNvPr id="2" name="Slide Image Placeholder 1"/>
+          <p:cNvSpPr>
+            <a:spLocks noGrp="1" noRot="1" noChangeAspect="1"/>
+          </p:cNvSpPr>
+          <p:nvPr>
+            <p:ph type="sldImg"/>
+          </p:nvPr>
+        </p:nvSpPr>
+        <p:spPr/>
+      </p:sp>
+      <p:sp>
+        <p:nvSpPr>
+          <p:cNvPr id="3" name="Notes Placeholder 2"/>
+          <p:cNvSpPr>
+            <a:spLocks noGrp="1"/>
+          </p:cNvSpPr>
+          <p:nvPr>
+            <p:ph type="body" idx="1"/>
+          </p:nvPr>
+        </p:nvSpPr>
+        <p:spPr/>
+        <p:txBody>
+          <a:bodyPr/>
+          <a:lstStyle/>
+          <a:p>
+            <a:r>
+              <a:rPr lang="en-US" dirty="0"/>
+              <a:t>I was lucky enough to have a prepared dataset from the National Institute of Standards and Technology. </a:t>
+            </a:r>
+          </a:p>
+          <a:p>
+            <a:endParaRPr lang="en-US" dirty="0"/>
+          </a:p>
+          <a:p>
+            <a:r>
+              <a:rPr lang="en-US" dirty="0"/>
+              <a:t>Changed the training / testing to 15 / 85 split</a:t>
+            </a:r>
+          </a:p>
+          <a:p>
+            <a:r>
+              <a:rPr lang="en-US" dirty="0"/>
+              <a:t>697932 / 116323</a:t>
+            </a:r>
+          </a:p>
+        </p:txBody>
+      </p:sp>
+      <p:sp>
+        <p:nvSpPr>
+          <p:cNvPr id="4" name="Slide Number Placeholder 3"/>
+          <p:cNvSpPr>
+            <a:spLocks noGrp="1"/>
+          </p:cNvSpPr>
+          <p:nvPr>
+            <p:ph type="sldNum" sz="quarter" idx="10"/>
+          </p:nvPr>
+        </p:nvSpPr>
+        <p:spPr/>
+        <p:txBody>
+          <a:bodyPr/>
+          <a:lstStyle/>
+          <a:p>
+            <a:fld id="{48B29F8D-7FB1-441C-821C-57F46ED92A0B}" type="slidenum">
+              <a:rPr lang="en-US" smtClean="0"/>
+              <a:t>2</a:t>
+            </a:fld>
+            <a:endParaRPr lang="en-US"/>
+          </a:p>
+        </p:txBody>
+      </p:sp>
+    </p:spTree>
+    <p:extLst>
+      <p:ext uri="{BB962C8B-B14F-4D97-AF65-F5344CB8AC3E}">
+        <p14:creationId xmlns:p14="http://schemas.microsoft.com/office/powerpoint/2010/main" val="2594746440"/>
+      </p:ext>
+    </p:extLst>
+  </p:cSld>
+  <p:clrMapOvr>
+    <a:masterClrMapping/>
+  </p:clrMapOvr>
+</p:notes>
+</file>
+
+<file path=ppt/notesSlides/notesSlide3.xml><?xml version="1.0" encoding="utf-8"?>
+<p:notes xmlns:a="http://schemas.openxmlformats.org/drawingml/2006/main" xmlns:r="http://schemas.openxmlformats.org/officeDocument/2006/relationships" xmlns:p="http://schemas.openxmlformats.org/presentationml/2006/main">
+  <p:cSld>
+    <p:spTree>
+      <p:nvGrpSpPr>
+        <p:cNvPr id="1" name=""/>
+        <p:cNvGrpSpPr/>
+        <p:nvPr/>
+      </p:nvGrpSpPr>
+      <p:grpSpPr>
+        <a:xfrm>
+          <a:off x="0" y="0"/>
+          <a:ext cx="0" cy="0"/>
+          <a:chOff x="0" y="0"/>
+          <a:chExt cx="0" cy="0"/>
+        </a:xfrm>
+      </p:grpSpPr>
+      <p:sp>
+        <p:nvSpPr>
+          <p:cNvPr id="2" name="Slide Image Placeholder 1"/>
+          <p:cNvSpPr>
+            <a:spLocks noGrp="1" noRot="1" noChangeAspect="1"/>
+          </p:cNvSpPr>
+          <p:nvPr>
+            <p:ph type="sldImg"/>
+          </p:nvPr>
+        </p:nvSpPr>
+        <p:spPr/>
+      </p:sp>
+      <p:sp>
+        <p:nvSpPr>
+          <p:cNvPr id="3" name="Notes Placeholder 2"/>
+          <p:cNvSpPr>
+            <a:spLocks noGrp="1"/>
+          </p:cNvSpPr>
+          <p:nvPr>
+            <p:ph type="body" idx="1"/>
+          </p:nvPr>
+        </p:nvSpPr>
+        <p:spPr/>
+        <p:txBody>
+          <a:bodyPr/>
+          <a:lstStyle/>
+          <a:p>
+            <a:r>
+              <a:rPr lang="en-US" dirty="0"/>
+              <a:t>I chose the unbalanced to see if there was some additional bias that may have helped with identifying unknown letters or numbers (most common letters would be weighted higher than uncommon ones)</a:t>
+            </a:r>
+          </a:p>
+        </p:txBody>
+      </p:sp>
+      <p:sp>
+        <p:nvSpPr>
+          <p:cNvPr id="4" name="Slide Number Placeholder 3"/>
+          <p:cNvSpPr>
+            <a:spLocks noGrp="1"/>
+          </p:cNvSpPr>
+          <p:nvPr>
+            <p:ph type="sldNum" sz="quarter" idx="10"/>
+          </p:nvPr>
+        </p:nvSpPr>
+        <p:spPr/>
+        <p:txBody>
+          <a:bodyPr/>
+          <a:lstStyle/>
+          <a:p>
+            <a:fld id="{48B29F8D-7FB1-441C-821C-57F46ED92A0B}" type="slidenum">
+              <a:rPr lang="en-US" smtClean="0"/>
+              <a:t>3</a:t>
+            </a:fld>
+            <a:endParaRPr lang="en-US"/>
+          </a:p>
+        </p:txBody>
+      </p:sp>
+    </p:spTree>
+    <p:extLst>
+      <p:ext uri="{BB962C8B-B14F-4D97-AF65-F5344CB8AC3E}">
+        <p14:creationId xmlns:p14="http://schemas.microsoft.com/office/powerpoint/2010/main" val="4120837764"/>
+      </p:ext>
+    </p:extLst>
+  </p:cSld>
+  <p:clrMapOvr>
+    <a:masterClrMapping/>
+  </p:clrMapOvr>
+</p:notes>
+</file>
+
+<file path=ppt/notesSlides/notesSlide4.xml><?xml version="1.0" encoding="utf-8"?>
+<p:notes xmlns:a="http://schemas.openxmlformats.org/drawingml/2006/main" xmlns:r="http://schemas.openxmlformats.org/officeDocument/2006/relationships" xmlns:p="http://schemas.openxmlformats.org/presentationml/2006/main">
+  <p:cSld>
+    <p:spTree>
+      <p:nvGrpSpPr>
+        <p:cNvPr id="1" name=""/>
+        <p:cNvGrpSpPr/>
+        <p:nvPr/>
+      </p:nvGrpSpPr>
+      <p:grpSpPr>
+        <a:xfrm>
+          <a:off x="0" y="0"/>
+          <a:ext cx="0" cy="0"/>
+          <a:chOff x="0" y="0"/>
+          <a:chExt cx="0" cy="0"/>
+        </a:xfrm>
+      </p:grpSpPr>
+      <p:sp>
+        <p:nvSpPr>
+          <p:cNvPr id="2" name="Slide Image Placeholder 1"/>
+          <p:cNvSpPr>
+            <a:spLocks noGrp="1" noRot="1" noChangeAspect="1"/>
+          </p:cNvSpPr>
+          <p:nvPr>
+            <p:ph type="sldImg"/>
+          </p:nvPr>
+        </p:nvSpPr>
+        <p:spPr/>
+      </p:sp>
+      <p:sp>
+        <p:nvSpPr>
+          <p:cNvPr id="3" name="Notes Placeholder 2"/>
+          <p:cNvSpPr>
+            <a:spLocks noGrp="1"/>
+          </p:cNvSpPr>
+          <p:nvPr>
+            <p:ph type="body" idx="1"/>
+          </p:nvPr>
+        </p:nvSpPr>
+        <p:spPr/>
+        <p:txBody>
+          <a:bodyPr/>
+          <a:lstStyle/>
+          <a:p>
+            <a:r>
+              <a:rPr lang="en-US" dirty="0"/>
+              <a:t>Multi layer convolutional neural network </a:t>
+            </a:r>
+          </a:p>
+          <a:p>
+            <a:endParaRPr lang="en-US" dirty="0"/>
+          </a:p>
+          <a:p>
+            <a:r>
+              <a:rPr lang="en-US" dirty="0"/>
+              <a:t>Roughly 7 different models with the highest performance being 88% after 200 epochs</a:t>
+            </a:r>
+          </a:p>
+        </p:txBody>
+      </p:sp>
+      <p:sp>
+        <p:nvSpPr>
+          <p:cNvPr id="4" name="Slide Number Placeholder 3"/>
+          <p:cNvSpPr>
+            <a:spLocks noGrp="1"/>
+          </p:cNvSpPr>
+          <p:nvPr>
+            <p:ph type="sldNum" sz="quarter" idx="10"/>
+          </p:nvPr>
+        </p:nvSpPr>
+        <p:spPr/>
+        <p:txBody>
+          <a:bodyPr/>
+          <a:lstStyle/>
+          <a:p>
+            <a:fld id="{48B29F8D-7FB1-441C-821C-57F46ED92A0B}" type="slidenum">
+              <a:rPr lang="en-US" smtClean="0"/>
+              <a:t>4</a:t>
+            </a:fld>
+            <a:endParaRPr lang="en-US"/>
+          </a:p>
+        </p:txBody>
+      </p:sp>
+    </p:spTree>
+    <p:extLst>
+      <p:ext uri="{BB962C8B-B14F-4D97-AF65-F5344CB8AC3E}">
+        <p14:creationId xmlns:p14="http://schemas.microsoft.com/office/powerpoint/2010/main" val="577277668"/>
+      </p:ext>
+    </p:extLst>
+  </p:cSld>
+  <p:clrMapOvr>
+    <a:masterClrMapping/>
+  </p:clrMapOvr>
+</p:notes>
+</file>
+
+<file path=ppt/notesSlides/notesSlide5.xml><?xml version="1.0" encoding="utf-8"?>
+<p:notes xmlns:a="http://schemas.openxmlformats.org/drawingml/2006/main" xmlns:r="http://schemas.openxmlformats.org/officeDocument/2006/relationships" xmlns:p="http://schemas.openxmlformats.org/presentationml/2006/main">
+  <p:cSld>
+    <p:spTree>
+      <p:nvGrpSpPr>
+        <p:cNvPr id="1" name=""/>
+        <p:cNvGrpSpPr/>
+        <p:nvPr/>
+      </p:nvGrpSpPr>
+      <p:grpSpPr>
+        <a:xfrm>
+          <a:off x="0" y="0"/>
+          <a:ext cx="0" cy="0"/>
+          <a:chOff x="0" y="0"/>
+          <a:chExt cx="0" cy="0"/>
+        </a:xfrm>
+      </p:grpSpPr>
+      <p:sp>
+        <p:nvSpPr>
+          <p:cNvPr id="2" name="Slide Image Placeholder 1"/>
+          <p:cNvSpPr>
+            <a:spLocks noGrp="1" noRot="1" noChangeAspect="1"/>
+          </p:cNvSpPr>
+          <p:nvPr>
+            <p:ph type="sldImg"/>
+          </p:nvPr>
+        </p:nvSpPr>
+        <p:spPr/>
+      </p:sp>
+      <p:sp>
+        <p:nvSpPr>
+          <p:cNvPr id="3" name="Notes Placeholder 2"/>
+          <p:cNvSpPr>
+            <a:spLocks noGrp="1"/>
+          </p:cNvSpPr>
+          <p:nvPr>
+            <p:ph type="body" idx="1"/>
+          </p:nvPr>
+        </p:nvSpPr>
+        <p:spPr/>
+        <p:txBody>
+          <a:bodyPr/>
+          <a:lstStyle/>
+          <a:p>
+            <a:endParaRPr lang="en-US" dirty="0"/>
+          </a:p>
+        </p:txBody>
+      </p:sp>
+      <p:sp>
+        <p:nvSpPr>
+          <p:cNvPr id="4" name="Slide Number Placeholder 3"/>
+          <p:cNvSpPr>
+            <a:spLocks noGrp="1"/>
+          </p:cNvSpPr>
+          <p:nvPr>
+            <p:ph type="sldNum" sz="quarter" idx="10"/>
+          </p:nvPr>
+        </p:nvSpPr>
+        <p:spPr/>
+        <p:txBody>
+          <a:bodyPr/>
+          <a:lstStyle/>
+          <a:p>
+            <a:fld id="{48B29F8D-7FB1-441C-821C-57F46ED92A0B}" type="slidenum">
+              <a:rPr lang="en-US" smtClean="0"/>
+              <a:t>5</a:t>
+            </a:fld>
+            <a:endParaRPr lang="en-US"/>
+          </a:p>
+        </p:txBody>
+      </p:sp>
+    </p:spTree>
+    <p:extLst>
+      <p:ext uri="{BB962C8B-B14F-4D97-AF65-F5344CB8AC3E}">
+        <p14:creationId xmlns:p14="http://schemas.microsoft.com/office/powerpoint/2010/main" val="917588131"/>
+      </p:ext>
+    </p:extLst>
+  </p:cSld>
+  <p:clrMapOvr>
+    <a:masterClrMapping/>
+  </p:clrMapOvr>
+</p:notes>
+</file>
+
+<file path=ppt/notesSlides/notesSlide6.xml><?xml version="1.0" encoding="utf-8"?>
+<p:notes xmlns:a="http://schemas.openxmlformats.org/drawingml/2006/main" xmlns:r="http://schemas.openxmlformats.org/officeDocument/2006/relationships" xmlns:p="http://schemas.openxmlformats.org/presentationml/2006/main">
+  <p:cSld>
+    <p:spTree>
+      <p:nvGrpSpPr>
+        <p:cNvPr id="1" name=""/>
+        <p:cNvGrpSpPr/>
+        <p:nvPr/>
+      </p:nvGrpSpPr>
+      <p:grpSpPr>
+        <a:xfrm>
+          <a:off x="0" y="0"/>
+          <a:ext cx="0" cy="0"/>
+          <a:chOff x="0" y="0"/>
+          <a:chExt cx="0" cy="0"/>
+        </a:xfrm>
+      </p:grpSpPr>
+      <p:sp>
+        <p:nvSpPr>
+          <p:cNvPr id="2" name="Slide Image Placeholder 1"/>
+          <p:cNvSpPr>
+            <a:spLocks noGrp="1" noRot="1" noChangeAspect="1"/>
+          </p:cNvSpPr>
+          <p:nvPr>
+            <p:ph type="sldImg"/>
+          </p:nvPr>
+        </p:nvSpPr>
+        <p:spPr/>
+      </p:sp>
+      <p:sp>
+        <p:nvSpPr>
+          <p:cNvPr id="3" name="Notes Placeholder 2"/>
+          <p:cNvSpPr>
+            <a:spLocks noGrp="1"/>
+          </p:cNvSpPr>
+          <p:nvPr>
+            <p:ph type="body" idx="1"/>
+          </p:nvPr>
+        </p:nvSpPr>
+        <p:spPr/>
+        <p:txBody>
+          <a:bodyPr/>
+          <a:lstStyle/>
+          <a:p>
+            <a:r>
+              <a:rPr lang="en-US" dirty="0"/>
+              <a:t>Split the model into a reusable file</a:t>
+            </a:r>
+          </a:p>
+        </p:txBody>
+      </p:sp>
+      <p:sp>
+        <p:nvSpPr>
+          <p:cNvPr id="4" name="Slide Number Placeholder 3"/>
+          <p:cNvSpPr>
+            <a:spLocks noGrp="1"/>
+          </p:cNvSpPr>
+          <p:nvPr>
+            <p:ph type="sldNum" sz="quarter" idx="10"/>
+          </p:nvPr>
+        </p:nvSpPr>
+        <p:spPr/>
+        <p:txBody>
+          <a:bodyPr/>
+          <a:lstStyle/>
+          <a:p>
+            <a:fld id="{48B29F8D-7FB1-441C-821C-57F46ED92A0B}" type="slidenum">
+              <a:rPr lang="en-US" smtClean="0"/>
+              <a:t>6</a:t>
+            </a:fld>
+            <a:endParaRPr lang="en-US"/>
+          </a:p>
+        </p:txBody>
+      </p:sp>
+    </p:spTree>
+    <p:extLst>
+      <p:ext uri="{BB962C8B-B14F-4D97-AF65-F5344CB8AC3E}">
+        <p14:creationId xmlns:p14="http://schemas.microsoft.com/office/powerpoint/2010/main" val="1642004364"/>
+      </p:ext>
+    </p:extLst>
+  </p:cSld>
+  <p:clrMapOvr>
+    <a:masterClrMapping/>
+  </p:clrMapOvr>
+</p:notes>
+</file>
+
+<file path=ppt/notesSlides/notesSlide7.xml><?xml version="1.0" encoding="utf-8"?>
+<p:notes xmlns:a="http://schemas.openxmlformats.org/drawingml/2006/main" xmlns:r="http://schemas.openxmlformats.org/officeDocument/2006/relationships" xmlns:p="http://schemas.openxmlformats.org/presentationml/2006/main">
+  <p:cSld>
+    <p:spTree>
+      <p:nvGrpSpPr>
+        <p:cNvPr id="1" name=""/>
+        <p:cNvGrpSpPr/>
+        <p:nvPr/>
+      </p:nvGrpSpPr>
+      <p:grpSpPr>
+        <a:xfrm>
+          <a:off x="0" y="0"/>
+          <a:ext cx="0" cy="0"/>
+          <a:chOff x="0" y="0"/>
+          <a:chExt cx="0" cy="0"/>
+        </a:xfrm>
+      </p:grpSpPr>
+      <p:sp>
+        <p:nvSpPr>
+          <p:cNvPr id="2" name="Slide Image Placeholder 1"/>
+          <p:cNvSpPr>
+            <a:spLocks noGrp="1" noRot="1" noChangeAspect="1"/>
+          </p:cNvSpPr>
+          <p:nvPr>
+            <p:ph type="sldImg"/>
+          </p:nvPr>
+        </p:nvSpPr>
+        <p:spPr/>
+      </p:sp>
+      <p:sp>
+        <p:nvSpPr>
+          <p:cNvPr id="3" name="Notes Placeholder 2"/>
+          <p:cNvSpPr>
+            <a:spLocks noGrp="1"/>
+          </p:cNvSpPr>
+          <p:nvPr>
+            <p:ph type="body" idx="1"/>
+          </p:nvPr>
+        </p:nvSpPr>
+        <p:spPr/>
+        <p:txBody>
+          <a:bodyPr/>
+          <a:lstStyle/>
+          <a:p>
+            <a:endParaRPr lang="en-US" dirty="0"/>
+          </a:p>
+        </p:txBody>
+      </p:sp>
+      <p:sp>
+        <p:nvSpPr>
+          <p:cNvPr id="4" name="Slide Number Placeholder 3"/>
+          <p:cNvSpPr>
+            <a:spLocks noGrp="1"/>
+          </p:cNvSpPr>
+          <p:nvPr>
+            <p:ph type="sldNum" sz="quarter" idx="10"/>
+          </p:nvPr>
+        </p:nvSpPr>
+        <p:spPr/>
+        <p:txBody>
+          <a:bodyPr/>
+          <a:lstStyle/>
+          <a:p>
+            <a:fld id="{48B29F8D-7FB1-441C-821C-57F46ED92A0B}" type="slidenum">
+              <a:rPr lang="en-US" smtClean="0"/>
+              <a:t>7</a:t>
+            </a:fld>
+            <a:endParaRPr lang="en-US"/>
+          </a:p>
+        </p:txBody>
+      </p:sp>
+    </p:spTree>
+    <p:extLst>
+      <p:ext uri="{BB962C8B-B14F-4D97-AF65-F5344CB8AC3E}">
+        <p14:creationId xmlns:p14="http://schemas.microsoft.com/office/powerpoint/2010/main" val="2261178156"/>
+      </p:ext>
+    </p:extLst>
+  </p:cSld>
+  <p:clrMapOvr>
+    <a:masterClrMapping/>
+  </p:clrMapOvr>
+</p:notes>
+</file>
+
+<file path=ppt/notesSlides/notesSlide8.xml><?xml version="1.0" encoding="utf-8"?>
+<p:notes xmlns:a="http://schemas.openxmlformats.org/drawingml/2006/main" xmlns:r="http://schemas.openxmlformats.org/officeDocument/2006/relationships" xmlns:p="http://schemas.openxmlformats.org/presentationml/2006/main">
+  <p:cSld>
+    <p:spTree>
+      <p:nvGrpSpPr>
+        <p:cNvPr id="1" name=""/>
+        <p:cNvGrpSpPr/>
+        <p:nvPr/>
+      </p:nvGrpSpPr>
+      <p:grpSpPr>
+        <a:xfrm>
+          <a:off x="0" y="0"/>
+          <a:ext cx="0" cy="0"/>
+          <a:chOff x="0" y="0"/>
+          <a:chExt cx="0" cy="0"/>
+        </a:xfrm>
+      </p:grpSpPr>
+      <p:sp>
+        <p:nvSpPr>
+          <p:cNvPr id="2" name="Slide Image Placeholder 1"/>
+          <p:cNvSpPr>
+            <a:spLocks noGrp="1" noRot="1" noChangeAspect="1"/>
+          </p:cNvSpPr>
+          <p:nvPr>
+            <p:ph type="sldImg"/>
+          </p:nvPr>
+        </p:nvSpPr>
+        <p:spPr/>
+      </p:sp>
+      <p:sp>
+        <p:nvSpPr>
+          <p:cNvPr id="3" name="Notes Placeholder 2"/>
+          <p:cNvSpPr>
+            <a:spLocks noGrp="1"/>
+          </p:cNvSpPr>
+          <p:nvPr>
+            <p:ph type="body" idx="1"/>
+          </p:nvPr>
+        </p:nvSpPr>
+        <p:spPr/>
+        <p:txBody>
+          <a:bodyPr/>
+          <a:lstStyle/>
+          <a:p>
+            <a:r>
+              <a:rPr lang="en-US" dirty="0"/>
+              <a:t>50 / 60 times faster</a:t>
+            </a:r>
+          </a:p>
+          <a:p>
+            <a:r>
+              <a:rPr lang="en-US" dirty="0" err="1"/>
+              <a:t>Tensorflow_gpu</a:t>
+            </a:r>
+            <a:endParaRPr lang="en-US" dirty="0"/>
+          </a:p>
+        </p:txBody>
+      </p:sp>
+      <p:sp>
+        <p:nvSpPr>
+          <p:cNvPr id="4" name="Slide Number Placeholder 3"/>
+          <p:cNvSpPr>
+            <a:spLocks noGrp="1"/>
+          </p:cNvSpPr>
+          <p:nvPr>
+            <p:ph type="sldNum" sz="quarter" idx="10"/>
+          </p:nvPr>
+        </p:nvSpPr>
+        <p:spPr/>
+        <p:txBody>
+          <a:bodyPr/>
+          <a:lstStyle/>
+          <a:p>
+            <a:fld id="{48B29F8D-7FB1-441C-821C-57F46ED92A0B}" type="slidenum">
+              <a:rPr lang="en-US" smtClean="0"/>
+              <a:t>8</a:t>
+            </a:fld>
+            <a:endParaRPr lang="en-US"/>
+          </a:p>
+        </p:txBody>
+      </p:sp>
+    </p:spTree>
+    <p:extLst>
+      <p:ext uri="{BB962C8B-B14F-4D97-AF65-F5344CB8AC3E}">
+        <p14:creationId xmlns:p14="http://schemas.microsoft.com/office/powerpoint/2010/main" val="30961395"/>
+      </p:ext>
+    </p:extLst>
+  </p:cSld>
+  <p:clrMapOvr>
+    <a:masterClrMapping/>
+  </p:clrMapOvr>
+</p:notes>
+</file>
+
 <file path=ppt/slideLayouts/slideLayout1.xml><?xml version="1.0" encoding="utf-8"?>
-<p:sldLayout xmlns:a="http://schemas.openxmlformats.org/drawingml/2006/main" xmlns:r="http://schemas.openxmlformats.org/officeDocument/2006/relationships" xmlns:p="http://schemas.openxmlformats.org/presentationml/2006/main" type="title" preserve="1">
+<p:sldLayout xmlns:a="http://schemas.openxmlformats.org/drawingml/2006/main" xmlns:r="http://schemas.openxmlformats.org/officeDocument/2006/relationships" xmlns:p="http://schemas.openxmlformats.org/presentationml/2006/main" showMasterSp="0" type="title" preserve="1">
   <p:cSld name="Title Slide">
     <p:spTree>
       <p:nvGrpSpPr>
@@ -156,31 +1230,68 @@
       </p:grpSpPr>
       <p:sp>
         <p:nvSpPr>
-          <p:cNvPr id="2" name="Title 1">
-            <a:extLst>
-              <a:ext uri="{FF2B5EF4-FFF2-40B4-BE49-F238E27FC236}">
-                <a16:creationId xmlns:a16="http://schemas.microsoft.com/office/drawing/2014/main" id="{DFA943A8-29E6-49EA-9499-7A6E177663B2}"/>
-              </a:ext>
-            </a:extLst>
-          </p:cNvPr>
-          <p:cNvSpPr>
-            <a:spLocks noGrp="1"/>
-          </p:cNvSpPr>
-          <p:nvPr>
-            <p:ph type="ctrTitle"/>
-          </p:nvPr>
+          <p:cNvPr id="7" name="Rectangle 6"/>
+          <p:cNvSpPr/>
+          <p:nvPr/>
         </p:nvSpPr>
         <p:spPr>
           <a:xfrm>
-            <a:off x="1524000" y="1122363"/>
-            <a:ext cx="9144000" cy="2387600"/>
+            <a:off x="-6843" y="2059012"/>
+            <a:ext cx="12195668" cy="1828800"/>
+          </a:xfrm>
+          <a:prstGeom prst="rect">
+            <a:avLst/>
+          </a:prstGeom>
+          <a:solidFill>
+            <a:schemeClr val="tx1"/>
+          </a:solidFill>
+          <a:ln>
+            <a:noFill/>
+          </a:ln>
+        </p:spPr>
+        <p:style>
+          <a:lnRef idx="2">
+            <a:schemeClr val="accent1">
+              <a:shade val="50000"/>
+            </a:schemeClr>
+          </a:lnRef>
+          <a:fillRef idx="1">
+            <a:schemeClr val="accent1"/>
+          </a:fillRef>
+          <a:effectRef idx="0">
+            <a:schemeClr val="accent1"/>
+          </a:effectRef>
+          <a:fontRef idx="minor">
+            <a:schemeClr val="lt1"/>
+          </a:fontRef>
+        </p:style>
+      </p:sp>
+      <p:sp>
+        <p:nvSpPr>
+          <p:cNvPr id="2" name="Title 1"/>
+          <p:cNvSpPr>
+            <a:spLocks noGrp="1"/>
+          </p:cNvSpPr>
+          <p:nvPr>
+            <p:ph type="ctrTitle"/>
+          </p:nvPr>
+        </p:nvSpPr>
+        <p:spPr>
+          <a:xfrm>
+            <a:off x="365759" y="2166364"/>
+            <a:ext cx="11471565" cy="1739347"/>
           </a:xfrm>
         </p:spPr>
         <p:txBody>
-          <a:bodyPr anchor="b"/>
+          <a:bodyPr tIns="45720" bIns="45720" anchor="ctr">
+            <a:normAutofit/>
+          </a:bodyPr>
           <a:lstStyle>
             <a:lvl1pPr algn="ctr">
-              <a:defRPr sz="6000"/>
+              <a:lnSpc>
+                <a:spcPct val="80000"/>
+              </a:lnSpc>
+              <a:defRPr sz="6000" spc="150" baseline="0"/>
             </a:lvl1pPr>
           </a:lstStyle>
           <a:p>
@@ -188,18 +1299,13 @@
               <a:rPr lang="en-US"/>
               <a:t>Click to edit Master title style</a:t>
             </a:r>
-          </a:p>
-        </p:txBody>
-      </p:sp>
-      <p:sp>
-        <p:nvSpPr>
-          <p:cNvPr id="3" name="Subtitle 2">
-            <a:extLst>
-              <a:ext uri="{FF2B5EF4-FFF2-40B4-BE49-F238E27FC236}">
-                <a16:creationId xmlns:a16="http://schemas.microsoft.com/office/drawing/2014/main" id="{8A2CA9F5-415A-4647-8D65-662B622A82B4}"/>
-              </a:ext>
-            </a:extLst>
-          </p:cNvPr>
+            <a:endParaRPr lang="en-US" dirty="0"/>
+          </a:p>
+        </p:txBody>
+      </p:sp>
+      <p:sp>
+        <p:nvSpPr>
+          <p:cNvPr id="3" name="Subtitle 2"/>
           <p:cNvSpPr>
             <a:spLocks noGrp="1"/>
           </p:cNvSpPr>
@@ -209,16 +1315,18 @@
         </p:nvSpPr>
         <p:spPr>
           <a:xfrm>
-            <a:off x="1524000" y="3602038"/>
-            <a:ext cx="9144000" cy="1655762"/>
+            <a:off x="1524000" y="3996250"/>
+            <a:ext cx="9144000" cy="1309255"/>
           </a:xfrm>
         </p:spPr>
         <p:txBody>
-          <a:bodyPr/>
+          <a:bodyPr>
+            <a:normAutofit/>
+          </a:bodyPr>
           <a:lstStyle>
             <a:lvl1pPr marL="0" indent="0" algn="ctr">
               <a:buNone/>
-              <a:defRPr sz="2400"/>
+              <a:defRPr sz="2000"/>
             </a:lvl1pPr>
             <a:lvl2pPr marL="457200" indent="0" algn="ctr">
               <a:buNone/>
@@ -226,31 +1334,31 @@
             </a:lvl2pPr>
             <a:lvl3pPr marL="914400" indent="0" algn="ctr">
               <a:buNone/>
-              <a:defRPr sz="1800"/>
+              <a:defRPr sz="2000"/>
             </a:lvl3pPr>
             <a:lvl4pPr marL="1371600" indent="0" algn="ctr">
               <a:buNone/>
-              <a:defRPr sz="1600"/>
+              <a:defRPr sz="2000"/>
             </a:lvl4pPr>
             <a:lvl5pPr marL="1828800" indent="0" algn="ctr">
               <a:buNone/>
-              <a:defRPr sz="1600"/>
+              <a:defRPr sz="2000"/>
             </a:lvl5pPr>
             <a:lvl6pPr marL="2286000" indent="0" algn="ctr">
               <a:buNone/>
-              <a:defRPr sz="1600"/>
+              <a:defRPr sz="2000"/>
             </a:lvl6pPr>
             <a:lvl7pPr marL="2743200" indent="0" algn="ctr">
               <a:buNone/>
-              <a:defRPr sz="1600"/>
+              <a:defRPr sz="2000"/>
             </a:lvl7pPr>
             <a:lvl8pPr marL="3200400" indent="0" algn="ctr">
               <a:buNone/>
-              <a:defRPr sz="1600"/>
+              <a:defRPr sz="2000"/>
             </a:lvl8pPr>
             <a:lvl9pPr marL="3657600" indent="0" algn="ctr">
               <a:buNone/>
-              <a:defRPr sz="1600"/>
+              <a:defRPr sz="2000"/>
             </a:lvl9pPr>
           </a:lstStyle>
           <a:p>
@@ -258,18 +1366,13 @@
               <a:rPr lang="en-US"/>
               <a:t>Click to edit Master subtitle style</a:t>
             </a:r>
-          </a:p>
-        </p:txBody>
-      </p:sp>
-      <p:sp>
-        <p:nvSpPr>
-          <p:cNvPr id="4" name="Date Placeholder 3">
-            <a:extLst>
-              <a:ext uri="{FF2B5EF4-FFF2-40B4-BE49-F238E27FC236}">
-                <a16:creationId xmlns:a16="http://schemas.microsoft.com/office/drawing/2014/main" id="{F85F05D9-655C-481D-9D04-7CF020E39AB8}"/>
-              </a:ext>
-            </a:extLst>
-          </p:cNvPr>
+            <a:endParaRPr lang="en-US" dirty="0"/>
+          </a:p>
+        </p:txBody>
+      </p:sp>
+      <p:sp>
+        <p:nvSpPr>
+          <p:cNvPr id="4" name="Date Placeholder 3"/>
           <p:cNvSpPr>
             <a:spLocks noGrp="1"/>
           </p:cNvSpPr>
@@ -284,7 +1387,7 @@
           <a:p>
             <a:fld id="{66F45FE7-2BFB-4BAE-990A-B1F0CDE6C741}" type="datetimeFigureOut">
               <a:rPr lang="en-US" smtClean="0"/>
-              <a:t>10/4/2017</a:t>
+              <a:t>10/5/2017</a:t>
             </a:fld>
             <a:endParaRPr lang="en-US"/>
           </a:p>
@@ -292,13 +1395,7 @@
       </p:sp>
       <p:sp>
         <p:nvSpPr>
-          <p:cNvPr id="5" name="Footer Placeholder 4">
-            <a:extLst>
-              <a:ext uri="{FF2B5EF4-FFF2-40B4-BE49-F238E27FC236}">
-                <a16:creationId xmlns:a16="http://schemas.microsoft.com/office/drawing/2014/main" id="{F4C7331F-2184-4548-920A-97125C5B581D}"/>
-              </a:ext>
-            </a:extLst>
-          </p:cNvPr>
+          <p:cNvPr id="5" name="Footer Placeholder 4"/>
           <p:cNvSpPr>
             <a:spLocks noGrp="1"/>
           </p:cNvSpPr>
@@ -317,13 +1414,7 @@
       </p:sp>
       <p:sp>
         <p:nvSpPr>
-          <p:cNvPr id="6" name="Slide Number Placeholder 5">
-            <a:extLst>
-              <a:ext uri="{FF2B5EF4-FFF2-40B4-BE49-F238E27FC236}">
-                <a16:creationId xmlns:a16="http://schemas.microsoft.com/office/drawing/2014/main" id="{A13A9725-092A-4536-836D-A2D2958F995E}"/>
-              </a:ext>
-            </a:extLst>
-          </p:cNvPr>
+          <p:cNvPr id="6" name="Slide Number Placeholder 5"/>
           <p:cNvSpPr>
             <a:spLocks noGrp="1"/>
           </p:cNvSpPr>
@@ -347,7 +1438,7 @@
     </p:spTree>
     <p:extLst>
       <p:ext uri="{BB962C8B-B14F-4D97-AF65-F5344CB8AC3E}">
-        <p14:creationId xmlns:p14="http://schemas.microsoft.com/office/powerpoint/2010/main" val="1092918610"/>
+        <p14:creationId xmlns:p14="http://schemas.microsoft.com/office/powerpoint/2010/main" val="65993283"/>
       </p:ext>
     </p:extLst>
   </p:cSld>
@@ -376,13 +1467,7 @@
       </p:grpSpPr>
       <p:sp>
         <p:nvSpPr>
-          <p:cNvPr id="2" name="Title 1">
-            <a:extLst>
-              <a:ext uri="{FF2B5EF4-FFF2-40B4-BE49-F238E27FC236}">
-                <a16:creationId xmlns:a16="http://schemas.microsoft.com/office/drawing/2014/main" id="{F1318645-E1C9-4A51-AE57-E368F54C59A1}"/>
-              </a:ext>
-            </a:extLst>
-          </p:cNvPr>
+          <p:cNvPr id="2" name="Title 1"/>
           <p:cNvSpPr>
             <a:spLocks noGrp="1"/>
           </p:cNvSpPr>
@@ -399,18 +1484,13 @@
               <a:rPr lang="en-US"/>
               <a:t>Click to edit Master title style</a:t>
             </a:r>
-          </a:p>
-        </p:txBody>
-      </p:sp>
-      <p:sp>
-        <p:nvSpPr>
-          <p:cNvPr id="3" name="Vertical Text Placeholder 2">
-            <a:extLst>
-              <a:ext uri="{FF2B5EF4-FFF2-40B4-BE49-F238E27FC236}">
-                <a16:creationId xmlns:a16="http://schemas.microsoft.com/office/drawing/2014/main" id="{CA3C3EF3-3495-4ED5-9DDD-8C8C6BB5FED6}"/>
-              </a:ext>
-            </a:extLst>
-          </p:cNvPr>
+            <a:endParaRPr lang="en-US" dirty="0"/>
+          </a:p>
+        </p:txBody>
+      </p:sp>
+      <p:sp>
+        <p:nvSpPr>
+          <p:cNvPr id="3" name="Vertical Text Placeholder 2"/>
           <p:cNvSpPr>
             <a:spLocks noGrp="1"/>
           </p:cNvSpPr>
@@ -456,18 +1536,13 @@
               <a:rPr lang="en-US"/>
               <a:t>Fifth level</a:t>
             </a:r>
-          </a:p>
-        </p:txBody>
-      </p:sp>
-      <p:sp>
-        <p:nvSpPr>
-          <p:cNvPr id="4" name="Date Placeholder 3">
-            <a:extLst>
-              <a:ext uri="{FF2B5EF4-FFF2-40B4-BE49-F238E27FC236}">
-                <a16:creationId xmlns:a16="http://schemas.microsoft.com/office/drawing/2014/main" id="{06593172-0A64-4D66-A183-BBE49D8BFDD7}"/>
-              </a:ext>
-            </a:extLst>
-          </p:cNvPr>
+            <a:endParaRPr lang="en-US" dirty="0"/>
+          </a:p>
+        </p:txBody>
+      </p:sp>
+      <p:sp>
+        <p:nvSpPr>
+          <p:cNvPr id="4" name="Date Placeholder 3"/>
           <p:cNvSpPr>
             <a:spLocks noGrp="1"/>
           </p:cNvSpPr>
@@ -482,7 +1557,7 @@
           <a:p>
             <a:fld id="{66F45FE7-2BFB-4BAE-990A-B1F0CDE6C741}" type="datetimeFigureOut">
               <a:rPr lang="en-US" smtClean="0"/>
-              <a:t>10/4/2017</a:t>
+              <a:t>10/5/2017</a:t>
             </a:fld>
             <a:endParaRPr lang="en-US"/>
           </a:p>
@@ -490,13 +1565,7 @@
       </p:sp>
       <p:sp>
         <p:nvSpPr>
-          <p:cNvPr id="5" name="Footer Placeholder 4">
-            <a:extLst>
-              <a:ext uri="{FF2B5EF4-FFF2-40B4-BE49-F238E27FC236}">
-                <a16:creationId xmlns:a16="http://schemas.microsoft.com/office/drawing/2014/main" id="{35819329-92DB-4615-B4CD-D4E5605487B1}"/>
-              </a:ext>
-            </a:extLst>
-          </p:cNvPr>
+          <p:cNvPr id="5" name="Footer Placeholder 4"/>
           <p:cNvSpPr>
             <a:spLocks noGrp="1"/>
           </p:cNvSpPr>
@@ -515,13 +1584,7 @@
       </p:sp>
       <p:sp>
         <p:nvSpPr>
-          <p:cNvPr id="6" name="Slide Number Placeholder 5">
-            <a:extLst>
-              <a:ext uri="{FF2B5EF4-FFF2-40B4-BE49-F238E27FC236}">
-                <a16:creationId xmlns:a16="http://schemas.microsoft.com/office/drawing/2014/main" id="{1D55B228-16EC-4A3D-BC3A-9B107CC65CFF}"/>
-              </a:ext>
-            </a:extLst>
-          </p:cNvPr>
+          <p:cNvPr id="6" name="Slide Number Placeholder 5"/>
           <p:cNvSpPr>
             <a:spLocks noGrp="1"/>
           </p:cNvSpPr>
@@ -545,7 +1608,7 @@
     </p:spTree>
     <p:extLst>
       <p:ext uri="{BB962C8B-B14F-4D97-AF65-F5344CB8AC3E}">
-        <p14:creationId xmlns:p14="http://schemas.microsoft.com/office/powerpoint/2010/main" val="4290729684"/>
+        <p14:creationId xmlns:p14="http://schemas.microsoft.com/office/powerpoint/2010/main" val="668431920"/>
       </p:ext>
     </p:extLst>
   </p:cSld>
@@ -556,7 +1619,7 @@
 </file>
 
 <file path=ppt/slideLayouts/slideLayout11.xml><?xml version="1.0" encoding="utf-8"?>
-<p:sldLayout xmlns:a="http://schemas.openxmlformats.org/drawingml/2006/main" xmlns:r="http://schemas.openxmlformats.org/officeDocument/2006/relationships" xmlns:p="http://schemas.openxmlformats.org/presentationml/2006/main" type="vertTitleAndTx" preserve="1">
+<p:sldLayout xmlns:a="http://schemas.openxmlformats.org/drawingml/2006/main" xmlns:r="http://schemas.openxmlformats.org/officeDocument/2006/relationships" xmlns:p="http://schemas.openxmlformats.org/presentationml/2006/main" showMasterSp="0" type="vertTitleAndTx" preserve="1">
   <p:cSld name="Vertical Title and Text">
     <p:spTree>
       <p:nvGrpSpPr>
@@ -574,24 +1637,56 @@
       </p:grpSpPr>
       <p:sp>
         <p:nvSpPr>
-          <p:cNvPr id="2" name="Vertical Title 1">
-            <a:extLst>
-              <a:ext uri="{FF2B5EF4-FFF2-40B4-BE49-F238E27FC236}">
-                <a16:creationId xmlns:a16="http://schemas.microsoft.com/office/drawing/2014/main" id="{B1F7F791-F741-4052-89DF-E338DD26D054}"/>
-              </a:ext>
-            </a:extLst>
-          </p:cNvPr>
-          <p:cNvSpPr>
-            <a:spLocks noGrp="1"/>
-          </p:cNvSpPr>
-          <p:nvPr>
-            <p:ph type="title" orient="vert"/>
-          </p:nvPr>
+          <p:cNvPr id="7" name="Rectangle 6"/>
+          <p:cNvSpPr/>
+          <p:nvPr/>
         </p:nvSpPr>
         <p:spPr>
           <a:xfrm>
-            <a:off x="8724900" y="365125"/>
-            <a:ext cx="2628900" cy="5811838"/>
+            <a:off x="9019312" y="0"/>
+            <a:ext cx="2743200" cy="6858000"/>
+          </a:xfrm>
+          <a:prstGeom prst="rect">
+            <a:avLst/>
+          </a:prstGeom>
+          <a:solidFill>
+            <a:schemeClr val="tx1"/>
+          </a:solidFill>
+          <a:ln>
+            <a:noFill/>
+          </a:ln>
+        </p:spPr>
+        <p:style>
+          <a:lnRef idx="2">
+            <a:schemeClr val="accent1">
+              <a:shade val="50000"/>
+            </a:schemeClr>
+          </a:lnRef>
+          <a:fillRef idx="1">
+            <a:schemeClr val="accent1"/>
+          </a:fillRef>
+          <a:effectRef idx="0">
+            <a:schemeClr val="accent1"/>
+          </a:effectRef>
+          <a:fontRef idx="minor">
+            <a:schemeClr val="lt1"/>
+          </a:fontRef>
+        </p:style>
+      </p:sp>
+      <p:sp>
+        <p:nvSpPr>
+          <p:cNvPr id="2" name="Vertical Title 1"/>
+          <p:cNvSpPr>
+            <a:spLocks noGrp="1"/>
+          </p:cNvSpPr>
+          <p:nvPr>
+            <p:ph type="title" orient="vert"/>
+          </p:nvPr>
+        </p:nvSpPr>
+        <p:spPr>
+          <a:xfrm>
+            <a:off x="9160624" y="274638"/>
+            <a:ext cx="2402380" cy="5897562"/>
           </a:xfrm>
         </p:spPr>
         <p:txBody>
@@ -602,18 +1697,13 @@
               <a:rPr lang="en-US"/>
               <a:t>Click to edit Master title style</a:t>
             </a:r>
-          </a:p>
-        </p:txBody>
-      </p:sp>
-      <p:sp>
-        <p:nvSpPr>
-          <p:cNvPr id="3" name="Vertical Text Placeholder 2">
-            <a:extLst>
-              <a:ext uri="{FF2B5EF4-FFF2-40B4-BE49-F238E27FC236}">
-                <a16:creationId xmlns:a16="http://schemas.microsoft.com/office/drawing/2014/main" id="{F0954FAB-567B-4ECC-9CDD-12E71E2EA2E3}"/>
-              </a:ext>
-            </a:extLst>
-          </p:cNvPr>
+            <a:endParaRPr lang="en-US" dirty="0"/>
+          </a:p>
+        </p:txBody>
+      </p:sp>
+      <p:sp>
+        <p:nvSpPr>
+          <p:cNvPr id="3" name="Vertical Text Placeholder 2"/>
           <p:cNvSpPr>
             <a:spLocks noGrp="1"/>
           </p:cNvSpPr>
@@ -623,8 +1713,8 @@
         </p:nvSpPr>
         <p:spPr>
           <a:xfrm>
-            <a:off x="838200" y="365125"/>
-            <a:ext cx="7734300" cy="5811838"/>
+            <a:off x="838199" y="274638"/>
+            <a:ext cx="7973291" cy="5897562"/>
           </a:xfrm>
         </p:spPr>
         <p:txBody>
@@ -664,18 +1754,13 @@
               <a:rPr lang="en-US"/>
               <a:t>Fifth level</a:t>
             </a:r>
-          </a:p>
-        </p:txBody>
-      </p:sp>
-      <p:sp>
-        <p:nvSpPr>
-          <p:cNvPr id="4" name="Date Placeholder 3">
-            <a:extLst>
-              <a:ext uri="{FF2B5EF4-FFF2-40B4-BE49-F238E27FC236}">
-                <a16:creationId xmlns:a16="http://schemas.microsoft.com/office/drawing/2014/main" id="{EC2AB751-251D-4D63-B989-BFCA568EF8BF}"/>
-              </a:ext>
-            </a:extLst>
-          </p:cNvPr>
+            <a:endParaRPr lang="en-US" dirty="0"/>
+          </a:p>
+        </p:txBody>
+      </p:sp>
+      <p:sp>
+        <p:nvSpPr>
+          <p:cNvPr id="4" name="Date Placeholder 3"/>
           <p:cNvSpPr>
             <a:spLocks noGrp="1"/>
           </p:cNvSpPr>
@@ -683,14 +1768,19 @@
             <p:ph type="dt" sz="half" idx="10"/>
           </p:nvPr>
         </p:nvSpPr>
-        <p:spPr/>
+        <p:spPr>
+          <a:xfrm>
+            <a:off x="838200" y="6422854"/>
+            <a:ext cx="2743196" cy="365125"/>
+          </a:xfrm>
+        </p:spPr>
         <p:txBody>
           <a:bodyPr/>
           <a:lstStyle/>
           <a:p>
             <a:fld id="{66F45FE7-2BFB-4BAE-990A-B1F0CDE6C741}" type="datetimeFigureOut">
               <a:rPr lang="en-US" smtClean="0"/>
-              <a:t>10/4/2017</a:t>
+              <a:t>10/5/2017</a:t>
             </a:fld>
             <a:endParaRPr lang="en-US"/>
           </a:p>
@@ -698,13 +1788,7 @@
       </p:sp>
       <p:sp>
         <p:nvSpPr>
-          <p:cNvPr id="5" name="Footer Placeholder 4">
-            <a:extLst>
-              <a:ext uri="{FF2B5EF4-FFF2-40B4-BE49-F238E27FC236}">
-                <a16:creationId xmlns:a16="http://schemas.microsoft.com/office/drawing/2014/main" id="{98770280-87BE-4DF9-9E7C-A7343D6C001C}"/>
-              </a:ext>
-            </a:extLst>
-          </p:cNvPr>
+          <p:cNvPr id="5" name="Footer Placeholder 4"/>
           <p:cNvSpPr>
             <a:spLocks noGrp="1"/>
           </p:cNvSpPr>
@@ -712,7 +1796,12 @@
             <p:ph type="ftr" sz="quarter" idx="11"/>
           </p:nvPr>
         </p:nvSpPr>
-        <p:spPr/>
+        <p:spPr>
+          <a:xfrm>
+            <a:off x="3776135" y="6422854"/>
+            <a:ext cx="4279669" cy="365125"/>
+          </a:xfrm>
+        </p:spPr>
         <p:txBody>
           <a:bodyPr/>
           <a:lstStyle/>
@@ -723,13 +1812,7 @@
       </p:sp>
       <p:sp>
         <p:nvSpPr>
-          <p:cNvPr id="6" name="Slide Number Placeholder 5">
-            <a:extLst>
-              <a:ext uri="{FF2B5EF4-FFF2-40B4-BE49-F238E27FC236}">
-                <a16:creationId xmlns:a16="http://schemas.microsoft.com/office/drawing/2014/main" id="{05ED984F-B80E-4922-8088-D3098DC8E515}"/>
-              </a:ext>
-            </a:extLst>
-          </p:cNvPr>
+          <p:cNvPr id="6" name="Slide Number Placeholder 5"/>
           <p:cNvSpPr>
             <a:spLocks noGrp="1"/>
           </p:cNvSpPr>
@@ -737,7 +1820,12 @@
             <p:ph type="sldNum" sz="quarter" idx="12"/>
           </p:nvPr>
         </p:nvSpPr>
-        <p:spPr/>
+        <p:spPr>
+          <a:xfrm>
+            <a:off x="8073048" y="6422854"/>
+            <a:ext cx="879759" cy="365125"/>
+          </a:xfrm>
+        </p:spPr>
         <p:txBody>
           <a:bodyPr/>
           <a:lstStyle/>
@@ -753,7 +1841,7 @@
     </p:spTree>
     <p:extLst>
       <p:ext uri="{BB962C8B-B14F-4D97-AF65-F5344CB8AC3E}">
-        <p14:creationId xmlns:p14="http://schemas.microsoft.com/office/powerpoint/2010/main" val="4012401957"/>
+        <p14:creationId xmlns:p14="http://schemas.microsoft.com/office/powerpoint/2010/main" val="1887032318"/>
       </p:ext>
     </p:extLst>
   </p:cSld>
@@ -782,13 +1870,7 @@
       </p:grpSpPr>
       <p:sp>
         <p:nvSpPr>
-          <p:cNvPr id="2" name="Title 1">
-            <a:extLst>
-              <a:ext uri="{FF2B5EF4-FFF2-40B4-BE49-F238E27FC236}">
-                <a16:creationId xmlns:a16="http://schemas.microsoft.com/office/drawing/2014/main" id="{81472DF9-AFF4-4794-A767-2F163F3830CA}"/>
-              </a:ext>
-            </a:extLst>
-          </p:cNvPr>
+          <p:cNvPr id="2" name="Title 1"/>
           <p:cNvSpPr>
             <a:spLocks noGrp="1"/>
           </p:cNvSpPr>
@@ -805,18 +1887,13 @@
               <a:rPr lang="en-US"/>
               <a:t>Click to edit Master title style</a:t>
             </a:r>
-          </a:p>
-        </p:txBody>
-      </p:sp>
-      <p:sp>
-        <p:nvSpPr>
-          <p:cNvPr id="3" name="Content Placeholder 2">
-            <a:extLst>
-              <a:ext uri="{FF2B5EF4-FFF2-40B4-BE49-F238E27FC236}">
-                <a16:creationId xmlns:a16="http://schemas.microsoft.com/office/drawing/2014/main" id="{492FE561-6B89-4421-AE2B-E926AFE8B903}"/>
-              </a:ext>
-            </a:extLst>
-          </p:cNvPr>
+            <a:endParaRPr lang="en-US" dirty="0"/>
+          </a:p>
+        </p:txBody>
+      </p:sp>
+      <p:sp>
+        <p:nvSpPr>
+          <p:cNvPr id="3" name="Content Placeholder 2"/>
           <p:cNvSpPr>
             <a:spLocks noGrp="1"/>
           </p:cNvSpPr>
@@ -862,18 +1939,13 @@
               <a:rPr lang="en-US"/>
               <a:t>Fifth level</a:t>
             </a:r>
-          </a:p>
-        </p:txBody>
-      </p:sp>
-      <p:sp>
-        <p:nvSpPr>
-          <p:cNvPr id="4" name="Date Placeholder 3">
-            <a:extLst>
-              <a:ext uri="{FF2B5EF4-FFF2-40B4-BE49-F238E27FC236}">
-                <a16:creationId xmlns:a16="http://schemas.microsoft.com/office/drawing/2014/main" id="{858D2E7A-2ACA-43AF-8EDD-FAFAA300136C}"/>
-              </a:ext>
-            </a:extLst>
-          </p:cNvPr>
+            <a:endParaRPr lang="en-US" dirty="0"/>
+          </a:p>
+        </p:txBody>
+      </p:sp>
+      <p:sp>
+        <p:nvSpPr>
+          <p:cNvPr id="4" name="Date Placeholder 3"/>
           <p:cNvSpPr>
             <a:spLocks noGrp="1"/>
           </p:cNvSpPr>
@@ -888,7 +1960,7 @@
           <a:p>
             <a:fld id="{66F45FE7-2BFB-4BAE-990A-B1F0CDE6C741}" type="datetimeFigureOut">
               <a:rPr lang="en-US" smtClean="0"/>
-              <a:t>10/4/2017</a:t>
+              <a:t>10/5/2017</a:t>
             </a:fld>
             <a:endParaRPr lang="en-US"/>
           </a:p>
@@ -896,13 +1968,7 @@
       </p:sp>
       <p:sp>
         <p:nvSpPr>
-          <p:cNvPr id="5" name="Footer Placeholder 4">
-            <a:extLst>
-              <a:ext uri="{FF2B5EF4-FFF2-40B4-BE49-F238E27FC236}">
-                <a16:creationId xmlns:a16="http://schemas.microsoft.com/office/drawing/2014/main" id="{4D075B61-B93A-4B14-9333-E3B4DAB89F3C}"/>
-              </a:ext>
-            </a:extLst>
-          </p:cNvPr>
+          <p:cNvPr id="5" name="Footer Placeholder 4"/>
           <p:cNvSpPr>
             <a:spLocks noGrp="1"/>
           </p:cNvSpPr>
@@ -921,13 +1987,7 @@
       </p:sp>
       <p:sp>
         <p:nvSpPr>
-          <p:cNvPr id="6" name="Slide Number Placeholder 5">
-            <a:extLst>
-              <a:ext uri="{FF2B5EF4-FFF2-40B4-BE49-F238E27FC236}">
-                <a16:creationId xmlns:a16="http://schemas.microsoft.com/office/drawing/2014/main" id="{8C58E2A4-A5CA-4376-8499-1B07A4FDFE85}"/>
-              </a:ext>
-            </a:extLst>
-          </p:cNvPr>
+          <p:cNvPr id="6" name="Slide Number Placeholder 5"/>
           <p:cNvSpPr>
             <a:spLocks noGrp="1"/>
           </p:cNvSpPr>
@@ -951,7 +2011,7 @@
     </p:spTree>
     <p:extLst>
       <p:ext uri="{BB962C8B-B14F-4D97-AF65-F5344CB8AC3E}">
-        <p14:creationId xmlns:p14="http://schemas.microsoft.com/office/powerpoint/2010/main" val="2889487718"/>
+        <p14:creationId xmlns:p14="http://schemas.microsoft.com/office/powerpoint/2010/main" val="1826967145"/>
       </p:ext>
     </p:extLst>
   </p:cSld>
@@ -962,8 +2022,13 @@
 </file>
 
 <file path=ppt/slideLayouts/slideLayout3.xml><?xml version="1.0" encoding="utf-8"?>
-<p:sldLayout xmlns:a="http://schemas.openxmlformats.org/drawingml/2006/main" xmlns:r="http://schemas.openxmlformats.org/officeDocument/2006/relationships" xmlns:p="http://schemas.openxmlformats.org/presentationml/2006/main" type="secHead" preserve="1">
+<p:sldLayout xmlns:a="http://schemas.openxmlformats.org/drawingml/2006/main" xmlns:r="http://schemas.openxmlformats.org/officeDocument/2006/relationships" xmlns:p="http://schemas.openxmlformats.org/presentationml/2006/main" showMasterSp="0" type="secHead" preserve="1">
   <p:cSld name="Section Header">
+    <p:bg>
+      <p:bgRef idx="1001">
+        <a:schemeClr val="bg1"/>
+      </p:bgRef>
+    </p:bg>
     <p:spTree>
       <p:nvGrpSpPr>
         <p:cNvPr id="1" name=""/>
@@ -980,31 +2045,72 @@
       </p:grpSpPr>
       <p:sp>
         <p:nvSpPr>
-          <p:cNvPr id="2" name="Title 1">
-            <a:extLst>
-              <a:ext uri="{FF2B5EF4-FFF2-40B4-BE49-F238E27FC236}">
-                <a16:creationId xmlns:a16="http://schemas.microsoft.com/office/drawing/2014/main" id="{AF626F5C-12D2-446C-9ED1-37489A869F46}"/>
-              </a:ext>
-            </a:extLst>
-          </p:cNvPr>
-          <p:cNvSpPr>
-            <a:spLocks noGrp="1"/>
-          </p:cNvSpPr>
-          <p:nvPr>
-            <p:ph type="title"/>
-          </p:nvPr>
+          <p:cNvPr id="7" name="Rectangle 6"/>
+          <p:cNvSpPr/>
+          <p:nvPr/>
         </p:nvSpPr>
         <p:spPr>
           <a:xfrm>
-            <a:off x="831850" y="1709738"/>
-            <a:ext cx="10515600" cy="2852737"/>
+            <a:off x="-6843" y="2059012"/>
+            <a:ext cx="12195668" cy="1828800"/>
+          </a:xfrm>
+          <a:prstGeom prst="rect">
+            <a:avLst/>
+          </a:prstGeom>
+          <a:solidFill>
+            <a:schemeClr val="tx2"/>
+          </a:solidFill>
+          <a:ln>
+            <a:noFill/>
+          </a:ln>
+        </p:spPr>
+        <p:style>
+          <a:lnRef idx="2">
+            <a:schemeClr val="accent1">
+              <a:shade val="50000"/>
+            </a:schemeClr>
+          </a:lnRef>
+          <a:fillRef idx="1">
+            <a:schemeClr val="accent1"/>
+          </a:fillRef>
+          <a:effectRef idx="0">
+            <a:schemeClr val="accent1"/>
+          </a:effectRef>
+          <a:fontRef idx="minor">
+            <a:schemeClr val="lt1"/>
+          </a:fontRef>
+        </p:style>
+      </p:sp>
+      <p:sp>
+        <p:nvSpPr>
+          <p:cNvPr id="2" name="Title 1"/>
+          <p:cNvSpPr>
+            <a:spLocks noGrp="1"/>
+          </p:cNvSpPr>
+          <p:nvPr>
+            <p:ph type="title"/>
+          </p:nvPr>
+        </p:nvSpPr>
+        <p:spPr>
+          <a:xfrm>
+            <a:off x="833191" y="2208879"/>
+            <a:ext cx="10515600" cy="1676400"/>
           </a:xfrm>
         </p:spPr>
         <p:txBody>
-          <a:bodyPr anchor="b"/>
+          <a:bodyPr anchor="ctr">
+            <a:noAutofit/>
+          </a:bodyPr>
           <a:lstStyle>
-            <a:lvl1pPr>
-              <a:defRPr sz="6000"/>
+            <a:lvl1pPr algn="ctr">
+              <a:lnSpc>
+                <a:spcPct val="80000"/>
+              </a:lnSpc>
+              <a:defRPr sz="6000" b="0" spc="150" baseline="0">
+                <a:solidFill>
+                  <a:schemeClr val="bg1"/>
+                </a:solidFill>
+              </a:defRPr>
             </a:lvl1pPr>
           </a:lstStyle>
           <a:p>
@@ -1012,18 +2118,13 @@
               <a:rPr lang="en-US"/>
               <a:t>Click to edit Master title style</a:t>
             </a:r>
-          </a:p>
-        </p:txBody>
-      </p:sp>
-      <p:sp>
-        <p:nvSpPr>
-          <p:cNvPr id="3" name="Text Placeholder 2">
-            <a:extLst>
-              <a:ext uri="{FF2B5EF4-FFF2-40B4-BE49-F238E27FC236}">
-                <a16:creationId xmlns:a16="http://schemas.microsoft.com/office/drawing/2014/main" id="{9ABE8316-2F1C-48BA-801F-1A40EEF782BD}"/>
-              </a:ext>
-            </a:extLst>
-          </p:cNvPr>
+            <a:endParaRPr lang="en-US" dirty="0"/>
+          </a:p>
+        </p:txBody>
+      </p:sp>
+      <p:sp>
+        <p:nvSpPr>
+          <p:cNvPr id="3" name="Text Placeholder 2"/>
           <p:cNvSpPr>
             <a:spLocks noGrp="1"/>
           </p:cNvSpPr>
@@ -1033,26 +2134,26 @@
         </p:nvSpPr>
         <p:spPr>
           <a:xfrm>
-            <a:off x="831850" y="4589463"/>
-            <a:ext cx="10515600" cy="1500187"/>
+            <a:off x="833191" y="4010334"/>
+            <a:ext cx="10515600" cy="1174639"/>
           </a:xfrm>
         </p:spPr>
         <p:txBody>
-          <a:bodyPr/>
+          <a:bodyPr anchor="t">
+            <a:normAutofit/>
+          </a:bodyPr>
           <a:lstStyle>
-            <a:lvl1pPr marL="0" indent="0">
-              <a:buNone/>
-              <a:defRPr sz="2400">
+            <a:lvl1pPr marL="0" indent="0" algn="ctr">
+              <a:buNone/>
+              <a:defRPr sz="2000">
                 <a:solidFill>
-                  <a:schemeClr val="tx1">
-                    <a:tint val="75000"/>
-                  </a:schemeClr>
+                  <a:schemeClr val="tx2"/>
                 </a:solidFill>
               </a:defRPr>
             </a:lvl1pPr>
             <a:lvl2pPr marL="457200" indent="0">
               <a:buNone/>
-              <a:defRPr sz="2000">
+              <a:defRPr sz="1800">
                 <a:solidFill>
                   <a:schemeClr val="tx1">
                     <a:tint val="75000"/>
@@ -1062,7 +2163,7 @@
             </a:lvl2pPr>
             <a:lvl3pPr marL="914400" indent="0">
               <a:buNone/>
-              <a:defRPr sz="1800">
+              <a:defRPr sz="1600">
                 <a:solidFill>
                   <a:schemeClr val="tx1">
                     <a:tint val="75000"/>
@@ -1072,7 +2173,7 @@
             </a:lvl3pPr>
             <a:lvl4pPr marL="1371600" indent="0">
               <a:buNone/>
-              <a:defRPr sz="1600">
+              <a:defRPr sz="1400">
                 <a:solidFill>
                   <a:schemeClr val="tx1">
                     <a:tint val="75000"/>
@@ -1082,7 +2183,7 @@
             </a:lvl4pPr>
             <a:lvl5pPr marL="1828800" indent="0">
               <a:buNone/>
-              <a:defRPr sz="1600">
+              <a:defRPr sz="1400">
                 <a:solidFill>
                   <a:schemeClr val="tx1">
                     <a:tint val="75000"/>
@@ -1092,7 +2193,7 @@
             </a:lvl5pPr>
             <a:lvl6pPr marL="2286000" indent="0">
               <a:buNone/>
-              <a:defRPr sz="1600">
+              <a:defRPr sz="1400">
                 <a:solidFill>
                   <a:schemeClr val="tx1">
                     <a:tint val="75000"/>
@@ -1102,7 +2203,7 @@
             </a:lvl6pPr>
             <a:lvl7pPr marL="2743200" indent="0">
               <a:buNone/>
-              <a:defRPr sz="1600">
+              <a:defRPr sz="1400">
                 <a:solidFill>
                   <a:schemeClr val="tx1">
                     <a:tint val="75000"/>
@@ -1112,7 +2213,7 @@
             </a:lvl7pPr>
             <a:lvl8pPr marL="3200400" indent="0">
               <a:buNone/>
-              <a:defRPr sz="1600">
+              <a:defRPr sz="1400">
                 <a:solidFill>
                   <a:schemeClr val="tx1">
                     <a:tint val="75000"/>
@@ -1122,7 +2223,7 @@
             </a:lvl8pPr>
             <a:lvl9pPr marL="3657600" indent="0">
               <a:buNone/>
-              <a:defRPr sz="1600">
+              <a:defRPr sz="1400">
                 <a:solidFill>
                   <a:schemeClr val="tx1">
                     <a:tint val="75000"/>
@@ -1142,13 +2243,7 @@
       </p:sp>
       <p:sp>
         <p:nvSpPr>
-          <p:cNvPr id="4" name="Date Placeholder 3">
-            <a:extLst>
-              <a:ext uri="{FF2B5EF4-FFF2-40B4-BE49-F238E27FC236}">
-                <a16:creationId xmlns:a16="http://schemas.microsoft.com/office/drawing/2014/main" id="{00B3642D-83CD-48CC-8DC7-E109558CD425}"/>
-              </a:ext>
-            </a:extLst>
-          </p:cNvPr>
+          <p:cNvPr id="4" name="Date Placeholder 3"/>
           <p:cNvSpPr>
             <a:spLocks noGrp="1"/>
           </p:cNvSpPr>
@@ -1159,11 +2254,19 @@
         <p:spPr/>
         <p:txBody>
           <a:bodyPr/>
-          <a:lstStyle/>
+          <a:lstStyle>
+            <a:lvl1pPr>
+              <a:defRPr>
+                <a:solidFill>
+                  <a:schemeClr val="tx2"/>
+                </a:solidFill>
+              </a:defRPr>
+            </a:lvl1pPr>
+          </a:lstStyle>
           <a:p>
             <a:fld id="{66F45FE7-2BFB-4BAE-990A-B1F0CDE6C741}" type="datetimeFigureOut">
               <a:rPr lang="en-US" smtClean="0"/>
-              <a:t>10/4/2017</a:t>
+              <a:t>10/5/2017</a:t>
             </a:fld>
             <a:endParaRPr lang="en-US"/>
           </a:p>
@@ -1171,13 +2274,7 @@
       </p:sp>
       <p:sp>
         <p:nvSpPr>
-          <p:cNvPr id="5" name="Footer Placeholder 4">
-            <a:extLst>
-              <a:ext uri="{FF2B5EF4-FFF2-40B4-BE49-F238E27FC236}">
-                <a16:creationId xmlns:a16="http://schemas.microsoft.com/office/drawing/2014/main" id="{992A238B-3D2F-4299-8BCB-B22CB0BB9559}"/>
-              </a:ext>
-            </a:extLst>
-          </p:cNvPr>
+          <p:cNvPr id="5" name="Footer Placeholder 4"/>
           <p:cNvSpPr>
             <a:spLocks noGrp="1"/>
           </p:cNvSpPr>
@@ -1188,7 +2285,15 @@
         <p:spPr/>
         <p:txBody>
           <a:bodyPr/>
-          <a:lstStyle/>
+          <a:lstStyle>
+            <a:lvl1pPr>
+              <a:defRPr>
+                <a:solidFill>
+                  <a:schemeClr val="tx2"/>
+                </a:solidFill>
+              </a:defRPr>
+            </a:lvl1pPr>
+          </a:lstStyle>
           <a:p>
             <a:endParaRPr lang="en-US"/>
           </a:p>
@@ -1196,13 +2301,7 @@
       </p:sp>
       <p:sp>
         <p:nvSpPr>
-          <p:cNvPr id="6" name="Slide Number Placeholder 5">
-            <a:extLst>
-              <a:ext uri="{FF2B5EF4-FFF2-40B4-BE49-F238E27FC236}">
-                <a16:creationId xmlns:a16="http://schemas.microsoft.com/office/drawing/2014/main" id="{7AB63ED0-67D7-47B6-BF40-CC4FF0D8D33E}"/>
-              </a:ext>
-            </a:extLst>
-          </p:cNvPr>
+          <p:cNvPr id="6" name="Slide Number Placeholder 5"/>
           <p:cNvSpPr>
             <a:spLocks noGrp="1"/>
           </p:cNvSpPr>
@@ -1213,7 +2312,15 @@
         <p:spPr/>
         <p:txBody>
           <a:bodyPr/>
-          <a:lstStyle/>
+          <a:lstStyle>
+            <a:lvl1pPr>
+              <a:defRPr>
+                <a:solidFill>
+                  <a:schemeClr val="tx2"/>
+                </a:solidFill>
+              </a:defRPr>
+            </a:lvl1pPr>
+          </a:lstStyle>
           <a:p>
             <a:fld id="{EEE1B855-9CEA-4840-9A05-0615F55F944A}" type="slidenum">
               <a:rPr lang="en-US" smtClean="0"/>
@@ -1226,12 +2333,12 @@
     </p:spTree>
     <p:extLst>
       <p:ext uri="{BB962C8B-B14F-4D97-AF65-F5344CB8AC3E}">
-        <p14:creationId xmlns:p14="http://schemas.microsoft.com/office/powerpoint/2010/main" val="3046290450"/>
+        <p14:creationId xmlns:p14="http://schemas.microsoft.com/office/powerpoint/2010/main" val="3771026407"/>
       </p:ext>
     </p:extLst>
   </p:cSld>
   <p:clrMapOvr>
-    <a:masterClrMapping/>
+    <a:overrideClrMapping bg1="lt1" tx1="dk1" bg2="lt2" tx2="dk2" accent1="accent1" accent2="accent2" accent3="accent3" accent4="accent4" accent5="accent5" accent6="accent6" hlink="hlink" folHlink="folHlink"/>
   </p:clrMapOvr>
 </p:sldLayout>
 </file>
@@ -1255,13 +2362,7 @@
       </p:grpSpPr>
       <p:sp>
         <p:nvSpPr>
-          <p:cNvPr id="2" name="Title 1">
-            <a:extLst>
-              <a:ext uri="{FF2B5EF4-FFF2-40B4-BE49-F238E27FC236}">
-                <a16:creationId xmlns:a16="http://schemas.microsoft.com/office/drawing/2014/main" id="{A5C6CA3C-E4BF-405C-B570-E29CFA71B654}"/>
-              </a:ext>
-            </a:extLst>
-          </p:cNvPr>
+          <p:cNvPr id="8" name="Title 7"/>
           <p:cNvSpPr>
             <a:spLocks noGrp="1"/>
           </p:cNvSpPr>
@@ -1278,18 +2379,13 @@
               <a:rPr lang="en-US"/>
               <a:t>Click to edit Master title style</a:t>
             </a:r>
-          </a:p>
-        </p:txBody>
-      </p:sp>
-      <p:sp>
-        <p:nvSpPr>
-          <p:cNvPr id="3" name="Content Placeholder 2">
-            <a:extLst>
-              <a:ext uri="{FF2B5EF4-FFF2-40B4-BE49-F238E27FC236}">
-                <a16:creationId xmlns:a16="http://schemas.microsoft.com/office/drawing/2014/main" id="{B5C13C69-F1ED-43EC-940B-2FB4674C98AC}"/>
-              </a:ext>
-            </a:extLst>
-          </p:cNvPr>
+            <a:endParaRPr lang="en-US" dirty="0"/>
+          </a:p>
+        </p:txBody>
+      </p:sp>
+      <p:sp>
+        <p:nvSpPr>
+          <p:cNvPr id="3" name="Content Placeholder 2"/>
           <p:cNvSpPr>
             <a:spLocks noGrp="1"/>
           </p:cNvSpPr>
@@ -1299,13 +2395,41 @@
         </p:nvSpPr>
         <p:spPr>
           <a:xfrm>
-            <a:off x="838200" y="1825625"/>
-            <a:ext cx="5181600" cy="4351338"/>
+            <a:off x="1205344" y="2011680"/>
+            <a:ext cx="4754880" cy="4206240"/>
           </a:xfrm>
         </p:spPr>
         <p:txBody>
           <a:bodyPr/>
-          <a:lstStyle/>
+          <a:lstStyle>
+            <a:lvl1pPr>
+              <a:defRPr sz="2200"/>
+            </a:lvl1pPr>
+            <a:lvl2pPr>
+              <a:defRPr sz="2000"/>
+            </a:lvl2pPr>
+            <a:lvl3pPr>
+              <a:defRPr sz="1800"/>
+            </a:lvl3pPr>
+            <a:lvl4pPr>
+              <a:defRPr sz="1600"/>
+            </a:lvl4pPr>
+            <a:lvl5pPr>
+              <a:defRPr sz="1600"/>
+            </a:lvl5pPr>
+            <a:lvl6pPr>
+              <a:defRPr sz="1600"/>
+            </a:lvl6pPr>
+            <a:lvl7pPr>
+              <a:defRPr sz="1600"/>
+            </a:lvl7pPr>
+            <a:lvl8pPr>
+              <a:defRPr sz="1600"/>
+            </a:lvl8pPr>
+            <a:lvl9pPr>
+              <a:defRPr sz="1600"/>
+            </a:lvl9pPr>
+          </a:lstStyle>
           <a:p>
             <a:pPr lvl="0"/>
             <a:r>
@@ -1340,18 +2464,13 @@
               <a:rPr lang="en-US"/>
               <a:t>Fifth level</a:t>
             </a:r>
-          </a:p>
-        </p:txBody>
-      </p:sp>
-      <p:sp>
-        <p:nvSpPr>
-          <p:cNvPr id="4" name="Content Placeholder 3">
-            <a:extLst>
-              <a:ext uri="{FF2B5EF4-FFF2-40B4-BE49-F238E27FC236}">
-                <a16:creationId xmlns:a16="http://schemas.microsoft.com/office/drawing/2014/main" id="{15293EC8-E562-4BC6-8E17-82223E699ED5}"/>
-              </a:ext>
-            </a:extLst>
-          </p:cNvPr>
+            <a:endParaRPr lang="en-US" dirty="0"/>
+          </a:p>
+        </p:txBody>
+      </p:sp>
+      <p:sp>
+        <p:nvSpPr>
+          <p:cNvPr id="4" name="Content Placeholder 3"/>
           <p:cNvSpPr>
             <a:spLocks noGrp="1"/>
           </p:cNvSpPr>
@@ -1361,13 +2480,41 @@
         </p:nvSpPr>
         <p:spPr>
           <a:xfrm>
-            <a:off x="6172200" y="1825625"/>
-            <a:ext cx="5181600" cy="4351338"/>
+            <a:off x="6230391" y="2011680"/>
+            <a:ext cx="4754880" cy="4206240"/>
           </a:xfrm>
         </p:spPr>
         <p:txBody>
           <a:bodyPr/>
-          <a:lstStyle/>
+          <a:lstStyle>
+            <a:lvl1pPr>
+              <a:defRPr sz="2200"/>
+            </a:lvl1pPr>
+            <a:lvl2pPr>
+              <a:defRPr sz="2000"/>
+            </a:lvl2pPr>
+            <a:lvl3pPr>
+              <a:defRPr sz="1800"/>
+            </a:lvl3pPr>
+            <a:lvl4pPr>
+              <a:defRPr sz="1600"/>
+            </a:lvl4pPr>
+            <a:lvl5pPr>
+              <a:defRPr sz="1600"/>
+            </a:lvl5pPr>
+            <a:lvl6pPr>
+              <a:defRPr sz="1600"/>
+            </a:lvl6pPr>
+            <a:lvl7pPr>
+              <a:defRPr sz="1600"/>
+            </a:lvl7pPr>
+            <a:lvl8pPr>
+              <a:defRPr sz="1600"/>
+            </a:lvl8pPr>
+            <a:lvl9pPr>
+              <a:defRPr sz="1600"/>
+            </a:lvl9pPr>
+          </a:lstStyle>
           <a:p>
             <a:pPr lvl="0"/>
             <a:r>
@@ -1402,18 +2549,13 @@
               <a:rPr lang="en-US"/>
               <a:t>Fifth level</a:t>
             </a:r>
-          </a:p>
-        </p:txBody>
-      </p:sp>
-      <p:sp>
-        <p:nvSpPr>
-          <p:cNvPr id="5" name="Date Placeholder 4">
-            <a:extLst>
-              <a:ext uri="{FF2B5EF4-FFF2-40B4-BE49-F238E27FC236}">
-                <a16:creationId xmlns:a16="http://schemas.microsoft.com/office/drawing/2014/main" id="{BF4A0E46-6393-456C-8E40-E7F7201D6692}"/>
-              </a:ext>
-            </a:extLst>
-          </p:cNvPr>
+            <a:endParaRPr lang="en-US" dirty="0"/>
+          </a:p>
+        </p:txBody>
+      </p:sp>
+      <p:sp>
+        <p:nvSpPr>
+          <p:cNvPr id="5" name="Date Placeholder 4"/>
           <p:cNvSpPr>
             <a:spLocks noGrp="1"/>
           </p:cNvSpPr>
@@ -1428,7 +2570,7 @@
           <a:p>
             <a:fld id="{66F45FE7-2BFB-4BAE-990A-B1F0CDE6C741}" type="datetimeFigureOut">
               <a:rPr lang="en-US" smtClean="0"/>
-              <a:t>10/4/2017</a:t>
+              <a:t>10/5/2017</a:t>
             </a:fld>
             <a:endParaRPr lang="en-US"/>
           </a:p>
@@ -1436,13 +2578,7 @@
       </p:sp>
       <p:sp>
         <p:nvSpPr>
-          <p:cNvPr id="6" name="Footer Placeholder 5">
-            <a:extLst>
-              <a:ext uri="{FF2B5EF4-FFF2-40B4-BE49-F238E27FC236}">
-                <a16:creationId xmlns:a16="http://schemas.microsoft.com/office/drawing/2014/main" id="{D6520ADE-DC1D-4318-B529-9BD811B3D2B9}"/>
-              </a:ext>
-            </a:extLst>
-          </p:cNvPr>
+          <p:cNvPr id="6" name="Footer Placeholder 5"/>
           <p:cNvSpPr>
             <a:spLocks noGrp="1"/>
           </p:cNvSpPr>
@@ -1461,13 +2597,7 @@
       </p:sp>
       <p:sp>
         <p:nvSpPr>
-          <p:cNvPr id="7" name="Slide Number Placeholder 6">
-            <a:extLst>
-              <a:ext uri="{FF2B5EF4-FFF2-40B4-BE49-F238E27FC236}">
-                <a16:creationId xmlns:a16="http://schemas.microsoft.com/office/drawing/2014/main" id="{28D6A5BD-F36C-479A-B356-FA7F97740D1A}"/>
-              </a:ext>
-            </a:extLst>
-          </p:cNvPr>
+          <p:cNvPr id="7" name="Slide Number Placeholder 6"/>
           <p:cNvSpPr>
             <a:spLocks noGrp="1"/>
           </p:cNvSpPr>
@@ -1491,7 +2621,7 @@
     </p:spTree>
     <p:extLst>
       <p:ext uri="{BB962C8B-B14F-4D97-AF65-F5344CB8AC3E}">
-        <p14:creationId xmlns:p14="http://schemas.microsoft.com/office/powerpoint/2010/main" val="1021097192"/>
+        <p14:creationId xmlns:p14="http://schemas.microsoft.com/office/powerpoint/2010/main" val="119651751"/>
       </p:ext>
     </p:extLst>
   </p:cSld>
@@ -1520,65 +2650,51 @@
       </p:grpSpPr>
       <p:sp>
         <p:nvSpPr>
-          <p:cNvPr id="2" name="Title 1">
-            <a:extLst>
-              <a:ext uri="{FF2B5EF4-FFF2-40B4-BE49-F238E27FC236}">
-                <a16:creationId xmlns:a16="http://schemas.microsoft.com/office/drawing/2014/main" id="{BE8C7293-5077-47DF-9A85-629878229704}"/>
-              </a:ext>
-            </a:extLst>
-          </p:cNvPr>
+          <p:cNvPr id="10" name="Title 9"/>
           <p:cNvSpPr>
             <a:spLocks noGrp="1"/>
           </p:cNvSpPr>
           <p:nvPr>
             <p:ph type="title"/>
+          </p:nvPr>
+        </p:nvSpPr>
+        <p:spPr/>
+        <p:txBody>
+          <a:bodyPr/>
+          <a:lstStyle/>
+          <a:p>
+            <a:r>
+              <a:rPr lang="en-US"/>
+              <a:t>Click to edit Master title style</a:t>
+            </a:r>
+            <a:endParaRPr lang="en-US" dirty="0"/>
+          </a:p>
+        </p:txBody>
+      </p:sp>
+      <p:sp>
+        <p:nvSpPr>
+          <p:cNvPr id="3" name="Text Placeholder 2"/>
+          <p:cNvSpPr>
+            <a:spLocks noGrp="1"/>
+          </p:cNvSpPr>
+          <p:nvPr>
+            <p:ph type="body" idx="1"/>
           </p:nvPr>
         </p:nvSpPr>
         <p:spPr>
           <a:xfrm>
-            <a:off x="839788" y="365125"/>
-            <a:ext cx="10515600" cy="1325563"/>
+            <a:off x="1207008" y="1913470"/>
+            <a:ext cx="4754880" cy="743094"/>
           </a:xfrm>
         </p:spPr>
         <p:txBody>
-          <a:bodyPr/>
-          <a:lstStyle/>
-          <a:p>
-            <a:r>
-              <a:rPr lang="en-US"/>
-              <a:t>Click to edit Master title style</a:t>
-            </a:r>
-          </a:p>
-        </p:txBody>
-      </p:sp>
-      <p:sp>
-        <p:nvSpPr>
-          <p:cNvPr id="3" name="Text Placeholder 2">
-            <a:extLst>
-              <a:ext uri="{FF2B5EF4-FFF2-40B4-BE49-F238E27FC236}">
-                <a16:creationId xmlns:a16="http://schemas.microsoft.com/office/drawing/2014/main" id="{0C57B562-CA3F-4AE7-85F5-08E7747F092E}"/>
-              </a:ext>
-            </a:extLst>
-          </p:cNvPr>
-          <p:cNvSpPr>
-            <a:spLocks noGrp="1"/>
-          </p:cNvSpPr>
-          <p:nvPr>
-            <p:ph type="body" idx="1"/>
-          </p:nvPr>
-        </p:nvSpPr>
-        <p:spPr>
-          <a:xfrm>
-            <a:off x="839788" y="1681163"/>
-            <a:ext cx="5157787" cy="823912"/>
-          </a:xfrm>
-        </p:spPr>
-        <p:txBody>
-          <a:bodyPr anchor="b"/>
+          <a:bodyPr anchor="ctr">
+            <a:normAutofit/>
+          </a:bodyPr>
           <a:lstStyle>
             <a:lvl1pPr marL="0" indent="0">
               <a:buNone/>
-              <a:defRPr sz="2400" b="1"/>
+              <a:defRPr sz="2100" b="1"/>
             </a:lvl1pPr>
             <a:lvl2pPr marL="457200" indent="0">
               <a:buNone/>
@@ -1624,13 +2740,7 @@
       </p:sp>
       <p:sp>
         <p:nvSpPr>
-          <p:cNvPr id="4" name="Content Placeholder 3">
-            <a:extLst>
-              <a:ext uri="{FF2B5EF4-FFF2-40B4-BE49-F238E27FC236}">
-                <a16:creationId xmlns:a16="http://schemas.microsoft.com/office/drawing/2014/main" id="{508160A8-D5ED-4318-9382-0D607AE87418}"/>
-              </a:ext>
-            </a:extLst>
-          </p:cNvPr>
+          <p:cNvPr id="4" name="Content Placeholder 3"/>
           <p:cNvSpPr>
             <a:spLocks noGrp="1"/>
           </p:cNvSpPr>
@@ -1640,13 +2750,41 @@
         </p:nvSpPr>
         <p:spPr>
           <a:xfrm>
-            <a:off x="839788" y="2505075"/>
-            <a:ext cx="5157787" cy="3684588"/>
+            <a:off x="1207008" y="2656566"/>
+            <a:ext cx="4754880" cy="3566160"/>
           </a:xfrm>
         </p:spPr>
         <p:txBody>
           <a:bodyPr/>
-          <a:lstStyle/>
+          <a:lstStyle>
+            <a:lvl1pPr>
+              <a:defRPr sz="2200"/>
+            </a:lvl1pPr>
+            <a:lvl2pPr>
+              <a:defRPr sz="2000"/>
+            </a:lvl2pPr>
+            <a:lvl3pPr>
+              <a:defRPr sz="1800"/>
+            </a:lvl3pPr>
+            <a:lvl4pPr>
+              <a:defRPr sz="1600"/>
+            </a:lvl4pPr>
+            <a:lvl5pPr>
+              <a:defRPr sz="1600"/>
+            </a:lvl5pPr>
+            <a:lvl6pPr>
+              <a:defRPr sz="1600"/>
+            </a:lvl6pPr>
+            <a:lvl7pPr>
+              <a:defRPr sz="1600"/>
+            </a:lvl7pPr>
+            <a:lvl8pPr>
+              <a:defRPr sz="1600"/>
+            </a:lvl8pPr>
+            <a:lvl9pPr>
+              <a:defRPr sz="1600"/>
+            </a:lvl9pPr>
+          </a:lstStyle>
           <a:p>
             <a:pPr lvl="0"/>
             <a:r>
@@ -1681,18 +2819,13 @@
               <a:rPr lang="en-US"/>
               <a:t>Fifth level</a:t>
             </a:r>
-          </a:p>
-        </p:txBody>
-      </p:sp>
-      <p:sp>
-        <p:nvSpPr>
-          <p:cNvPr id="5" name="Text Placeholder 4">
-            <a:extLst>
-              <a:ext uri="{FF2B5EF4-FFF2-40B4-BE49-F238E27FC236}">
-                <a16:creationId xmlns:a16="http://schemas.microsoft.com/office/drawing/2014/main" id="{9A1ECBDD-4E7E-4B3F-8EA7-CDE543CF6764}"/>
-              </a:ext>
-            </a:extLst>
-          </p:cNvPr>
+            <a:endParaRPr lang="en-US" dirty="0"/>
+          </a:p>
+        </p:txBody>
+      </p:sp>
+      <p:sp>
+        <p:nvSpPr>
+          <p:cNvPr id="5" name="Text Placeholder 4"/>
           <p:cNvSpPr>
             <a:spLocks noGrp="1"/>
           </p:cNvSpPr>
@@ -1702,16 +2835,18 @@
         </p:nvSpPr>
         <p:spPr>
           <a:xfrm>
-            <a:off x="6172200" y="1681163"/>
-            <a:ext cx="5183188" cy="823912"/>
+            <a:off x="6231230" y="1913470"/>
+            <a:ext cx="4754880" cy="743094"/>
           </a:xfrm>
         </p:spPr>
         <p:txBody>
-          <a:bodyPr anchor="b"/>
+          <a:bodyPr anchor="ctr">
+            <a:normAutofit/>
+          </a:bodyPr>
           <a:lstStyle>
             <a:lvl1pPr marL="0" indent="0">
               <a:buNone/>
-              <a:defRPr sz="2400" b="1"/>
+              <a:defRPr sz="2100" b="1"/>
             </a:lvl1pPr>
             <a:lvl2pPr marL="457200" indent="0">
               <a:buNone/>
@@ -1757,13 +2892,7 @@
       </p:sp>
       <p:sp>
         <p:nvSpPr>
-          <p:cNvPr id="6" name="Content Placeholder 5">
-            <a:extLst>
-              <a:ext uri="{FF2B5EF4-FFF2-40B4-BE49-F238E27FC236}">
-                <a16:creationId xmlns:a16="http://schemas.microsoft.com/office/drawing/2014/main" id="{67F6FBDE-54CA-4EA1-ADB6-D917D7BC7A59}"/>
-              </a:ext>
-            </a:extLst>
-          </p:cNvPr>
+          <p:cNvPr id="6" name="Content Placeholder 5"/>
           <p:cNvSpPr>
             <a:spLocks noGrp="1"/>
           </p:cNvSpPr>
@@ -1773,13 +2902,41 @@
         </p:nvSpPr>
         <p:spPr>
           <a:xfrm>
-            <a:off x="6172200" y="2505075"/>
-            <a:ext cx="5183188" cy="3684588"/>
+            <a:off x="6231230" y="2656564"/>
+            <a:ext cx="4754880" cy="3566160"/>
           </a:xfrm>
         </p:spPr>
         <p:txBody>
           <a:bodyPr/>
-          <a:lstStyle/>
+          <a:lstStyle>
+            <a:lvl1pPr>
+              <a:defRPr sz="2200"/>
+            </a:lvl1pPr>
+            <a:lvl2pPr>
+              <a:defRPr sz="2000"/>
+            </a:lvl2pPr>
+            <a:lvl3pPr>
+              <a:defRPr sz="1800"/>
+            </a:lvl3pPr>
+            <a:lvl4pPr>
+              <a:defRPr sz="1600"/>
+            </a:lvl4pPr>
+            <a:lvl5pPr>
+              <a:defRPr sz="1600"/>
+            </a:lvl5pPr>
+            <a:lvl6pPr>
+              <a:defRPr sz="1600"/>
+            </a:lvl6pPr>
+            <a:lvl7pPr>
+              <a:defRPr sz="1600"/>
+            </a:lvl7pPr>
+            <a:lvl8pPr>
+              <a:defRPr sz="1600"/>
+            </a:lvl8pPr>
+            <a:lvl9pPr>
+              <a:defRPr sz="1600"/>
+            </a:lvl9pPr>
+          </a:lstStyle>
           <a:p>
             <a:pPr lvl="0"/>
             <a:r>
@@ -1814,18 +2971,13 @@
               <a:rPr lang="en-US"/>
               <a:t>Fifth level</a:t>
             </a:r>
-          </a:p>
-        </p:txBody>
-      </p:sp>
-      <p:sp>
-        <p:nvSpPr>
-          <p:cNvPr id="7" name="Date Placeholder 6">
-            <a:extLst>
-              <a:ext uri="{FF2B5EF4-FFF2-40B4-BE49-F238E27FC236}">
-                <a16:creationId xmlns:a16="http://schemas.microsoft.com/office/drawing/2014/main" id="{78EEC347-8710-4DA3-AFB5-60BD4FBD4301}"/>
-              </a:ext>
-            </a:extLst>
-          </p:cNvPr>
+            <a:endParaRPr lang="en-US" dirty="0"/>
+          </a:p>
+        </p:txBody>
+      </p:sp>
+      <p:sp>
+        <p:nvSpPr>
+          <p:cNvPr id="7" name="Date Placeholder 6"/>
           <p:cNvSpPr>
             <a:spLocks noGrp="1"/>
           </p:cNvSpPr>
@@ -1840,7 +2992,7 @@
           <a:p>
             <a:fld id="{66F45FE7-2BFB-4BAE-990A-B1F0CDE6C741}" type="datetimeFigureOut">
               <a:rPr lang="en-US" smtClean="0"/>
-              <a:t>10/4/2017</a:t>
+              <a:t>10/5/2017</a:t>
             </a:fld>
             <a:endParaRPr lang="en-US"/>
           </a:p>
@@ -1848,13 +3000,7 @@
       </p:sp>
       <p:sp>
         <p:nvSpPr>
-          <p:cNvPr id="8" name="Footer Placeholder 7">
-            <a:extLst>
-              <a:ext uri="{FF2B5EF4-FFF2-40B4-BE49-F238E27FC236}">
-                <a16:creationId xmlns:a16="http://schemas.microsoft.com/office/drawing/2014/main" id="{1B26C7CF-3D6D-42B5-A4BA-53DFD8E95F7A}"/>
-              </a:ext>
-            </a:extLst>
-          </p:cNvPr>
+          <p:cNvPr id="8" name="Footer Placeholder 7"/>
           <p:cNvSpPr>
             <a:spLocks noGrp="1"/>
           </p:cNvSpPr>
@@ -1873,13 +3019,7 @@
       </p:sp>
       <p:sp>
         <p:nvSpPr>
-          <p:cNvPr id="9" name="Slide Number Placeholder 8">
-            <a:extLst>
-              <a:ext uri="{FF2B5EF4-FFF2-40B4-BE49-F238E27FC236}">
-                <a16:creationId xmlns:a16="http://schemas.microsoft.com/office/drawing/2014/main" id="{FE35E7F4-57FE-4A1B-9428-5AECE7E6A3E3}"/>
-              </a:ext>
-            </a:extLst>
-          </p:cNvPr>
+          <p:cNvPr id="9" name="Slide Number Placeholder 8"/>
           <p:cNvSpPr>
             <a:spLocks noGrp="1"/>
           </p:cNvSpPr>
@@ -1903,7 +3043,7 @@
     </p:spTree>
     <p:extLst>
       <p:ext uri="{BB962C8B-B14F-4D97-AF65-F5344CB8AC3E}">
-        <p14:creationId xmlns:p14="http://schemas.microsoft.com/office/powerpoint/2010/main" val="3180897122"/>
+        <p14:creationId xmlns:p14="http://schemas.microsoft.com/office/powerpoint/2010/main" val="3858942994"/>
       </p:ext>
     </p:extLst>
   </p:cSld>
@@ -1932,13 +3072,7 @@
       </p:grpSpPr>
       <p:sp>
         <p:nvSpPr>
-          <p:cNvPr id="2" name="Title 1">
-            <a:extLst>
-              <a:ext uri="{FF2B5EF4-FFF2-40B4-BE49-F238E27FC236}">
-                <a16:creationId xmlns:a16="http://schemas.microsoft.com/office/drawing/2014/main" id="{8F6398C5-8F0E-4205-B99C-34F54D8199B3}"/>
-              </a:ext>
-            </a:extLst>
-          </p:cNvPr>
+          <p:cNvPr id="2" name="Title 1"/>
           <p:cNvSpPr>
             <a:spLocks noGrp="1"/>
           </p:cNvSpPr>
@@ -1955,18 +3089,13 @@
               <a:rPr lang="en-US"/>
               <a:t>Click to edit Master title style</a:t>
             </a:r>
-          </a:p>
-        </p:txBody>
-      </p:sp>
-      <p:sp>
-        <p:nvSpPr>
-          <p:cNvPr id="3" name="Date Placeholder 2">
-            <a:extLst>
-              <a:ext uri="{FF2B5EF4-FFF2-40B4-BE49-F238E27FC236}">
-                <a16:creationId xmlns:a16="http://schemas.microsoft.com/office/drawing/2014/main" id="{14DBF3EE-C042-47BA-B1B8-80D2B2A29916}"/>
-              </a:ext>
-            </a:extLst>
-          </p:cNvPr>
+            <a:endParaRPr lang="en-US" dirty="0"/>
+          </a:p>
+        </p:txBody>
+      </p:sp>
+      <p:sp>
+        <p:nvSpPr>
+          <p:cNvPr id="3" name="Date Placeholder 2"/>
           <p:cNvSpPr>
             <a:spLocks noGrp="1"/>
           </p:cNvSpPr>
@@ -1981,7 +3110,7 @@
           <a:p>
             <a:fld id="{66F45FE7-2BFB-4BAE-990A-B1F0CDE6C741}" type="datetimeFigureOut">
               <a:rPr lang="en-US" smtClean="0"/>
-              <a:t>10/4/2017</a:t>
+              <a:t>10/5/2017</a:t>
             </a:fld>
             <a:endParaRPr lang="en-US"/>
           </a:p>
@@ -1989,13 +3118,7 @@
       </p:sp>
       <p:sp>
         <p:nvSpPr>
-          <p:cNvPr id="4" name="Footer Placeholder 3">
-            <a:extLst>
-              <a:ext uri="{FF2B5EF4-FFF2-40B4-BE49-F238E27FC236}">
-                <a16:creationId xmlns:a16="http://schemas.microsoft.com/office/drawing/2014/main" id="{E15D9354-469D-42DA-A071-2E46C75C5604}"/>
-              </a:ext>
-            </a:extLst>
-          </p:cNvPr>
+          <p:cNvPr id="4" name="Footer Placeholder 3"/>
           <p:cNvSpPr>
             <a:spLocks noGrp="1"/>
           </p:cNvSpPr>
@@ -2014,13 +3137,7 @@
       </p:sp>
       <p:sp>
         <p:nvSpPr>
-          <p:cNvPr id="5" name="Slide Number Placeholder 4">
-            <a:extLst>
-              <a:ext uri="{FF2B5EF4-FFF2-40B4-BE49-F238E27FC236}">
-                <a16:creationId xmlns:a16="http://schemas.microsoft.com/office/drawing/2014/main" id="{5CDF122E-89AC-4B4A-BF30-BED222EAE029}"/>
-              </a:ext>
-            </a:extLst>
-          </p:cNvPr>
+          <p:cNvPr id="5" name="Slide Number Placeholder 4"/>
           <p:cNvSpPr>
             <a:spLocks noGrp="1"/>
           </p:cNvSpPr>
@@ -2044,7 +3161,7 @@
     </p:spTree>
     <p:extLst>
       <p:ext uri="{BB962C8B-B14F-4D97-AF65-F5344CB8AC3E}">
-        <p14:creationId xmlns:p14="http://schemas.microsoft.com/office/powerpoint/2010/main" val="1181843669"/>
+        <p14:creationId xmlns:p14="http://schemas.microsoft.com/office/powerpoint/2010/main" val="1964551220"/>
       </p:ext>
     </p:extLst>
   </p:cSld>
@@ -2055,7 +3172,7 @@
 </file>
 
 <file path=ppt/slideLayouts/slideLayout7.xml><?xml version="1.0" encoding="utf-8"?>
-<p:sldLayout xmlns:a="http://schemas.openxmlformats.org/drawingml/2006/main" xmlns:r="http://schemas.openxmlformats.org/officeDocument/2006/relationships" xmlns:p="http://schemas.openxmlformats.org/presentationml/2006/main" type="blank" preserve="1">
+<p:sldLayout xmlns:a="http://schemas.openxmlformats.org/drawingml/2006/main" xmlns:r="http://schemas.openxmlformats.org/officeDocument/2006/relationships" xmlns:p="http://schemas.openxmlformats.org/presentationml/2006/main" showMasterSp="0" type="blank" preserve="1">
   <p:cSld name="Blank">
     <p:spTree>
       <p:nvGrpSpPr>
@@ -2073,13 +3190,7 @@
       </p:grpSpPr>
       <p:sp>
         <p:nvSpPr>
-          <p:cNvPr id="2" name="Date Placeholder 1">
-            <a:extLst>
-              <a:ext uri="{FF2B5EF4-FFF2-40B4-BE49-F238E27FC236}">
-                <a16:creationId xmlns:a16="http://schemas.microsoft.com/office/drawing/2014/main" id="{29298C8F-37F6-479D-B2D1-AF0C380AE771}"/>
-              </a:ext>
-            </a:extLst>
-          </p:cNvPr>
+          <p:cNvPr id="2" name="Date Placeholder 1"/>
           <p:cNvSpPr>
             <a:spLocks noGrp="1"/>
           </p:cNvSpPr>
@@ -2094,7 +3205,7 @@
           <a:p>
             <a:fld id="{66F45FE7-2BFB-4BAE-990A-B1F0CDE6C741}" type="datetimeFigureOut">
               <a:rPr lang="en-US" smtClean="0"/>
-              <a:t>10/4/2017</a:t>
+              <a:t>10/5/2017</a:t>
             </a:fld>
             <a:endParaRPr lang="en-US"/>
           </a:p>
@@ -2102,13 +3213,7 @@
       </p:sp>
       <p:sp>
         <p:nvSpPr>
-          <p:cNvPr id="3" name="Footer Placeholder 2">
-            <a:extLst>
-              <a:ext uri="{FF2B5EF4-FFF2-40B4-BE49-F238E27FC236}">
-                <a16:creationId xmlns:a16="http://schemas.microsoft.com/office/drawing/2014/main" id="{068FB9F3-4B8F-4521-9F68-3C97508136A6}"/>
-              </a:ext>
-            </a:extLst>
-          </p:cNvPr>
+          <p:cNvPr id="3" name="Footer Placeholder 2"/>
           <p:cNvSpPr>
             <a:spLocks noGrp="1"/>
           </p:cNvSpPr>
@@ -2127,13 +3232,7 @@
       </p:sp>
       <p:sp>
         <p:nvSpPr>
-          <p:cNvPr id="4" name="Slide Number Placeholder 3">
-            <a:extLst>
-              <a:ext uri="{FF2B5EF4-FFF2-40B4-BE49-F238E27FC236}">
-                <a16:creationId xmlns:a16="http://schemas.microsoft.com/office/drawing/2014/main" id="{39B335DB-6DA1-45E5-98E9-39395810DA08}"/>
-              </a:ext>
-            </a:extLst>
-          </p:cNvPr>
+          <p:cNvPr id="4" name="Slide Number Placeholder 3"/>
           <p:cNvSpPr>
             <a:spLocks noGrp="1"/>
           </p:cNvSpPr>
@@ -2157,7 +3256,7 @@
     </p:spTree>
     <p:extLst>
       <p:ext uri="{BB962C8B-B14F-4D97-AF65-F5344CB8AC3E}">
-        <p14:creationId xmlns:p14="http://schemas.microsoft.com/office/powerpoint/2010/main" val="1849482529"/>
+        <p14:creationId xmlns:p14="http://schemas.microsoft.com/office/powerpoint/2010/main" val="2182678061"/>
       </p:ext>
     </p:extLst>
   </p:cSld>
@@ -2186,61 +3285,41 @@
       </p:grpSpPr>
       <p:sp>
         <p:nvSpPr>
-          <p:cNvPr id="2" name="Title 1">
-            <a:extLst>
-              <a:ext uri="{FF2B5EF4-FFF2-40B4-BE49-F238E27FC236}">
-                <a16:creationId xmlns:a16="http://schemas.microsoft.com/office/drawing/2014/main" id="{1E8A28CC-3809-44AA-9E42-15895FD4B9BA}"/>
-              </a:ext>
-            </a:extLst>
-          </p:cNvPr>
+          <p:cNvPr id="8" name="Title 7"/>
           <p:cNvSpPr>
             <a:spLocks noGrp="1"/>
           </p:cNvSpPr>
           <p:nvPr>
             <p:ph type="title"/>
+          </p:nvPr>
+        </p:nvSpPr>
+        <p:spPr/>
+        <p:txBody>
+          <a:bodyPr/>
+          <a:lstStyle/>
+          <a:p>
+            <a:r>
+              <a:rPr lang="en-US"/>
+              <a:t>Click to edit Master title style</a:t>
+            </a:r>
+            <a:endParaRPr lang="en-US" dirty="0"/>
+          </a:p>
+        </p:txBody>
+      </p:sp>
+      <p:sp>
+        <p:nvSpPr>
+          <p:cNvPr id="3" name="Content Placeholder 2"/>
+          <p:cNvSpPr>
+            <a:spLocks noGrp="1"/>
+          </p:cNvSpPr>
+          <p:nvPr>
+            <p:ph idx="1"/>
           </p:nvPr>
         </p:nvSpPr>
         <p:spPr>
           <a:xfrm>
-            <a:off x="839788" y="457200"/>
-            <a:ext cx="3932237" cy="1600200"/>
-          </a:xfrm>
-        </p:spPr>
-        <p:txBody>
-          <a:bodyPr anchor="b"/>
-          <a:lstStyle>
-            <a:lvl1pPr>
-              <a:defRPr sz="3200"/>
-            </a:lvl1pPr>
-          </a:lstStyle>
-          <a:p>
-            <a:r>
-              <a:rPr lang="en-US"/>
-              <a:t>Click to edit Master title style</a:t>
-            </a:r>
-          </a:p>
-        </p:txBody>
-      </p:sp>
-      <p:sp>
-        <p:nvSpPr>
-          <p:cNvPr id="3" name="Content Placeholder 2">
-            <a:extLst>
-              <a:ext uri="{FF2B5EF4-FFF2-40B4-BE49-F238E27FC236}">
-                <a16:creationId xmlns:a16="http://schemas.microsoft.com/office/drawing/2014/main" id="{A43047A0-D246-4754-824B-DB0D6A1E1F0B}"/>
-              </a:ext>
-            </a:extLst>
-          </p:cNvPr>
-          <p:cNvSpPr>
-            <a:spLocks noGrp="1"/>
-          </p:cNvSpPr>
-          <p:nvPr>
-            <p:ph idx="1"/>
-          </p:nvPr>
-        </p:nvSpPr>
-        <p:spPr>
-          <a:xfrm>
-            <a:off x="5183188" y="987425"/>
-            <a:ext cx="6172200" cy="4873625"/>
+            <a:off x="1207008" y="2120054"/>
+            <a:ext cx="6126480" cy="4114800"/>
           </a:xfrm>
         </p:spPr>
         <p:txBody>
@@ -2308,18 +3387,13 @@
               <a:rPr lang="en-US"/>
               <a:t>Fifth level</a:t>
             </a:r>
-          </a:p>
-        </p:txBody>
-      </p:sp>
-      <p:sp>
-        <p:nvSpPr>
-          <p:cNvPr id="4" name="Text Placeholder 3">
-            <a:extLst>
-              <a:ext uri="{FF2B5EF4-FFF2-40B4-BE49-F238E27FC236}">
-                <a16:creationId xmlns:a16="http://schemas.microsoft.com/office/drawing/2014/main" id="{D9A28723-02B6-4F77-A52D-06D5F64F8A43}"/>
-              </a:ext>
-            </a:extLst>
-          </p:cNvPr>
+            <a:endParaRPr lang="en-US" dirty="0"/>
+          </a:p>
+        </p:txBody>
+      </p:sp>
+      <p:sp>
+        <p:nvSpPr>
+          <p:cNvPr id="4" name="Text Placeholder 3"/>
           <p:cNvSpPr>
             <a:spLocks noGrp="1"/>
           </p:cNvSpPr>
@@ -2329,48 +3403,53 @@
         </p:nvSpPr>
         <p:spPr>
           <a:xfrm>
-            <a:off x="839788" y="2057400"/>
-            <a:ext cx="3932237" cy="3811588"/>
+            <a:off x="7789023" y="2147486"/>
+            <a:ext cx="3200400" cy="3432319"/>
           </a:xfrm>
         </p:spPr>
         <p:txBody>
-          <a:bodyPr/>
+          <a:bodyPr>
+            <a:normAutofit/>
+          </a:bodyPr>
           <a:lstStyle>
             <a:lvl1pPr marL="0" indent="0">
-              <a:buNone/>
-              <a:defRPr sz="1600"/>
+              <a:lnSpc>
+                <a:spcPct val="95000"/>
+              </a:lnSpc>
+              <a:buNone/>
+              <a:defRPr sz="1800"/>
             </a:lvl1pPr>
             <a:lvl2pPr marL="457200" indent="0">
               <a:buNone/>
-              <a:defRPr sz="1400"/>
+              <a:defRPr sz="1200"/>
             </a:lvl2pPr>
             <a:lvl3pPr marL="914400" indent="0">
               <a:buNone/>
-              <a:defRPr sz="1200"/>
+              <a:defRPr sz="1000"/>
             </a:lvl3pPr>
             <a:lvl4pPr marL="1371600" indent="0">
               <a:buNone/>
-              <a:defRPr sz="1000"/>
+              <a:defRPr sz="900"/>
             </a:lvl4pPr>
             <a:lvl5pPr marL="1828800" indent="0">
               <a:buNone/>
-              <a:defRPr sz="1000"/>
+              <a:defRPr sz="900"/>
             </a:lvl5pPr>
             <a:lvl6pPr marL="2286000" indent="0">
               <a:buNone/>
-              <a:defRPr sz="1000"/>
+              <a:defRPr sz="900"/>
             </a:lvl6pPr>
             <a:lvl7pPr marL="2743200" indent="0">
               <a:buNone/>
-              <a:defRPr sz="1000"/>
+              <a:defRPr sz="900"/>
             </a:lvl7pPr>
             <a:lvl8pPr marL="3200400" indent="0">
               <a:buNone/>
-              <a:defRPr sz="1000"/>
+              <a:defRPr sz="900"/>
             </a:lvl8pPr>
             <a:lvl9pPr marL="3657600" indent="0">
               <a:buNone/>
-              <a:defRPr sz="1000"/>
+              <a:defRPr sz="900"/>
             </a:lvl9pPr>
           </a:lstStyle>
           <a:p>
@@ -2384,13 +3463,7 @@
       </p:sp>
       <p:sp>
         <p:nvSpPr>
-          <p:cNvPr id="5" name="Date Placeholder 4">
-            <a:extLst>
-              <a:ext uri="{FF2B5EF4-FFF2-40B4-BE49-F238E27FC236}">
-                <a16:creationId xmlns:a16="http://schemas.microsoft.com/office/drawing/2014/main" id="{2B3447CB-0F34-42DB-A16A-A56FD5468FB6}"/>
-              </a:ext>
-            </a:extLst>
-          </p:cNvPr>
+          <p:cNvPr id="5" name="Date Placeholder 4"/>
           <p:cNvSpPr>
             <a:spLocks noGrp="1"/>
           </p:cNvSpPr>
@@ -2405,7 +3478,7 @@
           <a:p>
             <a:fld id="{66F45FE7-2BFB-4BAE-990A-B1F0CDE6C741}" type="datetimeFigureOut">
               <a:rPr lang="en-US" smtClean="0"/>
-              <a:t>10/4/2017</a:t>
+              <a:t>10/5/2017</a:t>
             </a:fld>
             <a:endParaRPr lang="en-US"/>
           </a:p>
@@ -2413,13 +3486,7 @@
       </p:sp>
       <p:sp>
         <p:nvSpPr>
-          <p:cNvPr id="6" name="Footer Placeholder 5">
-            <a:extLst>
-              <a:ext uri="{FF2B5EF4-FFF2-40B4-BE49-F238E27FC236}">
-                <a16:creationId xmlns:a16="http://schemas.microsoft.com/office/drawing/2014/main" id="{92139772-8A7F-4DF6-9637-CC2A455A8F6D}"/>
-              </a:ext>
-            </a:extLst>
-          </p:cNvPr>
+          <p:cNvPr id="6" name="Footer Placeholder 5"/>
           <p:cNvSpPr>
             <a:spLocks noGrp="1"/>
           </p:cNvSpPr>
@@ -2438,13 +3505,7 @@
       </p:sp>
       <p:sp>
         <p:nvSpPr>
-          <p:cNvPr id="7" name="Slide Number Placeholder 6">
-            <a:extLst>
-              <a:ext uri="{FF2B5EF4-FFF2-40B4-BE49-F238E27FC236}">
-                <a16:creationId xmlns:a16="http://schemas.microsoft.com/office/drawing/2014/main" id="{5527543B-E309-45EC-B2A5-2EC231E8B3CE}"/>
-              </a:ext>
-            </a:extLst>
-          </p:cNvPr>
+          <p:cNvPr id="7" name="Slide Number Placeholder 6"/>
           <p:cNvSpPr>
             <a:spLocks noGrp="1"/>
           </p:cNvSpPr>
@@ -2468,7 +3529,7 @@
     </p:spTree>
     <p:extLst>
       <p:ext uri="{BB962C8B-B14F-4D97-AF65-F5344CB8AC3E}">
-        <p14:creationId xmlns:p14="http://schemas.microsoft.com/office/powerpoint/2010/main" val="59272008"/>
+        <p14:creationId xmlns:p14="http://schemas.microsoft.com/office/powerpoint/2010/main" val="811851641"/>
       </p:ext>
     </p:extLst>
   </p:cSld>
@@ -2497,69 +3558,61 @@
       </p:grpSpPr>
       <p:sp>
         <p:nvSpPr>
-          <p:cNvPr id="2" name="Title 1">
-            <a:extLst>
-              <a:ext uri="{FF2B5EF4-FFF2-40B4-BE49-F238E27FC236}">
-                <a16:creationId xmlns:a16="http://schemas.microsoft.com/office/drawing/2014/main" id="{7F4ABDAB-1CB2-4576-AFB1-F36ED6499CAA}"/>
-              </a:ext>
-            </a:extLst>
-          </p:cNvPr>
+          <p:cNvPr id="8" name="Title 7"/>
           <p:cNvSpPr>
             <a:spLocks noGrp="1"/>
           </p:cNvSpPr>
           <p:nvPr>
             <p:ph type="title"/>
+          </p:nvPr>
+        </p:nvSpPr>
+        <p:spPr/>
+        <p:txBody>
+          <a:bodyPr/>
+          <a:lstStyle/>
+          <a:p>
+            <a:r>
+              <a:rPr lang="en-US"/>
+              <a:t>Click to edit Master title style</a:t>
+            </a:r>
+            <a:endParaRPr lang="en-US" dirty="0"/>
+          </a:p>
+        </p:txBody>
+      </p:sp>
+      <p:sp>
+        <p:nvSpPr>
+          <p:cNvPr id="3" name="Picture Placeholder 2"/>
+          <p:cNvSpPr>
+            <a:spLocks noGrp="1" noChangeAspect="1"/>
+          </p:cNvSpPr>
+          <p:nvPr>
+            <p:ph type="pic" idx="1"/>
           </p:nvPr>
         </p:nvSpPr>
         <p:spPr>
           <a:xfrm>
-            <a:off x="839788" y="457200"/>
-            <a:ext cx="3932237" cy="1600200"/>
+            <a:off x="1280160" y="2211494"/>
+            <a:ext cx="6126480" cy="3931920"/>
           </a:xfrm>
+          <a:solidFill>
+            <a:schemeClr val="tx2">
+              <a:lumMod val="60000"/>
+              <a:lumOff val="40000"/>
+            </a:schemeClr>
+          </a:solidFill>
         </p:spPr>
         <p:txBody>
-          <a:bodyPr anchor="b"/>
+          <a:bodyPr tIns="365760" anchor="t"/>
           <a:lstStyle>
-            <a:lvl1pPr>
-              <a:defRPr sz="3200"/>
-            </a:lvl1pPr>
-          </a:lstStyle>
-          <a:p>
-            <a:r>
-              <a:rPr lang="en-US"/>
-              <a:t>Click to edit Master title style</a:t>
-            </a:r>
-          </a:p>
-        </p:txBody>
-      </p:sp>
-      <p:sp>
-        <p:nvSpPr>
-          <p:cNvPr id="3" name="Picture Placeholder 2">
-            <a:extLst>
-              <a:ext uri="{FF2B5EF4-FFF2-40B4-BE49-F238E27FC236}">
-                <a16:creationId xmlns:a16="http://schemas.microsoft.com/office/drawing/2014/main" id="{A84358EB-91BB-4230-AB4D-C2B159DBA22D}"/>
-              </a:ext>
-            </a:extLst>
-          </p:cNvPr>
-          <p:cNvSpPr>
-            <a:spLocks noGrp="1"/>
-          </p:cNvSpPr>
-          <p:nvPr>
-            <p:ph type="pic" idx="1"/>
-          </p:nvPr>
-        </p:nvSpPr>
-        <p:spPr>
-          <a:xfrm>
-            <a:off x="5183188" y="987425"/>
-            <a:ext cx="6172200" cy="4873625"/>
-          </a:xfrm>
-        </p:spPr>
-        <p:txBody>
-          <a:bodyPr/>
-          <a:lstStyle>
-            <a:lvl1pPr marL="0" indent="0">
-              <a:buNone/>
-              <a:defRPr sz="3200"/>
+            <a:lvl1pPr marL="0" indent="0" algn="ctr">
+              <a:buNone/>
+              <a:defRPr sz="3200">
+                <a:solidFill>
+                  <a:schemeClr val="tx1">
+                    <a:lumMod val="50000"/>
+                  </a:schemeClr>
+                </a:solidFill>
+              </a:defRPr>
             </a:lvl1pPr>
             <a:lvl2pPr marL="457200" indent="0">
               <a:buNone/>
@@ -2595,19 +3648,17 @@
             </a:lvl9pPr>
           </a:lstStyle>
           <a:p>
-            <a:endParaRPr lang="en-US"/>
-          </a:p>
-        </p:txBody>
-      </p:sp>
-      <p:sp>
-        <p:nvSpPr>
-          <p:cNvPr id="4" name="Text Placeholder 3">
-            <a:extLst>
-              <a:ext uri="{FF2B5EF4-FFF2-40B4-BE49-F238E27FC236}">
-                <a16:creationId xmlns:a16="http://schemas.microsoft.com/office/drawing/2014/main" id="{53ACBA24-8374-41BA-BDB8-085C8722A478}"/>
-              </a:ext>
-            </a:extLst>
-          </p:cNvPr>
+            <a:r>
+              <a:rPr lang="en-US"/>
+              <a:t>Click icon to add picture</a:t>
+            </a:r>
+            <a:endParaRPr lang="en-US" dirty="0"/>
+          </a:p>
+        </p:txBody>
+      </p:sp>
+      <p:sp>
+        <p:nvSpPr>
+          <p:cNvPr id="4" name="Text Placeholder 3"/>
           <p:cNvSpPr>
             <a:spLocks noGrp="1"/>
           </p:cNvSpPr>
@@ -2617,48 +3668,53 @@
         </p:nvSpPr>
         <p:spPr>
           <a:xfrm>
-            <a:off x="839788" y="2057400"/>
-            <a:ext cx="3932237" cy="3811588"/>
+            <a:off x="7790688" y="2150621"/>
+            <a:ext cx="3200400" cy="3429000"/>
           </a:xfrm>
         </p:spPr>
         <p:txBody>
-          <a:bodyPr/>
+          <a:bodyPr>
+            <a:normAutofit/>
+          </a:bodyPr>
           <a:lstStyle>
             <a:lvl1pPr marL="0" indent="0">
-              <a:buNone/>
-              <a:defRPr sz="1600"/>
+              <a:lnSpc>
+                <a:spcPct val="95000"/>
+              </a:lnSpc>
+              <a:buNone/>
+              <a:defRPr sz="1800"/>
             </a:lvl1pPr>
             <a:lvl2pPr marL="457200" indent="0">
               <a:buNone/>
-              <a:defRPr sz="1400"/>
+              <a:defRPr sz="1200"/>
             </a:lvl2pPr>
             <a:lvl3pPr marL="914400" indent="0">
               <a:buNone/>
-              <a:defRPr sz="1200"/>
+              <a:defRPr sz="1000"/>
             </a:lvl3pPr>
             <a:lvl4pPr marL="1371600" indent="0">
               <a:buNone/>
-              <a:defRPr sz="1000"/>
+              <a:defRPr sz="900"/>
             </a:lvl4pPr>
             <a:lvl5pPr marL="1828800" indent="0">
               <a:buNone/>
-              <a:defRPr sz="1000"/>
+              <a:defRPr sz="900"/>
             </a:lvl5pPr>
             <a:lvl6pPr marL="2286000" indent="0">
               <a:buNone/>
-              <a:defRPr sz="1000"/>
+              <a:defRPr sz="900"/>
             </a:lvl6pPr>
             <a:lvl7pPr marL="2743200" indent="0">
               <a:buNone/>
-              <a:defRPr sz="1000"/>
+              <a:defRPr sz="900"/>
             </a:lvl7pPr>
             <a:lvl8pPr marL="3200400" indent="0">
               <a:buNone/>
-              <a:defRPr sz="1000"/>
+              <a:defRPr sz="900"/>
             </a:lvl8pPr>
             <a:lvl9pPr marL="3657600" indent="0">
               <a:buNone/>
-              <a:defRPr sz="1000"/>
+              <a:defRPr sz="900"/>
             </a:lvl9pPr>
           </a:lstStyle>
           <a:p>
@@ -2672,13 +3728,7 @@
       </p:sp>
       <p:sp>
         <p:nvSpPr>
-          <p:cNvPr id="5" name="Date Placeholder 4">
-            <a:extLst>
-              <a:ext uri="{FF2B5EF4-FFF2-40B4-BE49-F238E27FC236}">
-                <a16:creationId xmlns:a16="http://schemas.microsoft.com/office/drawing/2014/main" id="{7D395726-0278-4FE4-986C-8AE874853B37}"/>
-              </a:ext>
-            </a:extLst>
-          </p:cNvPr>
+          <p:cNvPr id="5" name="Date Placeholder 4"/>
           <p:cNvSpPr>
             <a:spLocks noGrp="1"/>
           </p:cNvSpPr>
@@ -2693,7 +3743,7 @@
           <a:p>
             <a:fld id="{66F45FE7-2BFB-4BAE-990A-B1F0CDE6C741}" type="datetimeFigureOut">
               <a:rPr lang="en-US" smtClean="0"/>
-              <a:t>10/4/2017</a:t>
+              <a:t>10/5/2017</a:t>
             </a:fld>
             <a:endParaRPr lang="en-US"/>
           </a:p>
@@ -2701,13 +3751,7 @@
       </p:sp>
       <p:sp>
         <p:nvSpPr>
-          <p:cNvPr id="6" name="Footer Placeholder 5">
-            <a:extLst>
-              <a:ext uri="{FF2B5EF4-FFF2-40B4-BE49-F238E27FC236}">
-                <a16:creationId xmlns:a16="http://schemas.microsoft.com/office/drawing/2014/main" id="{67011B4E-0C7F-403C-B6D0-53F40B93649E}"/>
-              </a:ext>
-            </a:extLst>
-          </p:cNvPr>
+          <p:cNvPr id="6" name="Footer Placeholder 5"/>
           <p:cNvSpPr>
             <a:spLocks noGrp="1"/>
           </p:cNvSpPr>
@@ -2726,13 +3770,7 @@
       </p:sp>
       <p:sp>
         <p:nvSpPr>
-          <p:cNvPr id="7" name="Slide Number Placeholder 6">
-            <a:extLst>
-              <a:ext uri="{FF2B5EF4-FFF2-40B4-BE49-F238E27FC236}">
-                <a16:creationId xmlns:a16="http://schemas.microsoft.com/office/drawing/2014/main" id="{8F896868-C1BF-4483-BEC5-60569DA6B23A}"/>
-              </a:ext>
-            </a:extLst>
-          </p:cNvPr>
+          <p:cNvPr id="7" name="Slide Number Placeholder 6"/>
           <p:cNvSpPr>
             <a:spLocks noGrp="1"/>
           </p:cNvSpPr>
@@ -2756,7 +3794,7 @@
     </p:spTree>
     <p:extLst>
       <p:ext uri="{BB962C8B-B14F-4D97-AF65-F5344CB8AC3E}">
-        <p14:creationId xmlns:p14="http://schemas.microsoft.com/office/powerpoint/2010/main" val="3674074012"/>
+        <p14:creationId xmlns:p14="http://schemas.microsoft.com/office/powerpoint/2010/main" val="4014077788"/>
       </p:ext>
     </p:extLst>
   </p:cSld>
@@ -2771,7 +3809,7 @@
   <p:cSld>
     <p:bg>
       <p:bgRef idx="1001">
-        <a:schemeClr val="bg1"/>
+        <a:schemeClr val="bg2"/>
       </p:bgRef>
     </p:bg>
     <p:spTree>
@@ -2790,24 +3828,56 @@
       </p:grpSpPr>
       <p:sp>
         <p:nvSpPr>
-          <p:cNvPr id="2" name="Title Placeholder 1">
-            <a:extLst>
-              <a:ext uri="{FF2B5EF4-FFF2-40B4-BE49-F238E27FC236}">
-                <a16:creationId xmlns:a16="http://schemas.microsoft.com/office/drawing/2014/main" id="{75EFF69A-E93B-4E94-BDB2-C4DAD11E6D71}"/>
-              </a:ext>
-            </a:extLst>
-          </p:cNvPr>
-          <p:cNvSpPr>
-            <a:spLocks noGrp="1"/>
-          </p:cNvSpPr>
-          <p:nvPr>
-            <p:ph type="title"/>
-          </p:nvPr>
+          <p:cNvPr id="7" name="Rectangle 6"/>
+          <p:cNvSpPr/>
+          <p:nvPr/>
         </p:nvSpPr>
         <p:spPr>
           <a:xfrm>
-            <a:off x="838200" y="365125"/>
-            <a:ext cx="10515600" cy="1325563"/>
+            <a:off x="483" y="176109"/>
+            <a:ext cx="12188952" cy="1645919"/>
+          </a:xfrm>
+          <a:prstGeom prst="rect">
+            <a:avLst/>
+          </a:prstGeom>
+          <a:solidFill>
+            <a:schemeClr val="tx1"/>
+          </a:solidFill>
+          <a:ln>
+            <a:noFill/>
+          </a:ln>
+        </p:spPr>
+        <p:style>
+          <a:lnRef idx="2">
+            <a:schemeClr val="accent1">
+              <a:shade val="50000"/>
+            </a:schemeClr>
+          </a:lnRef>
+          <a:fillRef idx="1">
+            <a:schemeClr val="accent1"/>
+          </a:fillRef>
+          <a:effectRef idx="0">
+            <a:schemeClr val="accent1"/>
+          </a:effectRef>
+          <a:fontRef idx="minor">
+            <a:schemeClr val="lt1"/>
+          </a:fontRef>
+        </p:style>
+      </p:sp>
+      <p:sp>
+        <p:nvSpPr>
+          <p:cNvPr id="2" name="Title Placeholder 1"/>
+          <p:cNvSpPr>
+            <a:spLocks noGrp="1"/>
+          </p:cNvSpPr>
+          <p:nvPr>
+            <p:ph type="title"/>
+          </p:nvPr>
+        </p:nvSpPr>
+        <p:spPr>
+          <a:xfrm>
+            <a:off x="1202919" y="284176"/>
+            <a:ext cx="9784080" cy="1508760"/>
           </a:xfrm>
           <a:prstGeom prst="rect">
             <a:avLst/>
@@ -2823,18 +3893,13 @@
               <a:rPr lang="en-US"/>
               <a:t>Click to edit Master title style</a:t>
             </a:r>
-          </a:p>
-        </p:txBody>
-      </p:sp>
-      <p:sp>
-        <p:nvSpPr>
-          <p:cNvPr id="3" name="Text Placeholder 2">
-            <a:extLst>
-              <a:ext uri="{FF2B5EF4-FFF2-40B4-BE49-F238E27FC236}">
-                <a16:creationId xmlns:a16="http://schemas.microsoft.com/office/drawing/2014/main" id="{BAA90B7D-9B16-421E-9696-8DA8A1D719C5}"/>
-              </a:ext>
-            </a:extLst>
-          </p:cNvPr>
+            <a:endParaRPr lang="en-US" dirty="0"/>
+          </a:p>
+        </p:txBody>
+      </p:sp>
+      <p:sp>
+        <p:nvSpPr>
+          <p:cNvPr id="3" name="Text Placeholder 2"/>
           <p:cNvSpPr>
             <a:spLocks noGrp="1"/>
           </p:cNvSpPr>
@@ -2844,8 +3909,8 @@
         </p:nvSpPr>
         <p:spPr>
           <a:xfrm>
-            <a:off x="838200" y="1825625"/>
-            <a:ext cx="10515600" cy="4351338"/>
+            <a:off x="1202919" y="2011680"/>
+            <a:ext cx="9784080" cy="4206240"/>
           </a:xfrm>
           <a:prstGeom prst="rect">
             <a:avLst/>
@@ -2890,18 +3955,13 @@
               <a:rPr lang="en-US"/>
               <a:t>Fifth level</a:t>
             </a:r>
-          </a:p>
-        </p:txBody>
-      </p:sp>
-      <p:sp>
-        <p:nvSpPr>
-          <p:cNvPr id="4" name="Date Placeholder 3">
-            <a:extLst>
-              <a:ext uri="{FF2B5EF4-FFF2-40B4-BE49-F238E27FC236}">
-                <a16:creationId xmlns:a16="http://schemas.microsoft.com/office/drawing/2014/main" id="{3EFDD94D-74BC-4CAC-A786-CC712AAC8510}"/>
-              </a:ext>
-            </a:extLst>
-          </p:cNvPr>
+            <a:endParaRPr lang="en-US" dirty="0"/>
+          </a:p>
+        </p:txBody>
+      </p:sp>
+      <p:sp>
+        <p:nvSpPr>
+          <p:cNvPr id="4" name="Date Placeholder 3"/>
           <p:cNvSpPr>
             <a:spLocks noGrp="1"/>
           </p:cNvSpPr>
@@ -2911,22 +3971,20 @@
         </p:nvSpPr>
         <p:spPr>
           <a:xfrm>
-            <a:off x="838200" y="6356350"/>
-            <a:ext cx="2743200" cy="365125"/>
+            <a:off x="1202266" y="6422854"/>
+            <a:ext cx="3000894" cy="365125"/>
           </a:xfrm>
           <a:prstGeom prst="rect">
             <a:avLst/>
           </a:prstGeom>
         </p:spPr>
         <p:txBody>
-          <a:bodyPr vert="horz" lIns="91440" tIns="45720" rIns="91440" bIns="45720" rtlCol="0" anchor="ctr"/>
+          <a:bodyPr vert="horz" lIns="91440" tIns="45720" rIns="45720" bIns="45720" rtlCol="0" anchor="ctr"/>
           <a:lstStyle>
             <a:lvl1pPr algn="l">
-              <a:defRPr sz="1200">
+              <a:defRPr sz="1050">
                 <a:solidFill>
-                  <a:schemeClr val="tx1">
-                    <a:tint val="75000"/>
-                  </a:schemeClr>
+                  <a:schemeClr val="tx1"/>
                 </a:solidFill>
               </a:defRPr>
             </a:lvl1pPr>
@@ -2934,7 +3992,7 @@
           <a:p>
             <a:fld id="{66F45FE7-2BFB-4BAE-990A-B1F0CDE6C741}" type="datetimeFigureOut">
               <a:rPr lang="en-US" smtClean="0"/>
-              <a:t>10/4/2017</a:t>
+              <a:t>10/5/2017</a:t>
             </a:fld>
             <a:endParaRPr lang="en-US"/>
           </a:p>
@@ -2942,13 +4000,7 @@
       </p:sp>
       <p:sp>
         <p:nvSpPr>
-          <p:cNvPr id="5" name="Footer Placeholder 4">
-            <a:extLst>
-              <a:ext uri="{FF2B5EF4-FFF2-40B4-BE49-F238E27FC236}">
-                <a16:creationId xmlns:a16="http://schemas.microsoft.com/office/drawing/2014/main" id="{D279AB1F-435D-4EED-B87C-ACC48DF0205F}"/>
-              </a:ext>
-            </a:extLst>
-          </p:cNvPr>
+          <p:cNvPr id="5" name="Footer Placeholder 4"/>
           <p:cNvSpPr>
             <a:spLocks noGrp="1"/>
           </p:cNvSpPr>
@@ -2958,8 +4010,8 @@
         </p:nvSpPr>
         <p:spPr>
           <a:xfrm>
-            <a:off x="4038600" y="6356350"/>
-            <a:ext cx="4114800" cy="365125"/>
+            <a:off x="5596471" y="6422854"/>
+            <a:ext cx="5044440" cy="365125"/>
           </a:xfrm>
           <a:prstGeom prst="rect">
             <a:avLst/>
@@ -2968,12 +4020,10 @@
         <p:txBody>
           <a:bodyPr vert="horz" lIns="91440" tIns="45720" rIns="91440" bIns="45720" rtlCol="0" anchor="ctr"/>
           <a:lstStyle>
-            <a:lvl1pPr algn="ctr">
-              <a:defRPr sz="1200">
+            <a:lvl1pPr algn="r">
+              <a:defRPr sz="1050">
                 <a:solidFill>
-                  <a:schemeClr val="tx1">
-                    <a:tint val="75000"/>
-                  </a:schemeClr>
+                  <a:schemeClr val="tx1"/>
                 </a:solidFill>
               </a:defRPr>
             </a:lvl1pPr>
@@ -2985,13 +4035,7 @@
       </p:sp>
       <p:sp>
         <p:nvSpPr>
-          <p:cNvPr id="6" name="Slide Number Placeholder 5">
-            <a:extLst>
-              <a:ext uri="{FF2B5EF4-FFF2-40B4-BE49-F238E27FC236}">
-                <a16:creationId xmlns:a16="http://schemas.microsoft.com/office/drawing/2014/main" id="{C60C5A3E-18F2-49DD-86CE-7684349E2AB7}"/>
-              </a:ext>
-            </a:extLst>
-          </p:cNvPr>
+          <p:cNvPr id="6" name="Slide Number Placeholder 5"/>
           <p:cNvSpPr>
             <a:spLocks noGrp="1"/>
           </p:cNvSpPr>
@@ -3001,22 +4045,20 @@
         </p:nvSpPr>
         <p:spPr>
           <a:xfrm>
-            <a:off x="8610600" y="6356350"/>
-            <a:ext cx="2743200" cy="365125"/>
+            <a:off x="10658927" y="6422854"/>
+            <a:ext cx="946264" cy="365125"/>
           </a:xfrm>
           <a:prstGeom prst="rect">
             <a:avLst/>
           </a:prstGeom>
         </p:spPr>
         <p:txBody>
-          <a:bodyPr vert="horz" lIns="91440" tIns="45720" rIns="91440" bIns="45720" rtlCol="0" anchor="ctr"/>
+          <a:bodyPr vert="horz" lIns="45720" tIns="45720" rIns="91440" bIns="45720" rtlCol="0" anchor="ctr"/>
           <a:lstStyle>
-            <a:lvl1pPr algn="r">
-              <a:defRPr sz="1200">
+            <a:lvl1pPr algn="l">
+              <a:defRPr sz="1200" b="0">
                 <a:solidFill>
-                  <a:schemeClr val="tx1">
-                    <a:tint val="75000"/>
-                  </a:schemeClr>
+                  <a:schemeClr val="tx1"/>
                 </a:solidFill>
               </a:defRPr>
             </a:lvl1pPr>
@@ -3033,37 +4075,37 @@
     </p:spTree>
     <p:extLst>
       <p:ext uri="{BB962C8B-B14F-4D97-AF65-F5344CB8AC3E}">
-        <p14:creationId xmlns:p14="http://schemas.microsoft.com/office/powerpoint/2010/main" val="2114943764"/>
+        <p14:creationId xmlns:p14="http://schemas.microsoft.com/office/powerpoint/2010/main" val="3149671008"/>
       </p:ext>
     </p:extLst>
   </p:cSld>
-  <p:clrMap bg1="lt1" tx1="dk1" bg2="lt2" tx2="dk2" accent1="accent1" accent2="accent2" accent3="accent3" accent4="accent4" accent5="accent5" accent6="accent6" hlink="hlink" folHlink="folHlink"/>
+  <p:clrMap bg1="dk1" tx1="lt1" bg2="dk2" tx2="lt2" accent1="accent1" accent2="accent2" accent3="accent3" accent4="accent4" accent5="accent5" accent6="accent6" hlink="hlink" folHlink="folHlink"/>
   <p:sldLayoutIdLst>
-    <p:sldLayoutId id="2147483649" r:id="rId1"/>
-    <p:sldLayoutId id="2147483650" r:id="rId2"/>
-    <p:sldLayoutId id="2147483651" r:id="rId3"/>
-    <p:sldLayoutId id="2147483652" r:id="rId4"/>
-    <p:sldLayoutId id="2147483653" r:id="rId5"/>
-    <p:sldLayoutId id="2147483654" r:id="rId6"/>
-    <p:sldLayoutId id="2147483655" r:id="rId7"/>
-    <p:sldLayoutId id="2147483656" r:id="rId8"/>
-    <p:sldLayoutId id="2147483657" r:id="rId9"/>
-    <p:sldLayoutId id="2147483658" r:id="rId10"/>
-    <p:sldLayoutId id="2147483659" r:id="rId11"/>
+    <p:sldLayoutId id="2147483678" r:id="rId1"/>
+    <p:sldLayoutId id="2147483679" r:id="rId2"/>
+    <p:sldLayoutId id="2147483680" r:id="rId3"/>
+    <p:sldLayoutId id="2147483681" r:id="rId4"/>
+    <p:sldLayoutId id="2147483682" r:id="rId5"/>
+    <p:sldLayoutId id="2147483683" r:id="rId6"/>
+    <p:sldLayoutId id="2147483684" r:id="rId7"/>
+    <p:sldLayoutId id="2147483685" r:id="rId8"/>
+    <p:sldLayoutId id="2147483686" r:id="rId9"/>
+    <p:sldLayoutId id="2147483687" r:id="rId10"/>
+    <p:sldLayoutId id="2147483688" r:id="rId11"/>
   </p:sldLayoutIdLst>
   <p:txStyles>
     <p:titleStyle>
       <a:lvl1pPr algn="l" defTabSz="914400" rtl="0" eaLnBrk="1" latinLnBrk="0" hangingPunct="1">
         <a:lnSpc>
-          <a:spcPct val="90000"/>
+          <a:spcPct val="85000"/>
         </a:lnSpc>
         <a:spcBef>
           <a:spcPct val="0"/>
         </a:spcBef>
         <a:buNone/>
-        <a:defRPr sz="4400" kern="1200">
+        <a:defRPr sz="4000" kern="1200" cap="all" baseline="0">
           <a:solidFill>
-            <a:schemeClr val="tx1"/>
+            <a:schemeClr val="bg2"/>
           </a:solidFill>
           <a:latin typeface="+mj-lt"/>
           <a:ea typeface="+mj-ea"/>
@@ -3072,16 +4114,22 @@
       </a:lvl1pPr>
     </p:titleStyle>
     <p:bodyStyle>
-      <a:lvl1pPr marL="228600" indent="-228600" algn="l" defTabSz="914400" rtl="0" eaLnBrk="1" latinLnBrk="0" hangingPunct="1">
+      <a:lvl1pPr marL="182880" indent="-182880" algn="l" defTabSz="914400" rtl="0" eaLnBrk="1" latinLnBrk="0" hangingPunct="1">
         <a:lnSpc>
           <a:spcPct val="90000"/>
         </a:lnSpc>
         <a:spcBef>
-          <a:spcPts val="1000"/>
+          <a:spcPts val="1200"/>
         </a:spcBef>
-        <a:buFont typeface="Arial" panose="020B0604020202020204" pitchFamily="34" charset="0"/>
-        <a:buChar char="•"/>
-        <a:defRPr sz="2800" kern="1200">
+        <a:spcAft>
+          <a:spcPts val="200"/>
+        </a:spcAft>
+        <a:buClr>
+          <a:schemeClr val="tx1"/>
+        </a:buClr>
+        <a:buFont typeface="Wingdings" pitchFamily="2" charset="2"/>
+        <a:buChar char=""/>
+        <a:defRPr sz="2200" kern="1200">
           <a:solidFill>
             <a:schemeClr val="tx1"/>
           </a:solidFill>
@@ -3090,16 +4138,22 @@
           <a:cs typeface="+mn-cs"/>
         </a:defRPr>
       </a:lvl1pPr>
-      <a:lvl2pPr marL="685800" indent="-228600" algn="l" defTabSz="914400" rtl="0" eaLnBrk="1" latinLnBrk="0" hangingPunct="1">
+      <a:lvl2pPr marL="411480" indent="-182880" algn="l" defTabSz="914400" rtl="0" eaLnBrk="1" latinLnBrk="0" hangingPunct="1">
         <a:lnSpc>
           <a:spcPct val="90000"/>
         </a:lnSpc>
         <a:spcBef>
-          <a:spcPts val="500"/>
+          <a:spcPts val="200"/>
         </a:spcBef>
-        <a:buFont typeface="Arial" panose="020B0604020202020204" pitchFamily="34" charset="0"/>
-        <a:buChar char="•"/>
-        <a:defRPr sz="2400" kern="1200">
+        <a:spcAft>
+          <a:spcPts val="400"/>
+        </a:spcAft>
+        <a:buClr>
+          <a:schemeClr val="tx1"/>
+        </a:buClr>
+        <a:buFont typeface="Wingdings" pitchFamily="2" charset="2"/>
+        <a:buChar char=""/>
+        <a:defRPr sz="2000" kern="1200">
           <a:solidFill>
             <a:schemeClr val="tx1"/>
           </a:solidFill>
@@ -3108,16 +4162,22 @@
           <a:cs typeface="+mn-cs"/>
         </a:defRPr>
       </a:lvl2pPr>
-      <a:lvl3pPr marL="1143000" indent="-228600" algn="l" defTabSz="914400" rtl="0" eaLnBrk="1" latinLnBrk="0" hangingPunct="1">
+      <a:lvl3pPr marL="640080" indent="-182880" algn="l" defTabSz="914400" rtl="0" eaLnBrk="1" latinLnBrk="0" hangingPunct="1">
         <a:lnSpc>
           <a:spcPct val="90000"/>
         </a:lnSpc>
         <a:spcBef>
-          <a:spcPts val="500"/>
+          <a:spcPts val="200"/>
         </a:spcBef>
-        <a:buFont typeface="Arial" panose="020B0604020202020204" pitchFamily="34" charset="0"/>
-        <a:buChar char="•"/>
-        <a:defRPr sz="2000" kern="1200">
+        <a:spcAft>
+          <a:spcPts val="400"/>
+        </a:spcAft>
+        <a:buClr>
+          <a:schemeClr val="tx1"/>
+        </a:buClr>
+        <a:buFont typeface="Wingdings" pitchFamily="2" charset="2"/>
+        <a:buChar char=""/>
+        <a:defRPr sz="1800" kern="1200">
           <a:solidFill>
             <a:schemeClr val="tx1"/>
           </a:solidFill>
@@ -3126,16 +4186,22 @@
           <a:cs typeface="+mn-cs"/>
         </a:defRPr>
       </a:lvl3pPr>
-      <a:lvl4pPr marL="1600200" indent="-228600" algn="l" defTabSz="914400" rtl="0" eaLnBrk="1" latinLnBrk="0" hangingPunct="1">
+      <a:lvl4pPr marL="868680" indent="-182880" algn="l" defTabSz="914400" rtl="0" eaLnBrk="1" latinLnBrk="0" hangingPunct="1">
         <a:lnSpc>
           <a:spcPct val="90000"/>
         </a:lnSpc>
         <a:spcBef>
-          <a:spcPts val="500"/>
+          <a:spcPts val="200"/>
         </a:spcBef>
-        <a:buFont typeface="Arial" panose="020B0604020202020204" pitchFamily="34" charset="0"/>
-        <a:buChar char="•"/>
-        <a:defRPr sz="1800" kern="1200">
+        <a:spcAft>
+          <a:spcPts val="400"/>
+        </a:spcAft>
+        <a:buClr>
+          <a:schemeClr val="tx1"/>
+        </a:buClr>
+        <a:buFont typeface="Wingdings" pitchFamily="2" charset="2"/>
+        <a:buChar char=""/>
+        <a:defRPr sz="1600" kern="1200">
           <a:solidFill>
             <a:schemeClr val="tx1"/>
           </a:solidFill>
@@ -3144,16 +4210,22 @@
           <a:cs typeface="+mn-cs"/>
         </a:defRPr>
       </a:lvl4pPr>
-      <a:lvl5pPr marL="2057400" indent="-228600" algn="l" defTabSz="914400" rtl="0" eaLnBrk="1" latinLnBrk="0" hangingPunct="1">
+      <a:lvl5pPr marL="1097280" indent="-182880" algn="l" defTabSz="914400" rtl="0" eaLnBrk="1" latinLnBrk="0" hangingPunct="1">
         <a:lnSpc>
           <a:spcPct val="90000"/>
         </a:lnSpc>
         <a:spcBef>
-          <a:spcPts val="500"/>
+          <a:spcPts val="200"/>
         </a:spcBef>
-        <a:buFont typeface="Arial" panose="020B0604020202020204" pitchFamily="34" charset="0"/>
-        <a:buChar char="•"/>
-        <a:defRPr sz="1800" kern="1200">
+        <a:spcAft>
+          <a:spcPts val="400"/>
+        </a:spcAft>
+        <a:buClr>
+          <a:schemeClr val="tx1"/>
+        </a:buClr>
+        <a:buFont typeface="Wingdings" pitchFamily="2" charset="2"/>
+        <a:buChar char=""/>
+        <a:defRPr sz="1600" kern="1200">
           <a:solidFill>
             <a:schemeClr val="tx1"/>
           </a:solidFill>
@@ -3162,16 +4234,22 @@
           <a:cs typeface="+mn-cs"/>
         </a:defRPr>
       </a:lvl5pPr>
-      <a:lvl6pPr marL="2514600" indent="-228600" algn="l" defTabSz="914400" rtl="0" eaLnBrk="1" latinLnBrk="0" hangingPunct="1">
+      <a:lvl6pPr marL="1284600" indent="-228600" algn="l" defTabSz="914400" rtl="0" eaLnBrk="1" latinLnBrk="0" hangingPunct="1">
         <a:lnSpc>
           <a:spcPct val="90000"/>
         </a:lnSpc>
         <a:spcBef>
-          <a:spcPts val="500"/>
+          <a:spcPts val="200"/>
         </a:spcBef>
-        <a:buFont typeface="Arial" panose="020B0604020202020204" pitchFamily="34" charset="0"/>
-        <a:buChar char="•"/>
-        <a:defRPr sz="1800" kern="1200">
+        <a:spcAft>
+          <a:spcPts val="400"/>
+        </a:spcAft>
+        <a:buClr>
+          <a:schemeClr val="tx1"/>
+        </a:buClr>
+        <a:buFont typeface="Wingdings" pitchFamily="2" charset="2"/>
+        <a:buChar char=""/>
+        <a:defRPr sz="1600" kern="1200">
           <a:solidFill>
             <a:schemeClr val="tx1"/>
           </a:solidFill>
@@ -3180,16 +4258,22 @@
           <a:cs typeface="+mn-cs"/>
         </a:defRPr>
       </a:lvl6pPr>
-      <a:lvl7pPr marL="2971800" indent="-228600" algn="l" defTabSz="914400" rtl="0" eaLnBrk="1" latinLnBrk="0" hangingPunct="1">
+      <a:lvl7pPr marL="1471800" indent="-228600" algn="l" defTabSz="914400" rtl="0" eaLnBrk="1" latinLnBrk="0" hangingPunct="1">
         <a:lnSpc>
           <a:spcPct val="90000"/>
         </a:lnSpc>
         <a:spcBef>
-          <a:spcPts val="500"/>
+          <a:spcPts val="200"/>
         </a:spcBef>
-        <a:buFont typeface="Arial" panose="020B0604020202020204" pitchFamily="34" charset="0"/>
-        <a:buChar char="•"/>
-        <a:defRPr sz="1800" kern="1200">
+        <a:spcAft>
+          <a:spcPts val="400"/>
+        </a:spcAft>
+        <a:buClr>
+          <a:schemeClr val="tx1"/>
+        </a:buClr>
+        <a:buFont typeface="Wingdings" pitchFamily="2" charset="2"/>
+        <a:buChar char=""/>
+        <a:defRPr sz="1600" kern="1200">
           <a:solidFill>
             <a:schemeClr val="tx1"/>
           </a:solidFill>
@@ -3198,16 +4282,22 @@
           <a:cs typeface="+mn-cs"/>
         </a:defRPr>
       </a:lvl7pPr>
-      <a:lvl8pPr marL="3429000" indent="-228600" algn="l" defTabSz="914400" rtl="0" eaLnBrk="1" latinLnBrk="0" hangingPunct="1">
+      <a:lvl8pPr marL="1629000" indent="-228600" algn="l" defTabSz="914400" rtl="0" eaLnBrk="1" latinLnBrk="0" hangingPunct="1">
         <a:lnSpc>
           <a:spcPct val="90000"/>
         </a:lnSpc>
         <a:spcBef>
-          <a:spcPts val="500"/>
+          <a:spcPts val="200"/>
         </a:spcBef>
-        <a:buFont typeface="Arial" panose="020B0604020202020204" pitchFamily="34" charset="0"/>
-        <a:buChar char="•"/>
-        <a:defRPr sz="1800" kern="1200">
+        <a:spcAft>
+          <a:spcPts val="400"/>
+        </a:spcAft>
+        <a:buClr>
+          <a:schemeClr val="tx1"/>
+        </a:buClr>
+        <a:buFont typeface="Wingdings" pitchFamily="2" charset="2"/>
+        <a:buChar char=""/>
+        <a:defRPr sz="1600" kern="1200">
           <a:solidFill>
             <a:schemeClr val="tx1"/>
           </a:solidFill>
@@ -3216,16 +4306,22 @@
           <a:cs typeface="+mn-cs"/>
         </a:defRPr>
       </a:lvl8pPr>
-      <a:lvl9pPr marL="3886200" indent="-228600" algn="l" defTabSz="914400" rtl="0" eaLnBrk="1" latinLnBrk="0" hangingPunct="1">
+      <a:lvl9pPr marL="1806200" indent="-228600" algn="l" defTabSz="914400" rtl="0" eaLnBrk="1" latinLnBrk="0" hangingPunct="1">
         <a:lnSpc>
           <a:spcPct val="90000"/>
         </a:lnSpc>
         <a:spcBef>
-          <a:spcPts val="500"/>
+          <a:spcPts val="200"/>
         </a:spcBef>
-        <a:buFont typeface="Arial" panose="020B0604020202020204" pitchFamily="34" charset="0"/>
-        <a:buChar char="•"/>
-        <a:defRPr sz="1800" kern="1200">
+        <a:spcAft>
+          <a:spcPts val="400"/>
+        </a:spcAft>
+        <a:buClr>
+          <a:schemeClr val="tx1"/>
+        </a:buClr>
+        <a:buFont typeface="Wingdings" pitchFamily="2" charset="2"/>
+        <a:buChar char=""/>
+        <a:defRPr sz="1600" kern="1200">
           <a:solidFill>
             <a:schemeClr val="tx1"/>
           </a:solidFill>
@@ -3396,13 +4492,13 @@
           <p:nvPr/>
         </p:nvPicPr>
         <p:blipFill>
-          <a:blip r:embed="rId2">
+          <a:blip r:embed="rId3">
             <a:extLst>
               <a:ext uri="{28A0092B-C50C-407E-A947-70E740481C1C}">
                 <a14:useLocalDpi xmlns:a14="http://schemas.microsoft.com/office/drawing/2010/main" val="0"/>
               </a:ext>
               <a:ext uri="{837473B0-CC2E-450A-ABE3-18F120FF3D39}">
-                <a1611:picAttrSrcUrl xmlns:a1611="http://schemas.microsoft.com/office/drawing/2016/11/main" r:id="rId3"/>
+                <a1611:picAttrSrcUrl xmlns:a1611="http://schemas.microsoft.com/office/drawing/2016/11/main" r:id="rId4"/>
               </a:ext>
             </a:extLst>
           </a:blip>
@@ -3412,7 +4508,7 @@
         </p:blipFill>
         <p:spPr>
           <a:xfrm>
-            <a:off x="4705864" y="3602038"/>
+            <a:off x="7671832" y="4179367"/>
             <a:ext cx="3364127" cy="2242751"/>
           </a:xfrm>
           <a:prstGeom prst="rect">
@@ -3420,6 +4516,260 @@
           </a:prstGeom>
         </p:spPr>
       </p:pic>
+      <p:sp>
+        <p:nvSpPr>
+          <p:cNvPr id="4" name="Content Placeholder 2">
+            <a:extLst>
+              <a:ext uri="{FF2B5EF4-FFF2-40B4-BE49-F238E27FC236}">
+                <a16:creationId xmlns:a16="http://schemas.microsoft.com/office/drawing/2014/main" id="{C2C78944-C636-4F24-B10A-D3054F0BD8EF}"/>
+              </a:ext>
+            </a:extLst>
+          </p:cNvPr>
+          <p:cNvSpPr txBox="1">
+            <a:spLocks/>
+          </p:cNvSpPr>
+          <p:nvPr/>
+        </p:nvSpPr>
+        <p:spPr>
+          <a:xfrm>
+            <a:off x="365759" y="4179366"/>
+            <a:ext cx="10670200" cy="2242752"/>
+          </a:xfrm>
+          <a:prstGeom prst="rect">
+            <a:avLst/>
+          </a:prstGeom>
+        </p:spPr>
+        <p:txBody>
+          <a:bodyPr vert="horz" lIns="91440" tIns="45720" rIns="91440" bIns="45720" rtlCol="0">
+            <a:normAutofit/>
+          </a:bodyPr>
+          <a:lstStyle>
+            <a:lvl1pPr marL="0" indent="0" algn="ctr" defTabSz="914400" rtl="0" eaLnBrk="1" latinLnBrk="0" hangingPunct="1">
+              <a:lnSpc>
+                <a:spcPct val="90000"/>
+              </a:lnSpc>
+              <a:spcBef>
+                <a:spcPts val="1200"/>
+              </a:spcBef>
+              <a:spcAft>
+                <a:spcPts val="200"/>
+              </a:spcAft>
+              <a:buClr>
+                <a:schemeClr val="tx1"/>
+              </a:buClr>
+              <a:buFont typeface="Wingdings" pitchFamily="2" charset="2"/>
+              <a:buNone/>
+              <a:defRPr sz="2000" kern="1200">
+                <a:solidFill>
+                  <a:schemeClr val="tx1"/>
+                </a:solidFill>
+                <a:latin typeface="+mn-lt"/>
+                <a:ea typeface="+mn-ea"/>
+                <a:cs typeface="+mn-cs"/>
+              </a:defRPr>
+            </a:lvl1pPr>
+            <a:lvl2pPr marL="457200" indent="0" algn="ctr" defTabSz="914400" rtl="0" eaLnBrk="1" latinLnBrk="0" hangingPunct="1">
+              <a:lnSpc>
+                <a:spcPct val="90000"/>
+              </a:lnSpc>
+              <a:spcBef>
+                <a:spcPts val="200"/>
+              </a:spcBef>
+              <a:spcAft>
+                <a:spcPts val="400"/>
+              </a:spcAft>
+              <a:buClr>
+                <a:schemeClr val="tx1"/>
+              </a:buClr>
+              <a:buFont typeface="Wingdings" pitchFamily="2" charset="2"/>
+              <a:buNone/>
+              <a:defRPr sz="2000" kern="1200">
+                <a:solidFill>
+                  <a:schemeClr val="tx1"/>
+                </a:solidFill>
+                <a:latin typeface="+mn-lt"/>
+                <a:ea typeface="+mn-ea"/>
+                <a:cs typeface="+mn-cs"/>
+              </a:defRPr>
+            </a:lvl2pPr>
+            <a:lvl3pPr marL="914400" indent="0" algn="ctr" defTabSz="914400" rtl="0" eaLnBrk="1" latinLnBrk="0" hangingPunct="1">
+              <a:lnSpc>
+                <a:spcPct val="90000"/>
+              </a:lnSpc>
+              <a:spcBef>
+                <a:spcPts val="200"/>
+              </a:spcBef>
+              <a:spcAft>
+                <a:spcPts val="400"/>
+              </a:spcAft>
+              <a:buClr>
+                <a:schemeClr val="tx1"/>
+              </a:buClr>
+              <a:buFont typeface="Wingdings" pitchFamily="2" charset="2"/>
+              <a:buNone/>
+              <a:defRPr sz="2000" kern="1200">
+                <a:solidFill>
+                  <a:schemeClr val="tx1"/>
+                </a:solidFill>
+                <a:latin typeface="+mn-lt"/>
+                <a:ea typeface="+mn-ea"/>
+                <a:cs typeface="+mn-cs"/>
+              </a:defRPr>
+            </a:lvl3pPr>
+            <a:lvl4pPr marL="1371600" indent="0" algn="ctr" defTabSz="914400" rtl="0" eaLnBrk="1" latinLnBrk="0" hangingPunct="1">
+              <a:lnSpc>
+                <a:spcPct val="90000"/>
+              </a:lnSpc>
+              <a:spcBef>
+                <a:spcPts val="200"/>
+              </a:spcBef>
+              <a:spcAft>
+                <a:spcPts val="400"/>
+              </a:spcAft>
+              <a:buClr>
+                <a:schemeClr val="tx1"/>
+              </a:buClr>
+              <a:buFont typeface="Wingdings" pitchFamily="2" charset="2"/>
+              <a:buNone/>
+              <a:defRPr sz="2000" kern="1200">
+                <a:solidFill>
+                  <a:schemeClr val="tx1"/>
+                </a:solidFill>
+                <a:latin typeface="+mn-lt"/>
+                <a:ea typeface="+mn-ea"/>
+                <a:cs typeface="+mn-cs"/>
+              </a:defRPr>
+            </a:lvl4pPr>
+            <a:lvl5pPr marL="1828800" indent="0" algn="ctr" defTabSz="914400" rtl="0" eaLnBrk="1" latinLnBrk="0" hangingPunct="1">
+              <a:lnSpc>
+                <a:spcPct val="90000"/>
+              </a:lnSpc>
+              <a:spcBef>
+                <a:spcPts val="200"/>
+              </a:spcBef>
+              <a:spcAft>
+                <a:spcPts val="400"/>
+              </a:spcAft>
+              <a:buClr>
+                <a:schemeClr val="tx1"/>
+              </a:buClr>
+              <a:buFont typeface="Wingdings" pitchFamily="2" charset="2"/>
+              <a:buNone/>
+              <a:defRPr sz="2000" kern="1200">
+                <a:solidFill>
+                  <a:schemeClr val="tx1"/>
+                </a:solidFill>
+                <a:latin typeface="+mn-lt"/>
+                <a:ea typeface="+mn-ea"/>
+                <a:cs typeface="+mn-cs"/>
+              </a:defRPr>
+            </a:lvl5pPr>
+            <a:lvl6pPr marL="2286000" indent="0" algn="ctr" defTabSz="914400" rtl="0" eaLnBrk="1" latinLnBrk="0" hangingPunct="1">
+              <a:lnSpc>
+                <a:spcPct val="90000"/>
+              </a:lnSpc>
+              <a:spcBef>
+                <a:spcPts val="200"/>
+              </a:spcBef>
+              <a:spcAft>
+                <a:spcPts val="400"/>
+              </a:spcAft>
+              <a:buClr>
+                <a:schemeClr val="tx1"/>
+              </a:buClr>
+              <a:buFont typeface="Wingdings" pitchFamily="2" charset="2"/>
+              <a:buNone/>
+              <a:defRPr sz="2000" kern="1200">
+                <a:solidFill>
+                  <a:schemeClr val="tx1"/>
+                </a:solidFill>
+                <a:latin typeface="+mn-lt"/>
+                <a:ea typeface="+mn-ea"/>
+                <a:cs typeface="+mn-cs"/>
+              </a:defRPr>
+            </a:lvl6pPr>
+            <a:lvl7pPr marL="2743200" indent="0" algn="ctr" defTabSz="914400" rtl="0" eaLnBrk="1" latinLnBrk="0" hangingPunct="1">
+              <a:lnSpc>
+                <a:spcPct val="90000"/>
+              </a:lnSpc>
+              <a:spcBef>
+                <a:spcPts val="200"/>
+              </a:spcBef>
+              <a:spcAft>
+                <a:spcPts val="400"/>
+              </a:spcAft>
+              <a:buClr>
+                <a:schemeClr val="tx1"/>
+              </a:buClr>
+              <a:buFont typeface="Wingdings" pitchFamily="2" charset="2"/>
+              <a:buNone/>
+              <a:defRPr sz="2000" kern="1200">
+                <a:solidFill>
+                  <a:schemeClr val="tx1"/>
+                </a:solidFill>
+                <a:latin typeface="+mn-lt"/>
+                <a:ea typeface="+mn-ea"/>
+                <a:cs typeface="+mn-cs"/>
+              </a:defRPr>
+            </a:lvl7pPr>
+            <a:lvl8pPr marL="3200400" indent="0" algn="ctr" defTabSz="914400" rtl="0" eaLnBrk="1" latinLnBrk="0" hangingPunct="1">
+              <a:lnSpc>
+                <a:spcPct val="90000"/>
+              </a:lnSpc>
+              <a:spcBef>
+                <a:spcPts val="200"/>
+              </a:spcBef>
+              <a:spcAft>
+                <a:spcPts val="400"/>
+              </a:spcAft>
+              <a:buClr>
+                <a:schemeClr val="tx1"/>
+              </a:buClr>
+              <a:buFont typeface="Wingdings" pitchFamily="2" charset="2"/>
+              <a:buNone/>
+              <a:defRPr sz="2000" kern="1200">
+                <a:solidFill>
+                  <a:schemeClr val="tx1"/>
+                </a:solidFill>
+                <a:latin typeface="+mn-lt"/>
+                <a:ea typeface="+mn-ea"/>
+                <a:cs typeface="+mn-cs"/>
+              </a:defRPr>
+            </a:lvl8pPr>
+            <a:lvl9pPr marL="3657600" indent="0" algn="ctr" defTabSz="914400" rtl="0" eaLnBrk="1" latinLnBrk="0" hangingPunct="1">
+              <a:lnSpc>
+                <a:spcPct val="90000"/>
+              </a:lnSpc>
+              <a:spcBef>
+                <a:spcPts val="200"/>
+              </a:spcBef>
+              <a:spcAft>
+                <a:spcPts val="400"/>
+              </a:spcAft>
+              <a:buClr>
+                <a:schemeClr val="tx1"/>
+              </a:buClr>
+              <a:buFont typeface="Wingdings" pitchFamily="2" charset="2"/>
+              <a:buNone/>
+              <a:defRPr sz="2000" kern="1200">
+                <a:solidFill>
+                  <a:schemeClr val="tx1"/>
+                </a:solidFill>
+                <a:latin typeface="+mn-lt"/>
+                <a:ea typeface="+mn-ea"/>
+                <a:cs typeface="+mn-cs"/>
+              </a:defRPr>
+            </a:lvl9pPr>
+          </a:lstStyle>
+          <a:p>
+            <a:pPr algn="l"/>
+            <a:r>
+              <a:rPr lang="en-US" sz="3600" dirty="0"/>
+              <a:t>Presented by: Pete Reid</a:t>
+            </a:r>
+          </a:p>
+        </p:txBody>
+      </p:sp>
     </p:spTree>
     <p:extLst>
       <p:ext uri="{BB962C8B-B14F-4D97-AF65-F5344CB8AC3E}">
@@ -3521,7 +4871,7 @@
           <p:nvPr/>
         </p:nvPicPr>
         <p:blipFill rotWithShape="1">
-          <a:blip r:embed="rId2" cstate="email">
+          <a:blip r:embed="rId3" cstate="email">
             <a:extLst>
               <a:ext uri="{28A0092B-C50C-407E-A947-70E740481C1C}">
                 <a14:useLocalDpi xmlns:a14="http://schemas.microsoft.com/office/drawing/2010/main"/>
@@ -3599,6 +4949,51 @@
           </a:p>
         </p:txBody>
       </p:sp>
+      <p:sp>
+        <p:nvSpPr>
+          <p:cNvPr id="13" name="Content Placeholder 12">
+            <a:extLst>
+              <a:ext uri="{FF2B5EF4-FFF2-40B4-BE49-F238E27FC236}">
+                <a16:creationId xmlns:a16="http://schemas.microsoft.com/office/drawing/2014/main" id="{6FCC89BF-09EB-48B7-9FA4-E37B54B387D2}"/>
+              </a:ext>
+            </a:extLst>
+          </p:cNvPr>
+          <p:cNvSpPr>
+            <a:spLocks noGrp="1"/>
+          </p:cNvSpPr>
+          <p:nvPr>
+            <p:ph idx="1"/>
+          </p:nvPr>
+        </p:nvSpPr>
+        <p:spPr/>
+        <p:txBody>
+          <a:bodyPr/>
+          <a:lstStyle/>
+          <a:p>
+            <a:r>
+              <a:rPr lang="en-US" dirty="0"/>
+              <a:t>Taken from handwriting sample forms</a:t>
+            </a:r>
+          </a:p>
+          <a:p>
+            <a:r>
+              <a:rPr lang="en-US" dirty="0"/>
+              <a:t>Using </a:t>
+            </a:r>
+            <a:r>
+              <a:rPr lang="en-US" dirty="0" err="1"/>
+              <a:t>By_Class</a:t>
+            </a:r>
+            <a:r>
+              <a:rPr lang="en-US" dirty="0"/>
+              <a:t> Dataset (unbalanced)</a:t>
+            </a:r>
+          </a:p>
+          <a:p>
+            <a:endParaRPr lang="en-US" dirty="0"/>
+          </a:p>
+        </p:txBody>
+      </p:sp>
       <p:pic>
         <p:nvPicPr>
           <p:cNvPr id="10" name="Picture 9">
@@ -3614,7 +5009,7 @@
           <p:nvPr/>
         </p:nvPicPr>
         <p:blipFill rotWithShape="1">
-          <a:blip r:embed="rId2" cstate="email">
+          <a:blip r:embed="rId3" cstate="email">
             <a:extLst>
               <a:ext uri="{28A0092B-C50C-407E-A947-70E740481C1C}">
                 <a14:useLocalDpi xmlns:a14="http://schemas.microsoft.com/office/drawing/2010/main"/>
@@ -3634,51 +5029,6 @@
           </a:prstGeom>
         </p:spPr>
       </p:pic>
-      <p:sp>
-        <p:nvSpPr>
-          <p:cNvPr id="13" name="Content Placeholder 12">
-            <a:extLst>
-              <a:ext uri="{FF2B5EF4-FFF2-40B4-BE49-F238E27FC236}">
-                <a16:creationId xmlns:a16="http://schemas.microsoft.com/office/drawing/2014/main" id="{6FCC89BF-09EB-48B7-9FA4-E37B54B387D2}"/>
-              </a:ext>
-            </a:extLst>
-          </p:cNvPr>
-          <p:cNvSpPr>
-            <a:spLocks noGrp="1"/>
-          </p:cNvSpPr>
-          <p:nvPr>
-            <p:ph idx="1"/>
-          </p:nvPr>
-        </p:nvSpPr>
-        <p:spPr/>
-        <p:txBody>
-          <a:bodyPr/>
-          <a:lstStyle/>
-          <a:p>
-            <a:r>
-              <a:rPr lang="en-US" dirty="0"/>
-              <a:t>Taken from handwriting sample forms</a:t>
-            </a:r>
-          </a:p>
-          <a:p>
-            <a:r>
-              <a:rPr lang="en-US" dirty="0"/>
-              <a:t>Using </a:t>
-            </a:r>
-            <a:r>
-              <a:rPr lang="en-US" dirty="0" err="1"/>
-              <a:t>By_Class</a:t>
-            </a:r>
-            <a:r>
-              <a:rPr lang="en-US" dirty="0"/>
-              <a:t> Dataset (unbalanced)</a:t>
-            </a:r>
-          </a:p>
-          <a:p>
-            <a:endParaRPr lang="en-US" dirty="0"/>
-          </a:p>
-        </p:txBody>
-      </p:sp>
       <p:pic>
         <p:nvPicPr>
           <p:cNvPr id="4" name="Picture 3">
@@ -3694,7 +5044,7 @@
           <p:nvPr/>
         </p:nvPicPr>
         <p:blipFill>
-          <a:blip r:embed="rId3">
+          <a:blip r:embed="rId4">
             <a:extLst>
               <a:ext uri="{28A0092B-C50C-407E-A947-70E740481C1C}">
                 <a14:useLocalDpi xmlns:a14="http://schemas.microsoft.com/office/drawing/2010/main" val="0"/>
@@ -3817,7 +5167,7 @@
           <p:nvPr/>
         </p:nvPicPr>
         <p:blipFill rotWithShape="1">
-          <a:blip r:embed="rId2" cstate="email">
+          <a:blip r:embed="rId3" cstate="email">
             <a:extLst>
               <a:ext uri="{28A0092B-C50C-407E-A947-70E740481C1C}">
                 <a14:useLocalDpi xmlns:a14="http://schemas.microsoft.com/office/drawing/2010/main"/>
@@ -3829,7 +5179,7 @@
         </p:blipFill>
         <p:spPr>
           <a:xfrm>
-            <a:off x="2776603" y="1690688"/>
+            <a:off x="2775562" y="1924864"/>
             <a:ext cx="6638794" cy="4758500"/>
           </a:xfrm>
           <a:prstGeom prst="rect">
@@ -3910,7 +5260,7 @@
           <p:nvPr/>
         </p:nvPicPr>
         <p:blipFill>
-          <a:blip r:embed="rId2">
+          <a:blip r:embed="rId3">
             <a:extLst>
               <a:ext uri="{28A0092B-C50C-407E-A947-70E740481C1C}">
                 <a14:useLocalDpi xmlns:a14="http://schemas.microsoft.com/office/drawing/2010/main" val="0"/>
@@ -3923,7 +5273,7 @@
         </p:blipFill>
         <p:spPr>
           <a:xfrm>
-            <a:off x="256061" y="1690688"/>
+            <a:off x="256061" y="1871694"/>
             <a:ext cx="5715054" cy="3861523"/>
           </a:xfrm>
           <a:prstGeom prst="rect">
@@ -3946,7 +5296,7 @@
           <p:nvPr/>
         </p:nvPicPr>
         <p:blipFill>
-          <a:blip r:embed="rId3">
+          <a:blip r:embed="rId4">
             <a:extLst>
               <a:ext uri="{28A0092B-C50C-407E-A947-70E740481C1C}">
                 <a14:useLocalDpi xmlns:a14="http://schemas.microsoft.com/office/drawing/2010/main" val="0"/>
@@ -3959,7 +5309,7 @@
         </p:blipFill>
         <p:spPr>
           <a:xfrm>
-            <a:off x="6274947" y="1690687"/>
+            <a:off x="6247916" y="1871693"/>
             <a:ext cx="5660992" cy="3861523"/>
           </a:xfrm>
           <a:prstGeom prst="rect">
@@ -3981,8 +5331,8 @@
         </p:nvSpPr>
         <p:spPr>
           <a:xfrm>
-            <a:off x="5971115" y="5748827"/>
-            <a:ext cx="5964824" cy="646331"/>
+            <a:off x="6247916" y="5733217"/>
+            <a:ext cx="5660992" cy="646331"/>
           </a:xfrm>
           <a:prstGeom prst="rect">
             <a:avLst/>
@@ -3996,14 +5346,20 @@
           <a:p>
             <a:pPr algn="r"/>
             <a:r>
-              <a:rPr lang="en-US" dirty="0"/>
+              <a:rPr lang="en-US" dirty="0">
+                <a:latin typeface="Arial" panose="020B0604020202020204" pitchFamily="34" charset="0"/>
+                <a:cs typeface="Arial" panose="020B0604020202020204" pitchFamily="34" charset="0"/>
+              </a:rPr>
               <a:t>Test score: 0.358586772516</a:t>
             </a:r>
           </a:p>
           <a:p>
             <a:pPr algn="r"/>
             <a:r>
-              <a:rPr lang="en-US" dirty="0"/>
+              <a:rPr lang="en-US" dirty="0">
+                <a:latin typeface="Arial" panose="020B0604020202020204" pitchFamily="34" charset="0"/>
+                <a:cs typeface="Arial" panose="020B0604020202020204" pitchFamily="34" charset="0"/>
+              </a:rPr>
               <a:t>Test accuracy: 0.870438348392</a:t>
             </a:r>
           </a:p>
@@ -4023,8 +5379,8 @@
         </p:nvSpPr>
         <p:spPr>
           <a:xfrm>
-            <a:off x="131176" y="5748826"/>
-            <a:ext cx="5964824" cy="646331"/>
+            <a:off x="256062" y="5743624"/>
+            <a:ext cx="5715054" cy="646331"/>
           </a:xfrm>
           <a:prstGeom prst="rect">
             <a:avLst/>
@@ -4037,13 +5393,19 @@
           <a:lstStyle/>
           <a:p>
             <a:r>
-              <a:rPr lang="en-US" dirty="0"/>
+              <a:rPr lang="en-US" dirty="0">
+                <a:latin typeface="Arial" panose="020B0604020202020204" pitchFamily="34" charset="0"/>
+                <a:cs typeface="Arial" panose="020B0604020202020204" pitchFamily="34" charset="0"/>
+              </a:rPr>
               <a:t>Epochs = 100</a:t>
             </a:r>
           </a:p>
           <a:p>
             <a:r>
-              <a:rPr lang="en-US" dirty="0"/>
+              <a:rPr lang="en-US" dirty="0">
+                <a:latin typeface="Arial" panose="020B0604020202020204" pitchFamily="34" charset="0"/>
+                <a:cs typeface="Arial" panose="020B0604020202020204" pitchFamily="34" charset="0"/>
+              </a:rPr>
               <a:t>Batch size = 256</a:t>
             </a:r>
           </a:p>
@@ -4124,10 +5486,10 @@
           </p:nvPr>
         </p:nvPicPr>
         <p:blipFill>
-          <a:blip r:embed="rId2" cstate="email">
+          <a:blip r:embed="rId3" cstate="email">
             <a:duotone>
               <a:prstClr val="black"/>
-              <a:schemeClr val="accent4">
+              <a:schemeClr val="accent2">
                 <a:tint val="45000"/>
                 <a:satMod val="400000"/>
               </a:schemeClr>
@@ -4145,8 +5507,13 @@
         <p:spPr>
           <a:xfrm>
             <a:off x="362211" y="1815948"/>
-            <a:ext cx="2768875" cy="2785259"/>
+            <a:ext cx="2768875" cy="2798758"/>
           </a:xfrm>
+          <a:ln>
+            <a:solidFill>
+              <a:schemeClr val="tx1"/>
+            </a:solidFill>
+          </a:ln>
         </p:spPr>
       </p:pic>
       <p:pic>
@@ -4155,42 +5522,6 @@
             <a:extLst>
               <a:ext uri="{FF2B5EF4-FFF2-40B4-BE49-F238E27FC236}">
                 <a16:creationId xmlns:a16="http://schemas.microsoft.com/office/drawing/2014/main" id="{76C88EC1-872F-4226-A606-4DA61D2D09AE}"/>
-              </a:ext>
-            </a:extLst>
-          </p:cNvPr>
-          <p:cNvPicPr>
-            <a:picLocks noChangeAspect="1"/>
-          </p:cNvPicPr>
-          <p:nvPr/>
-        </p:nvPicPr>
-        <p:blipFill>
-          <a:blip r:embed="rId2" cstate="email">
-            <a:extLst>
-              <a:ext uri="{28A0092B-C50C-407E-A947-70E740481C1C}">
-                <a14:useLocalDpi xmlns:a14="http://schemas.microsoft.com/office/drawing/2010/main"/>
-              </a:ext>
-            </a:extLst>
-          </a:blip>
-          <a:stretch>
-            <a:fillRect/>
-          </a:stretch>
-        </p:blipFill>
-        <p:spPr>
-          <a:xfrm>
-            <a:off x="3131086" y="1828310"/>
-            <a:ext cx="2768875" cy="2785259"/>
-          </a:xfrm>
-          <a:prstGeom prst="rect">
-            <a:avLst/>
-          </a:prstGeom>
-        </p:spPr>
-      </p:pic>
-      <p:pic>
-        <p:nvPicPr>
-          <p:cNvPr id="9" name="Picture 8">
-            <a:extLst>
-              <a:ext uri="{FF2B5EF4-FFF2-40B4-BE49-F238E27FC236}">
-                <a16:creationId xmlns:a16="http://schemas.microsoft.com/office/drawing/2014/main" id="{9CB5E870-38BE-4695-9E04-05D17DB7A4A4}"/>
               </a:ext>
             </a:extLst>
           </p:cNvPr>
@@ -4213,12 +5544,58 @@
         </p:blipFill>
         <p:spPr>
           <a:xfrm>
-            <a:off x="5899961" y="1840673"/>
-            <a:ext cx="2768875" cy="2785258"/>
+            <a:off x="3131086" y="1828310"/>
+            <a:ext cx="2768875" cy="2798758"/>
           </a:xfrm>
           <a:prstGeom prst="rect">
             <a:avLst/>
           </a:prstGeom>
+          <a:ln>
+            <a:solidFill>
+              <a:schemeClr val="tx1"/>
+            </a:solidFill>
+          </a:ln>
+        </p:spPr>
+      </p:pic>
+      <p:pic>
+        <p:nvPicPr>
+          <p:cNvPr id="9" name="Picture 8">
+            <a:extLst>
+              <a:ext uri="{FF2B5EF4-FFF2-40B4-BE49-F238E27FC236}">
+                <a16:creationId xmlns:a16="http://schemas.microsoft.com/office/drawing/2014/main" id="{9CB5E870-38BE-4695-9E04-05D17DB7A4A4}"/>
+              </a:ext>
+            </a:extLst>
+          </p:cNvPr>
+          <p:cNvPicPr>
+            <a:picLocks noChangeAspect="1"/>
+          </p:cNvPicPr>
+          <p:nvPr/>
+        </p:nvPicPr>
+        <p:blipFill>
+          <a:blip r:embed="rId4" cstate="email">
+            <a:extLst>
+              <a:ext uri="{28A0092B-C50C-407E-A947-70E740481C1C}">
+                <a14:useLocalDpi xmlns:a14="http://schemas.microsoft.com/office/drawing/2010/main"/>
+              </a:ext>
+            </a:extLst>
+          </a:blip>
+          <a:stretch>
+            <a:fillRect/>
+          </a:stretch>
+        </p:blipFill>
+        <p:spPr>
+          <a:xfrm>
+            <a:off x="5899961" y="1840672"/>
+            <a:ext cx="2768875" cy="2798757"/>
+          </a:xfrm>
+          <a:prstGeom prst="rect">
+            <a:avLst/>
+          </a:prstGeom>
+          <a:ln>
+            <a:solidFill>
+              <a:schemeClr val="tx1"/>
+            </a:solidFill>
+          </a:ln>
         </p:spPr>
       </p:pic>
       <p:pic>
@@ -4236,24 +5613,29 @@
           <p:nvPr/>
         </p:nvPicPr>
         <p:blipFill rotWithShape="1">
-          <a:blip r:embed="rId4" cstate="email">
+          <a:blip r:embed="rId5" cstate="email">
             <a:extLst>
               <a:ext uri="{28A0092B-C50C-407E-A947-70E740481C1C}">
                 <a14:useLocalDpi xmlns:a14="http://schemas.microsoft.com/office/drawing/2010/main"/>
               </a:ext>
             </a:extLst>
           </a:blip>
-          <a:srcRect/>
+          <a:srcRect l="2547" b="3861"/>
           <a:stretch/>
         </p:blipFill>
         <p:spPr>
           <a:xfrm>
-            <a:off x="8668835" y="1815948"/>
-            <a:ext cx="3152435" cy="2931416"/>
+            <a:off x="8653773" y="1815947"/>
+            <a:ext cx="3167498" cy="2823481"/>
           </a:xfrm>
           <a:prstGeom prst="rect">
             <a:avLst/>
           </a:prstGeom>
+          <a:ln>
+            <a:solidFill>
+              <a:schemeClr val="tx1"/>
+            </a:solidFill>
+          </a:ln>
         </p:spPr>
       </p:pic>
       <p:sp>
@@ -4271,7 +5653,7 @@
         <p:spPr>
           <a:xfrm>
             <a:off x="362211" y="4957993"/>
-            <a:ext cx="11459058" cy="1200329"/>
+            <a:ext cx="11459057" cy="1200329"/>
           </a:xfrm>
           <a:prstGeom prst="rect">
             <a:avLst/>
@@ -4400,13 +5782,13 @@
         </p:nvSpPr>
         <p:spPr>
           <a:xfrm>
-            <a:off x="838200" y="1825625"/>
-            <a:ext cx="5752070" cy="4351338"/>
+            <a:off x="1202919" y="2057399"/>
+            <a:ext cx="5387351" cy="4119563"/>
           </a:xfrm>
         </p:spPr>
         <p:txBody>
           <a:bodyPr>
-            <a:normAutofit fontScale="92500" lnSpcReduction="10000"/>
+            <a:normAutofit lnSpcReduction="10000"/>
           </a:bodyPr>
           <a:lstStyle/>
           <a:p>
@@ -4467,49 +5849,91 @@
       </p:sp>
       <p:pic>
         <p:nvPicPr>
-          <p:cNvPr id="2050" name="Picture 2" descr="https://i.stack.imgur.com/x3SV0.png">
+          <p:cNvPr id="4" name="Picture 3">
             <a:extLst>
               <a:ext uri="{FF2B5EF4-FFF2-40B4-BE49-F238E27FC236}">
-                <a16:creationId xmlns:a16="http://schemas.microsoft.com/office/drawing/2014/main" id="{1EA930B6-D505-48E4-8371-3292ACFFBE0D}"/>
+                <a16:creationId xmlns:a16="http://schemas.microsoft.com/office/drawing/2014/main" id="{D3F1F222-EEA1-449E-A4CC-275EFFBB7437}"/>
               </a:ext>
             </a:extLst>
           </p:cNvPr>
           <p:cNvPicPr>
-            <a:picLocks noChangeAspect="1" noChangeArrowheads="1"/>
+            <a:picLocks noChangeAspect="1"/>
+          </p:cNvPicPr>
+          <p:nvPr/>
+        </p:nvPicPr>
+        <p:blipFill rotWithShape="1">
+          <a:blip r:embed="rId3"/>
+          <a:srcRect l="52268" t="43056" r="12383" b="50910"/>
+          <a:stretch/>
+        </p:blipFill>
+        <p:spPr>
+          <a:xfrm>
+            <a:off x="6590270" y="2171699"/>
+            <a:ext cx="5521054" cy="920102"/>
+          </a:xfrm>
+          <a:prstGeom prst="rect">
+            <a:avLst/>
+          </a:prstGeom>
+        </p:spPr>
+      </p:pic>
+      <p:pic>
+        <p:nvPicPr>
+          <p:cNvPr id="5" name="Picture 4">
+            <a:extLst>
+              <a:ext uri="{FF2B5EF4-FFF2-40B4-BE49-F238E27FC236}">
+                <a16:creationId xmlns:a16="http://schemas.microsoft.com/office/drawing/2014/main" id="{BFC70FFF-ACBA-4A34-8469-394E692CAB08}"/>
+              </a:ext>
+            </a:extLst>
+          </p:cNvPr>
+          <p:cNvPicPr>
+            <a:picLocks noChangeAspect="1"/>
           </p:cNvPicPr>
           <p:nvPr/>
         </p:nvPicPr>
         <p:blipFill>
-          <a:blip r:embed="rId2">
-            <a:extLst>
-              <a:ext uri="{28A0092B-C50C-407E-A947-70E740481C1C}">
-                <a14:useLocalDpi xmlns:a14="http://schemas.microsoft.com/office/drawing/2010/main" val="0"/>
-              </a:ext>
-            </a:extLst>
-          </a:blip>
-          <a:srcRect/>
+          <a:blip r:embed="rId4"/>
           <a:stretch>
             <a:fillRect/>
           </a:stretch>
         </p:blipFill>
-        <p:spPr bwMode="auto">
+        <p:spPr>
           <a:xfrm>
-            <a:off x="6400800" y="2196413"/>
-            <a:ext cx="4504040" cy="2252020"/>
+            <a:off x="7457422" y="3206101"/>
+            <a:ext cx="3786750" cy="1479000"/>
           </a:xfrm>
           <a:prstGeom prst="rect">
             <a:avLst/>
           </a:prstGeom>
-          <a:noFill/>
-          <a:extLst>
-            <a:ext uri="{909E8E84-426E-40DD-AFC4-6F175D3DCCD1}">
-              <a14:hiddenFill xmlns:a14="http://schemas.microsoft.com/office/drawing/2010/main">
-                <a:solidFill>
-                  <a:srgbClr val="FFFFFF"/>
-                </a:solidFill>
-              </a14:hiddenFill>
-            </a:ext>
-          </a:extLst>
+        </p:spPr>
+      </p:pic>
+      <p:pic>
+        <p:nvPicPr>
+          <p:cNvPr id="6" name="Picture 5">
+            <a:extLst>
+              <a:ext uri="{FF2B5EF4-FFF2-40B4-BE49-F238E27FC236}">
+                <a16:creationId xmlns:a16="http://schemas.microsoft.com/office/drawing/2014/main" id="{E276DF36-82AD-474D-A984-CB55580FE558}"/>
+              </a:ext>
+            </a:extLst>
+          </p:cNvPr>
+          <p:cNvPicPr>
+            <a:picLocks noChangeAspect="1"/>
+          </p:cNvPicPr>
+          <p:nvPr/>
+        </p:nvPicPr>
+        <p:blipFill>
+          <a:blip r:embed="rId5"/>
+          <a:stretch>
+            <a:fillRect/>
+          </a:stretch>
+        </p:blipFill>
+        <p:spPr>
+          <a:xfrm>
+            <a:off x="7438297" y="4799401"/>
+            <a:ext cx="3825000" cy="1836667"/>
+          </a:xfrm>
+          <a:prstGeom prst="rect">
+            <a:avLst/>
+          </a:prstGeom>
         </p:spPr>
       </p:pic>
     </p:spTree>
@@ -4525,7 +5949,483 @@
 </p:sld>
 </file>
 
+<file path=ppt/slides/slide8.xml><?xml version="1.0" encoding="utf-8"?>
+<p:sld xmlns:a="http://schemas.openxmlformats.org/drawingml/2006/main" xmlns:r="http://schemas.openxmlformats.org/officeDocument/2006/relationships" xmlns:p="http://schemas.openxmlformats.org/presentationml/2006/main">
+  <p:cSld>
+    <p:spTree>
+      <p:nvGrpSpPr>
+        <p:cNvPr id="1" name=""/>
+        <p:cNvGrpSpPr/>
+        <p:nvPr/>
+      </p:nvGrpSpPr>
+      <p:grpSpPr>
+        <a:xfrm>
+          <a:off x="0" y="0"/>
+          <a:ext cx="0" cy="0"/>
+          <a:chOff x="0" y="0"/>
+          <a:chExt cx="0" cy="0"/>
+        </a:xfrm>
+      </p:grpSpPr>
+      <p:sp>
+        <p:nvSpPr>
+          <p:cNvPr id="2" name="Title 1">
+            <a:extLst>
+              <a:ext uri="{FF2B5EF4-FFF2-40B4-BE49-F238E27FC236}">
+                <a16:creationId xmlns:a16="http://schemas.microsoft.com/office/drawing/2014/main" id="{827C2FAC-18AC-4914-9018-B85051E89337}"/>
+              </a:ext>
+            </a:extLst>
+          </p:cNvPr>
+          <p:cNvSpPr>
+            <a:spLocks noGrp="1"/>
+          </p:cNvSpPr>
+          <p:nvPr>
+            <p:ph type="title"/>
+          </p:nvPr>
+        </p:nvSpPr>
+        <p:spPr/>
+        <p:txBody>
+          <a:bodyPr/>
+          <a:lstStyle/>
+          <a:p>
+            <a:r>
+              <a:rPr lang="en-US" dirty="0"/>
+              <a:t>Lessons Learned</a:t>
+            </a:r>
+          </a:p>
+        </p:txBody>
+      </p:sp>
+      <p:sp>
+        <p:nvSpPr>
+          <p:cNvPr id="3" name="Content Placeholder 2">
+            <a:extLst>
+              <a:ext uri="{FF2B5EF4-FFF2-40B4-BE49-F238E27FC236}">
+                <a16:creationId xmlns:a16="http://schemas.microsoft.com/office/drawing/2014/main" id="{7F3A09D0-A5CB-4E0C-A97C-BCFDFBC14BEB}"/>
+              </a:ext>
+            </a:extLst>
+          </p:cNvPr>
+          <p:cNvSpPr>
+            <a:spLocks noGrp="1"/>
+          </p:cNvSpPr>
+          <p:nvPr>
+            <p:ph idx="1"/>
+          </p:nvPr>
+        </p:nvSpPr>
+        <p:spPr/>
+        <p:txBody>
+          <a:bodyPr>
+            <a:normAutofit/>
+          </a:bodyPr>
+          <a:lstStyle/>
+          <a:p>
+            <a:r>
+              <a:rPr lang="en-US" dirty="0"/>
+              <a:t>GPU Performance (50 mins per epoch vs 50 sec)</a:t>
+            </a:r>
+          </a:p>
+          <a:p>
+            <a:r>
+              <a:rPr lang="en-US" dirty="0"/>
+              <a:t>Broken characters are difficult to assess (j </a:t>
+            </a:r>
+            <a:r>
+              <a:rPr lang="en-US" dirty="0" err="1"/>
+              <a:t>i</a:t>
+            </a:r>
+            <a:r>
+              <a:rPr lang="en-US" dirty="0"/>
+              <a:t> , . ) </a:t>
+            </a:r>
+          </a:p>
+          <a:p>
+            <a:r>
+              <a:rPr lang="en-US" dirty="0"/>
+              <a:t>Similar letters/digits can be hard to predict without context </a:t>
+            </a:r>
+          </a:p>
+          <a:p>
+            <a:pPr lvl="1"/>
+            <a:r>
+              <a:rPr lang="en-US" dirty="0"/>
+              <a:t>(I=l=1)</a:t>
+            </a:r>
+          </a:p>
+          <a:p>
+            <a:pPr lvl="1"/>
+            <a:r>
+              <a:rPr lang="en-US" dirty="0"/>
+              <a:t>(0=O)</a:t>
+            </a:r>
+          </a:p>
+          <a:p>
+            <a:pPr lvl="1"/>
+            <a:r>
+              <a:rPr lang="en-US" dirty="0"/>
+              <a:t>(B=H)</a:t>
+            </a:r>
+          </a:p>
+          <a:p>
+            <a:pPr lvl="1"/>
+            <a:r>
+              <a:rPr lang="en-US" dirty="0"/>
+              <a:t>(P=R)</a:t>
+            </a:r>
+          </a:p>
+          <a:p>
+            <a:r>
+              <a:rPr lang="en-US" dirty="0"/>
+              <a:t>Context may improve performance</a:t>
+            </a:r>
+          </a:p>
+          <a:p>
+            <a:pPr lvl="1"/>
+            <a:r>
+              <a:rPr lang="en-US" dirty="0"/>
+              <a:t>Multiple models based on the context of the data will result in higher accuracy</a:t>
+            </a:r>
+          </a:p>
+          <a:p>
+            <a:pPr lvl="1"/>
+            <a:r>
+              <a:rPr lang="en-US" dirty="0"/>
+              <a:t>Digit models (MNIST performs better without letters) 99% + Accuracy</a:t>
+            </a:r>
+          </a:p>
+        </p:txBody>
+      </p:sp>
+    </p:spTree>
+    <p:extLst>
+      <p:ext uri="{BB962C8B-B14F-4D97-AF65-F5344CB8AC3E}">
+        <p14:creationId xmlns:p14="http://schemas.microsoft.com/office/powerpoint/2010/main" val="597240147"/>
+      </p:ext>
+    </p:extLst>
+  </p:cSld>
+  <p:clrMapOvr>
+    <a:masterClrMapping/>
+  </p:clrMapOvr>
+</p:sld>
+</file>
+
+<file path=ppt/slides/slide9.xml><?xml version="1.0" encoding="utf-8"?>
+<p:sld xmlns:a="http://schemas.openxmlformats.org/drawingml/2006/main" xmlns:r="http://schemas.openxmlformats.org/officeDocument/2006/relationships" xmlns:p="http://schemas.openxmlformats.org/presentationml/2006/main">
+  <p:cSld>
+    <p:spTree>
+      <p:nvGrpSpPr>
+        <p:cNvPr id="1" name=""/>
+        <p:cNvGrpSpPr/>
+        <p:nvPr/>
+      </p:nvGrpSpPr>
+      <p:grpSpPr>
+        <a:xfrm>
+          <a:off x="0" y="0"/>
+          <a:ext cx="0" cy="0"/>
+          <a:chOff x="0" y="0"/>
+          <a:chExt cx="0" cy="0"/>
+        </a:xfrm>
+      </p:grpSpPr>
+      <p:sp>
+        <p:nvSpPr>
+          <p:cNvPr id="2" name="Title 1">
+            <a:extLst>
+              <a:ext uri="{FF2B5EF4-FFF2-40B4-BE49-F238E27FC236}">
+                <a16:creationId xmlns:a16="http://schemas.microsoft.com/office/drawing/2014/main" id="{827C2FAC-18AC-4914-9018-B85051E89337}"/>
+              </a:ext>
+            </a:extLst>
+          </p:cNvPr>
+          <p:cNvSpPr>
+            <a:spLocks noGrp="1"/>
+          </p:cNvSpPr>
+          <p:nvPr>
+            <p:ph type="title"/>
+          </p:nvPr>
+        </p:nvSpPr>
+        <p:spPr/>
+        <p:txBody>
+          <a:bodyPr/>
+          <a:lstStyle/>
+          <a:p>
+            <a:r>
+              <a:rPr lang="en-US" dirty="0"/>
+              <a:t>Questions</a:t>
+            </a:r>
+          </a:p>
+        </p:txBody>
+      </p:sp>
+    </p:spTree>
+    <p:extLst>
+      <p:ext uri="{BB962C8B-B14F-4D97-AF65-F5344CB8AC3E}">
+        <p14:creationId xmlns:p14="http://schemas.microsoft.com/office/powerpoint/2010/main" val="4276649141"/>
+      </p:ext>
+    </p:extLst>
+  </p:cSld>
+  <p:clrMapOvr>
+    <a:masterClrMapping/>
+  </p:clrMapOvr>
+</p:sld>
+</file>
+
 <file path=ppt/theme/theme1.xml><?xml version="1.0" encoding="utf-8"?>
+<a:theme xmlns:a="http://schemas.openxmlformats.org/drawingml/2006/main" name="Banded">
+  <a:themeElements>
+    <a:clrScheme name="Banded">
+      <a:dk1>
+        <a:srgbClr val="2C2C2C"/>
+      </a:dk1>
+      <a:lt1>
+        <a:srgbClr val="FFFFFF"/>
+      </a:lt1>
+      <a:dk2>
+        <a:srgbClr val="099BDD"/>
+      </a:dk2>
+      <a:lt2>
+        <a:srgbClr val="F2F2F2"/>
+      </a:lt2>
+      <a:accent1>
+        <a:srgbClr val="FFC000"/>
+      </a:accent1>
+      <a:accent2>
+        <a:srgbClr val="A5D028"/>
+      </a:accent2>
+      <a:accent3>
+        <a:srgbClr val="08CC78"/>
+      </a:accent3>
+      <a:accent4>
+        <a:srgbClr val="F24099"/>
+      </a:accent4>
+      <a:accent5>
+        <a:srgbClr val="828288"/>
+      </a:accent5>
+      <a:accent6>
+        <a:srgbClr val="F56617"/>
+      </a:accent6>
+      <a:hlink>
+        <a:srgbClr val="005DBA"/>
+      </a:hlink>
+      <a:folHlink>
+        <a:srgbClr val="6C606A"/>
+      </a:folHlink>
+    </a:clrScheme>
+    <a:fontScheme name="Banded">
+      <a:majorFont>
+        <a:latin typeface="Corbel" panose="020B0503020204020204"/>
+        <a:ea typeface=""/>
+        <a:cs typeface=""/>
+        <a:font script="Jpan" typeface="ＭＳ ゴシック"/>
+        <a:font script="Hang" typeface="맑은 고딕"/>
+        <a:font script="Hans" typeface="宋体"/>
+        <a:font script="Hant" typeface="新細明體"/>
+        <a:font script="Arab" typeface="Tahoma"/>
+        <a:font script="Hebr" typeface="Gisha"/>
+        <a:font script="Thai" typeface="DilleniaUPC"/>
+        <a:font script="Ethi" typeface="Nyala"/>
+        <a:font script="Beng" typeface="Vrinda"/>
+        <a:font script="Gujr" typeface="Shruti"/>
+        <a:font script="Khmr" typeface="DaunPenh"/>
+        <a:font script="Knda" typeface="Tunga"/>
+        <a:font script="Guru" typeface="Raavi"/>
+        <a:font script="Cans" typeface="Euphemia"/>
+        <a:font script="Cher" typeface="Plantagenet Cherokee"/>
+        <a:font script="Yiii" typeface="Microsoft Yi Baiti"/>
+        <a:font script="Tibt" typeface="Microsoft Himalaya"/>
+        <a:font script="Thaa" typeface="MV Boli"/>
+        <a:font script="Deva" typeface="Mangal"/>
+        <a:font script="Telu" typeface="Gautami"/>
+        <a:font script="Taml" typeface="Latha"/>
+        <a:font script="Syrc" typeface="Estrangelo Edessa"/>
+        <a:font script="Orya" typeface="Kalinga"/>
+        <a:font script="Mlym" typeface="Kartika"/>
+        <a:font script="Laoo" typeface="DokChampa"/>
+        <a:font script="Sinh" typeface="Iskoola Pota"/>
+        <a:font script="Mong" typeface="Mongolian Baiti"/>
+        <a:font script="Viet" typeface="Tahoma"/>
+        <a:font script="Uigh" typeface="Microsoft Uighur"/>
+        <a:font script="Geor" typeface="Sylfaen"/>
+      </a:majorFont>
+      <a:minorFont>
+        <a:latin typeface="Corbel" panose="020B0503020204020204"/>
+        <a:ea typeface=""/>
+        <a:cs typeface=""/>
+        <a:font script="Jpan" typeface="ＭＳ ゴシック"/>
+        <a:font script="Hang" typeface="맑은 고딕"/>
+        <a:font script="Hans" typeface="宋体"/>
+        <a:font script="Hant" typeface="新細明體"/>
+        <a:font script="Arab" typeface="Tahoma"/>
+        <a:font script="Hebr" typeface="Gisha"/>
+        <a:font script="Thai" typeface="DilleniaUPC"/>
+        <a:font script="Ethi" typeface="Nyala"/>
+        <a:font script="Beng" typeface="Vrinda"/>
+        <a:font script="Gujr" typeface="Shruti"/>
+        <a:font script="Khmr" typeface="DaunPenh"/>
+        <a:font script="Knda" typeface="Tunga"/>
+        <a:font script="Guru" typeface="Raavi"/>
+        <a:font script="Cans" typeface="Euphemia"/>
+        <a:font script="Cher" typeface="Plantagenet Cherokee"/>
+        <a:font script="Yiii" typeface="Microsoft Yi Baiti"/>
+        <a:font script="Tibt" typeface="Microsoft Himalaya"/>
+        <a:font script="Thaa" typeface="MV Boli"/>
+        <a:font script="Deva" typeface="Mangal"/>
+        <a:font script="Telu" typeface="Gautami"/>
+        <a:font script="Taml" typeface="Latha"/>
+        <a:font script="Syrc" typeface="Estrangelo Edessa"/>
+        <a:font script="Orya" typeface="Kalinga"/>
+        <a:font script="Mlym" typeface="Kartika"/>
+        <a:font script="Laoo" typeface="DokChampa"/>
+        <a:font script="Sinh" typeface="Iskoola Pota"/>
+        <a:font script="Mong" typeface="Mongolian Baiti"/>
+        <a:font script="Viet" typeface="Verdana"/>
+        <a:font script="Uigh" typeface="Microsoft Uighur"/>
+        <a:font script="Geor" typeface="Sylfaen"/>
+      </a:minorFont>
+    </a:fontScheme>
+    <a:fmtScheme name="Banded">
+      <a:fillStyleLst>
+        <a:solidFill>
+          <a:schemeClr val="phClr"/>
+        </a:solidFill>
+        <a:gradFill rotWithShape="1">
+          <a:gsLst>
+            <a:gs pos="0">
+              <a:schemeClr val="phClr">
+                <a:tint val="65000"/>
+                <a:satMod val="120000"/>
+                <a:lumMod val="107000"/>
+              </a:schemeClr>
+            </a:gs>
+            <a:gs pos="50000">
+              <a:schemeClr val="phClr">
+                <a:tint val="70000"/>
+                <a:satMod val="124000"/>
+                <a:lumMod val="103000"/>
+              </a:schemeClr>
+            </a:gs>
+            <a:gs pos="100000">
+              <a:schemeClr val="phClr">
+                <a:tint val="85000"/>
+                <a:satMod val="120000"/>
+                <a:lumMod val="100000"/>
+              </a:schemeClr>
+            </a:gs>
+          </a:gsLst>
+          <a:lin ang="5400000" scaled="0"/>
+        </a:gradFill>
+        <a:gradFill rotWithShape="1">
+          <a:gsLst>
+            <a:gs pos="0">
+              <a:schemeClr val="phClr">
+                <a:tint val="85000"/>
+                <a:shade val="98000"/>
+                <a:satMod val="110000"/>
+                <a:lumMod val="103000"/>
+              </a:schemeClr>
+            </a:gs>
+            <a:gs pos="50000">
+              <a:schemeClr val="phClr">
+                <a:shade val="85000"/>
+                <a:satMod val="105000"/>
+                <a:lumMod val="100000"/>
+              </a:schemeClr>
+            </a:gs>
+            <a:gs pos="100000">
+              <a:schemeClr val="phClr">
+                <a:shade val="60000"/>
+                <a:satMod val="120000"/>
+                <a:lumMod val="100000"/>
+              </a:schemeClr>
+            </a:gs>
+          </a:gsLst>
+          <a:lin ang="5400000" scaled="0"/>
+        </a:gradFill>
+      </a:fillStyleLst>
+      <a:lnStyleLst>
+        <a:ln w="9525" cap="flat" cmpd="sng" algn="ctr">
+          <a:solidFill>
+            <a:schemeClr val="phClr"/>
+          </a:solidFill>
+          <a:prstDash val="solid"/>
+        </a:ln>
+        <a:ln w="12700" cap="flat" cmpd="sng" algn="ctr">
+          <a:solidFill>
+            <a:schemeClr val="phClr"/>
+          </a:solidFill>
+          <a:prstDash val="solid"/>
+        </a:ln>
+        <a:ln w="25400" cap="flat" cmpd="sng" algn="ctr">
+          <a:solidFill>
+            <a:schemeClr val="phClr"/>
+          </a:solidFill>
+          <a:prstDash val="solid"/>
+        </a:ln>
+      </a:lnStyleLst>
+      <a:effectStyleLst>
+        <a:effectStyle>
+          <a:effectLst/>
+        </a:effectStyle>
+        <a:effectStyle>
+          <a:effectLst>
+            <a:outerShdw blurRad="50800" dist="15875" dir="5400000" algn="ctr" rotWithShape="0">
+              <a:srgbClr val="000000">
+                <a:alpha val="68000"/>
+              </a:srgbClr>
+            </a:outerShdw>
+          </a:effectLst>
+        </a:effectStyle>
+        <a:effectStyle>
+          <a:effectLst>
+            <a:outerShdw blurRad="88900" dist="27940" dir="5400000" algn="ctr" rotWithShape="0">
+              <a:srgbClr val="000000">
+                <a:alpha val="63000"/>
+              </a:srgbClr>
+            </a:outerShdw>
+          </a:effectLst>
+        </a:effectStyle>
+      </a:effectStyleLst>
+      <a:bgFillStyleLst>
+        <a:solidFill>
+          <a:schemeClr val="phClr"/>
+        </a:solidFill>
+        <a:blipFill rotWithShape="1">
+          <a:blip xmlns:r="http://schemas.openxmlformats.org/officeDocument/2006/relationships" r:embed="rId1">
+            <a:duotone>
+              <a:schemeClr val="phClr"/>
+              <a:schemeClr val="phClr">
+                <a:shade val="91000"/>
+                <a:satMod val="105000"/>
+              </a:schemeClr>
+            </a:duotone>
+          </a:blip>
+          <a:tile tx="0" ty="0" sx="100000" sy="100000" flip="none" algn="tl"/>
+        </a:blipFill>
+        <a:gradFill rotWithShape="1">
+          <a:gsLst>
+            <a:gs pos="0">
+              <a:schemeClr val="phClr">
+                <a:tint val="100000"/>
+                <a:shade val="0"/>
+                <a:satMod val="100000"/>
+              </a:schemeClr>
+            </a:gs>
+            <a:gs pos="100000">
+              <a:schemeClr val="phClr">
+                <a:shade val="100000"/>
+                <a:satMod val="100000"/>
+              </a:schemeClr>
+            </a:gs>
+          </a:gsLst>
+          <a:lin ang="5400000" scaled="0"/>
+        </a:gradFill>
+      </a:bgFillStyleLst>
+    </a:fmtScheme>
+  </a:themeElements>
+  <a:objectDefaults/>
+  <a:extraClrSchemeLst/>
+  <a:extLst>
+    <a:ext uri="{05A4C25C-085E-4340-85A3-A5531E510DB2}">
+      <thm15:themeFamily xmlns:thm15="http://schemas.microsoft.com/office/thememl/2012/main" name="Banded" id="{98DFF888-2449-4D28-977C-6306C017633E}" vid="{9792607F-9579-4224-82FF-9C88C3E1E53D}"/>
+    </a:ext>
+  </a:extLst>
+</a:theme>
+</file>
+
+<file path=ppt/theme/theme2.xml><?xml version="1.0" encoding="utf-8"?>
 <a:theme xmlns:a="http://schemas.openxmlformats.org/drawingml/2006/main" name="Office Theme">
   <a:themeElements>
     <a:clrScheme name="Office">
